--- a/Módulos/Módulo1/Slides/Treinamento Python - Aula 01.pptx
+++ b/Módulos/Módulo1/Slides/Treinamento Python - Aula 01.pptx
@@ -1,30 +1,30 @@
 
 <file path=ppt/presentation.xml><?xml version="1.0" encoding="utf-8"?>
-<p:presentation xmlns:a="http://schemas.openxmlformats.org/drawingml/2006/main" xmlns:r="http://schemas.openxmlformats.org/officeDocument/2006/relationships" xmlns:mc="http://schemas.openxmlformats.org/markup-compatibility/2006" xmlns:mv="urn:schemas-microsoft-com:mac:vml" xmlns:p="http://schemas.openxmlformats.org/presentationml/2006/main" xmlns:c="http://schemas.openxmlformats.org/drawingml/2006/chart" xmlns:dgm="http://schemas.openxmlformats.org/drawingml/2006/diagram" xmlns:o="urn:schemas-microsoft-com:office:office" xmlns:v="urn:schemas-microsoft-com:vml" xmlns:pvml="urn:schemas-microsoft-com:office:powerpoint" xmlns:com="http://schemas.openxmlformats.org/drawingml/2006/compatibility" xmlns:p14="http://schemas.microsoft.com/office/powerpoint/2010/main" xmlns:p15="http://schemas.microsoft.com/office/powerpoint/2012/main" autoCompressPictures="0" strictFirstAndLastChars="0" saveSubsetFonts="1">
+<p:presentation xmlns:a="http://schemas.openxmlformats.org/drawingml/2006/main" xmlns:r="http://schemas.openxmlformats.org/officeDocument/2006/relationships" xmlns:p="http://schemas.openxmlformats.org/presentationml/2006/main" strictFirstAndLastChars="0" saveSubsetFonts="1" autoCompressPictures="0">
   <p:sldMasterIdLst>
-    <p:sldMasterId id="2147483660" r:id="rId4"/>
+    <p:sldMasterId id="2147483660" r:id="rId1"/>
   </p:sldMasterIdLst>
   <p:notesMasterIdLst>
-    <p:notesMasterId r:id="rId5"/>
+    <p:notesMasterId r:id="rId14"/>
   </p:notesMasterIdLst>
   <p:sldIdLst>
-    <p:sldId id="256" r:id="rId6"/>
-    <p:sldId id="257" r:id="rId7"/>
-    <p:sldId id="258" r:id="rId8"/>
-    <p:sldId id="259" r:id="rId9"/>
-    <p:sldId id="260" r:id="rId10"/>
-    <p:sldId id="261" r:id="rId11"/>
-    <p:sldId id="262" r:id="rId12"/>
-    <p:sldId id="263" r:id="rId13"/>
-    <p:sldId id="264" r:id="rId14"/>
-    <p:sldId id="265" r:id="rId15"/>
-    <p:sldId id="266" r:id="rId16"/>
-    <p:sldId id="267" r:id="rId17"/>
+    <p:sldId id="256" r:id="rId2"/>
+    <p:sldId id="257" r:id="rId3"/>
+    <p:sldId id="258" r:id="rId4"/>
+    <p:sldId id="259" r:id="rId5"/>
+    <p:sldId id="260" r:id="rId6"/>
+    <p:sldId id="261" r:id="rId7"/>
+    <p:sldId id="262" r:id="rId8"/>
+    <p:sldId id="263" r:id="rId9"/>
+    <p:sldId id="264" r:id="rId10"/>
+    <p:sldId id="265" r:id="rId11"/>
+    <p:sldId id="266" r:id="rId12"/>
+    <p:sldId id="267" r:id="rId13"/>
   </p:sldIdLst>
-  <p:sldSz cy="5143500" cx="9144000"/>
+  <p:sldSz cx="9144000" cy="5143500" type="screen16x9"/>
   <p:notesSz cx="6858000" cy="9144000"/>
   <p:defaultTextStyle>
-    <a:defPPr lvl="0" marR="0" rtl="0" algn="l">
+    <a:defPPr marR="0" lvl="0" algn="l" rtl="0">
       <a:lnSpc>
         <a:spcPct val="100000"/>
       </a:lnSpc>
@@ -35,7 +35,7 @@
         <a:spcPts val="0"/>
       </a:spcAft>
     </a:defPPr>
-    <a:lvl1pPr lvl="0" marR="0" rtl="0" algn="l">
+    <a:lvl1pPr marR="0" lvl="0" algn="l" rtl="0">
       <a:lnSpc>
         <a:spcPct val="100000"/>
       </a:lnSpc>
@@ -49,7 +49,7 @@
         <a:srgbClr val="000000"/>
       </a:buClr>
       <a:buFont typeface="Arial"/>
-      <a:defRPr b="0" i="0" sz="1400" u="none" cap="none" strike="noStrike">
+      <a:defRPr sz="1400" b="0" i="0" u="none" strike="noStrike" cap="none">
         <a:solidFill>
           <a:srgbClr val="000000"/>
         </a:solidFill>
@@ -59,7 +59,7 @@
         <a:sym typeface="Arial"/>
       </a:defRPr>
     </a:lvl1pPr>
-    <a:lvl2pPr lvl="1" marR="0" rtl="0" algn="l">
+    <a:lvl2pPr marR="0" lvl="1" algn="l" rtl="0">
       <a:lnSpc>
         <a:spcPct val="100000"/>
       </a:lnSpc>
@@ -73,7 +73,7 @@
         <a:srgbClr val="000000"/>
       </a:buClr>
       <a:buFont typeface="Arial"/>
-      <a:defRPr b="0" i="0" sz="1400" u="none" cap="none" strike="noStrike">
+      <a:defRPr sz="1400" b="0" i="0" u="none" strike="noStrike" cap="none">
         <a:solidFill>
           <a:srgbClr val="000000"/>
         </a:solidFill>
@@ -83,7 +83,7 @@
         <a:sym typeface="Arial"/>
       </a:defRPr>
     </a:lvl2pPr>
-    <a:lvl3pPr lvl="2" marR="0" rtl="0" algn="l">
+    <a:lvl3pPr marR="0" lvl="2" algn="l" rtl="0">
       <a:lnSpc>
         <a:spcPct val="100000"/>
       </a:lnSpc>
@@ -97,7 +97,7 @@
         <a:srgbClr val="000000"/>
       </a:buClr>
       <a:buFont typeface="Arial"/>
-      <a:defRPr b="0" i="0" sz="1400" u="none" cap="none" strike="noStrike">
+      <a:defRPr sz="1400" b="0" i="0" u="none" strike="noStrike" cap="none">
         <a:solidFill>
           <a:srgbClr val="000000"/>
         </a:solidFill>
@@ -107,7 +107,7 @@
         <a:sym typeface="Arial"/>
       </a:defRPr>
     </a:lvl3pPr>
-    <a:lvl4pPr lvl="3" marR="0" rtl="0" algn="l">
+    <a:lvl4pPr marR="0" lvl="3" algn="l" rtl="0">
       <a:lnSpc>
         <a:spcPct val="100000"/>
       </a:lnSpc>
@@ -121,7 +121,7 @@
         <a:srgbClr val="000000"/>
       </a:buClr>
       <a:buFont typeface="Arial"/>
-      <a:defRPr b="0" i="0" sz="1400" u="none" cap="none" strike="noStrike">
+      <a:defRPr sz="1400" b="0" i="0" u="none" strike="noStrike" cap="none">
         <a:solidFill>
           <a:srgbClr val="000000"/>
         </a:solidFill>
@@ -131,7 +131,7 @@
         <a:sym typeface="Arial"/>
       </a:defRPr>
     </a:lvl4pPr>
-    <a:lvl5pPr lvl="4" marR="0" rtl="0" algn="l">
+    <a:lvl5pPr marR="0" lvl="4" algn="l" rtl="0">
       <a:lnSpc>
         <a:spcPct val="100000"/>
       </a:lnSpc>
@@ -145,7 +145,7 @@
         <a:srgbClr val="000000"/>
       </a:buClr>
       <a:buFont typeface="Arial"/>
-      <a:defRPr b="0" i="0" sz="1400" u="none" cap="none" strike="noStrike">
+      <a:defRPr sz="1400" b="0" i="0" u="none" strike="noStrike" cap="none">
         <a:solidFill>
           <a:srgbClr val="000000"/>
         </a:solidFill>
@@ -155,7 +155,7 @@
         <a:sym typeface="Arial"/>
       </a:defRPr>
     </a:lvl5pPr>
-    <a:lvl6pPr lvl="5" marR="0" rtl="0" algn="l">
+    <a:lvl6pPr marR="0" lvl="5" algn="l" rtl="0">
       <a:lnSpc>
         <a:spcPct val="100000"/>
       </a:lnSpc>
@@ -169,7 +169,7 @@
         <a:srgbClr val="000000"/>
       </a:buClr>
       <a:buFont typeface="Arial"/>
-      <a:defRPr b="0" i="0" sz="1400" u="none" cap="none" strike="noStrike">
+      <a:defRPr sz="1400" b="0" i="0" u="none" strike="noStrike" cap="none">
         <a:solidFill>
           <a:srgbClr val="000000"/>
         </a:solidFill>
@@ -179,7 +179,7 @@
         <a:sym typeface="Arial"/>
       </a:defRPr>
     </a:lvl6pPr>
-    <a:lvl7pPr lvl="6" marR="0" rtl="0" algn="l">
+    <a:lvl7pPr marR="0" lvl="6" algn="l" rtl="0">
       <a:lnSpc>
         <a:spcPct val="100000"/>
       </a:lnSpc>
@@ -193,7 +193,7 @@
         <a:srgbClr val="000000"/>
       </a:buClr>
       <a:buFont typeface="Arial"/>
-      <a:defRPr b="0" i="0" sz="1400" u="none" cap="none" strike="noStrike">
+      <a:defRPr sz="1400" b="0" i="0" u="none" strike="noStrike" cap="none">
         <a:solidFill>
           <a:srgbClr val="000000"/>
         </a:solidFill>
@@ -203,7 +203,7 @@
         <a:sym typeface="Arial"/>
       </a:defRPr>
     </a:lvl7pPr>
-    <a:lvl8pPr lvl="7" marR="0" rtl="0" algn="l">
+    <a:lvl8pPr marR="0" lvl="7" algn="l" rtl="0">
       <a:lnSpc>
         <a:spcPct val="100000"/>
       </a:lnSpc>
@@ -217,7 +217,7 @@
         <a:srgbClr val="000000"/>
       </a:buClr>
       <a:buFont typeface="Arial"/>
-      <a:defRPr b="0" i="0" sz="1400" u="none" cap="none" strike="noStrike">
+      <a:defRPr sz="1400" b="0" i="0" u="none" strike="noStrike" cap="none">
         <a:solidFill>
           <a:srgbClr val="000000"/>
         </a:solidFill>
@@ -227,7 +227,7 @@
         <a:sym typeface="Arial"/>
       </a:defRPr>
     </a:lvl8pPr>
-    <a:lvl9pPr lvl="8" marR="0" rtl="0" algn="l">
+    <a:lvl9pPr marR="0" lvl="8" algn="l" rtl="0">
       <a:lnSpc>
         <a:spcPct val="100000"/>
       </a:lnSpc>
@@ -241,7 +241,7 @@
         <a:srgbClr val="000000"/>
       </a:buClr>
       <a:buFont typeface="Arial"/>
-      <a:defRPr b="0" i="0" sz="1400" u="none" cap="none" strike="noStrike">
+      <a:defRPr sz="1400" b="0" i="0" u="none" strike="noStrike" cap="none">
         <a:solidFill>
           <a:srgbClr val="000000"/>
         </a:solidFill>
@@ -254,7 +254,7 @@
   </p:defaultTextStyle>
   <p:extLst>
     <p:ext uri="{EFAFB233-063F-42B5-8137-9DF3F51BA10A}">
-      <p15:sldGuideLst>
+      <p15:sldGuideLst xmlns:p15="http://schemas.microsoft.com/office/powerpoint/2012/main">
         <p15:guide id="1" orient="horz" pos="1620">
           <p15:clr>
             <a:srgbClr val="A4A3A4"/>
@@ -272,11 +272,16 @@
 </file>
 
 <file path=ppt/notesMasters/notesMaster1.xml><?xml version="1.0" encoding="utf-8"?>
-<p:notesMaster xmlns:a="http://schemas.openxmlformats.org/drawingml/2006/main" xmlns:r="http://schemas.openxmlformats.org/officeDocument/2006/relationships" xmlns:mc="http://schemas.openxmlformats.org/markup-compatibility/2006" xmlns:mv="urn:schemas-microsoft-com:mac:vml" xmlns:p="http://schemas.openxmlformats.org/presentationml/2006/main" xmlns:c="http://schemas.openxmlformats.org/drawingml/2006/chart" xmlns:dgm="http://schemas.openxmlformats.org/drawingml/2006/diagram" xmlns:o="urn:schemas-microsoft-com:office:office" xmlns:v="urn:schemas-microsoft-com:vml" xmlns:pvml="urn:schemas-microsoft-com:office:powerpoint" xmlns:com="http://schemas.openxmlformats.org/drawingml/2006/compatibility" xmlns:p14="http://schemas.microsoft.com/office/powerpoint/2010/main" xmlns:p15="http://schemas.microsoft.com/office/powerpoint/2012/main">
+<p:notesMaster xmlns:a="http://schemas.openxmlformats.org/drawingml/2006/main" xmlns:r="http://schemas.openxmlformats.org/officeDocument/2006/relationships" xmlns:p="http://schemas.openxmlformats.org/presentationml/2006/main">
   <p:cSld>
+    <p:bg>
+      <p:bgRef idx="1001">
+        <a:schemeClr val="bg1"/>
+      </p:bgRef>
+    </p:bg>
     <p:spTree>
       <p:nvGrpSpPr>
-        <p:cNvPr id="2" name="Shape 2"/>
+        <p:cNvPr id="1" name="Shape 2"/>
         <p:cNvGrpSpPr/>
         <p:nvPr/>
       </p:nvGrpSpPr>
@@ -291,9 +296,11 @@
       <p:sp>
         <p:nvSpPr>
           <p:cNvPr id="3" name="Google Shape;3;n"/>
-          <p:cNvSpPr/>
+          <p:cNvSpPr>
+            <a:spLocks noGrp="1" noRot="1" noChangeAspect="1"/>
+          </p:cNvSpPr>
           <p:nvPr>
-            <p:ph idx="2" type="sldImg"/>
+            <p:ph type="sldImg" idx="2"/>
           </p:nvPr>
         </p:nvSpPr>
         <p:spPr>
@@ -302,9 +309,13 @@
             <a:ext cx="6096075" cy="3429000"/>
           </a:xfrm>
           <a:custGeom>
-            <a:rect b="b" l="l" r="r" t="t"/>
+            <a:avLst/>
+            <a:gdLst/>
+            <a:ahLst/>
+            <a:cxnLst/>
+            <a:rect l="l" t="t" r="r" b="b"/>
             <a:pathLst>
-              <a:path extrusionOk="0" h="120000" w="120000">
+              <a:path w="120000" h="120000" extrusionOk="0">
                 <a:moveTo>
                   <a:pt x="0" y="0"/>
                 </a:moveTo>
@@ -322,23 +333,25 @@
             </a:pathLst>
           </a:custGeom>
           <a:noFill/>
-          <a:ln cap="flat" cmpd="sng" w="9525">
+          <a:ln w="9525" cap="flat" cmpd="sng">
             <a:solidFill>
               <a:srgbClr val="000000"/>
             </a:solidFill>
             <a:prstDash val="solid"/>
             <a:round/>
-            <a:headEnd len="sm" w="sm" type="none"/>
-            <a:tailEnd len="sm" w="sm" type="none"/>
+            <a:headEnd type="none" w="sm" len="sm"/>
+            <a:tailEnd type="none" w="sm" len="sm"/>
           </a:ln>
         </p:spPr>
       </p:sp>
       <p:sp>
         <p:nvSpPr>
           <p:cNvPr id="4" name="Google Shape;4;n"/>
-          <p:cNvSpPr txBox="1"/>
+          <p:cNvSpPr txBox="1">
+            <a:spLocks noGrp="1"/>
+          </p:cNvSpPr>
           <p:nvPr>
-            <p:ph idx="1" type="body"/>
+            <p:ph type="body" idx="1"/>
           </p:nvPr>
         </p:nvSpPr>
         <p:spPr>
@@ -355,11 +368,11 @@
           </a:ln>
         </p:spPr>
         <p:txBody>
-          <a:bodyPr anchorCtr="0" anchor="t" bIns="91425" lIns="91425" spcFirstLastPara="1" rIns="91425" wrap="square" tIns="91425">
+          <a:bodyPr spcFirstLastPara="1" wrap="square" lIns="91425" tIns="91425" rIns="91425" bIns="91425" anchor="t" anchorCtr="0">
             <a:noAutofit/>
           </a:bodyPr>
           <a:lstStyle>
-            <a:lvl1pPr indent="-298450" lvl="0" marL="457200">
+            <a:lvl1pPr marL="457200" lvl="0" indent="-298450">
               <a:spcBef>
                 <a:spcPts val="0"/>
               </a:spcBef>
@@ -370,7 +383,7 @@
               <a:buChar char="●"/>
               <a:defRPr sz="1100"/>
             </a:lvl1pPr>
-            <a:lvl2pPr indent="-298450" lvl="1" marL="914400">
+            <a:lvl2pPr marL="914400" lvl="1" indent="-298450">
               <a:spcBef>
                 <a:spcPts val="0"/>
               </a:spcBef>
@@ -381,7 +394,7 @@
               <a:buChar char="○"/>
               <a:defRPr sz="1100"/>
             </a:lvl2pPr>
-            <a:lvl3pPr indent="-298450" lvl="2" marL="1371600">
+            <a:lvl3pPr marL="1371600" lvl="2" indent="-298450">
               <a:spcBef>
                 <a:spcPts val="0"/>
               </a:spcBef>
@@ -392,7 +405,7 @@
               <a:buChar char="■"/>
               <a:defRPr sz="1100"/>
             </a:lvl3pPr>
-            <a:lvl4pPr indent="-298450" lvl="3" marL="1828800">
+            <a:lvl4pPr marL="1828800" lvl="3" indent="-298450">
               <a:spcBef>
                 <a:spcPts val="0"/>
               </a:spcBef>
@@ -403,7 +416,7 @@
               <a:buChar char="●"/>
               <a:defRPr sz="1100"/>
             </a:lvl4pPr>
-            <a:lvl5pPr indent="-298450" lvl="4" marL="2286000">
+            <a:lvl5pPr marL="2286000" lvl="4" indent="-298450">
               <a:spcBef>
                 <a:spcPts val="0"/>
               </a:spcBef>
@@ -414,7 +427,7 @@
               <a:buChar char="○"/>
               <a:defRPr sz="1100"/>
             </a:lvl5pPr>
-            <a:lvl6pPr indent="-298450" lvl="5" marL="2743200">
+            <a:lvl6pPr marL="2743200" lvl="5" indent="-298450">
               <a:spcBef>
                 <a:spcPts val="0"/>
               </a:spcBef>
@@ -425,7 +438,7 @@
               <a:buChar char="■"/>
               <a:defRPr sz="1100"/>
             </a:lvl6pPr>
-            <a:lvl7pPr indent="-298450" lvl="6" marL="3200400">
+            <a:lvl7pPr marL="3200400" lvl="6" indent="-298450">
               <a:spcBef>
                 <a:spcPts val="0"/>
               </a:spcBef>
@@ -436,7 +449,7 @@
               <a:buChar char="●"/>
               <a:defRPr sz="1100"/>
             </a:lvl7pPr>
-            <a:lvl8pPr indent="-298450" lvl="7" marL="3657600">
+            <a:lvl8pPr marL="3657600" lvl="7" indent="-298450">
               <a:spcBef>
                 <a:spcPts val="0"/>
               </a:spcBef>
@@ -447,7 +460,7 @@
               <a:buChar char="○"/>
               <a:defRPr sz="1100"/>
             </a:lvl8pPr>
-            <a:lvl9pPr indent="-298450" lvl="8" marL="4114800">
+            <a:lvl9pPr marL="4114800" lvl="8" indent="-298450">
               <a:spcBef>
                 <a:spcPts val="0"/>
               </a:spcBef>
@@ -459,14 +472,16 @@
               <a:defRPr sz="1100"/>
             </a:lvl9pPr>
           </a:lstStyle>
-          <a:p/>
+          <a:p>
+            <a:endParaRPr/>
+          </a:p>
         </p:txBody>
       </p:sp>
     </p:spTree>
   </p:cSld>
-  <p:clrMap accent1="accent1" accent2="accent2" accent3="accent3" accent4="accent4" accent5="accent5" accent6="accent6" bg1="lt1" bg2="dk2" tx1="dk1" tx2="lt2" folHlink="folHlink" hlink="hlink"/>
+  <p:clrMap bg1="lt1" tx1="dk1" bg2="dk2" tx2="lt2" accent1="accent1" accent2="accent2" accent3="accent3" accent4="accent4" accent5="accent5" accent6="accent6" hlink="hlink" folHlink="folHlink"/>
   <p:notesStyle>
-    <a:defPPr lvl="0" marR="0" rtl="0" algn="l">
+    <a:defPPr marR="0" lvl="0" algn="l" rtl="0">
       <a:lnSpc>
         <a:spcPct val="100000"/>
       </a:lnSpc>
@@ -477,7 +492,7 @@
         <a:spcPts val="0"/>
       </a:spcAft>
     </a:defPPr>
-    <a:lvl1pPr lvl="0" marR="0" rtl="0" algn="l">
+    <a:lvl1pPr marR="0" lvl="0" algn="l" rtl="0">
       <a:lnSpc>
         <a:spcPct val="100000"/>
       </a:lnSpc>
@@ -491,7 +506,7 @@
         <a:srgbClr val="000000"/>
       </a:buClr>
       <a:buFont typeface="Arial"/>
-      <a:defRPr b="0" i="0" sz="1400" u="none" cap="none" strike="noStrike">
+      <a:defRPr sz="1400" b="0" i="0" u="none" strike="noStrike" cap="none">
         <a:solidFill>
           <a:srgbClr val="000000"/>
         </a:solidFill>
@@ -501,7 +516,7 @@
         <a:sym typeface="Arial"/>
       </a:defRPr>
     </a:lvl1pPr>
-    <a:lvl2pPr lvl="1" marR="0" rtl="0" algn="l">
+    <a:lvl2pPr marR="0" lvl="1" algn="l" rtl="0">
       <a:lnSpc>
         <a:spcPct val="100000"/>
       </a:lnSpc>
@@ -515,7 +530,7 @@
         <a:srgbClr val="000000"/>
       </a:buClr>
       <a:buFont typeface="Arial"/>
-      <a:defRPr b="0" i="0" sz="1400" u="none" cap="none" strike="noStrike">
+      <a:defRPr sz="1400" b="0" i="0" u="none" strike="noStrike" cap="none">
         <a:solidFill>
           <a:srgbClr val="000000"/>
         </a:solidFill>
@@ -525,7 +540,7 @@
         <a:sym typeface="Arial"/>
       </a:defRPr>
     </a:lvl2pPr>
-    <a:lvl3pPr lvl="2" marR="0" rtl="0" algn="l">
+    <a:lvl3pPr marR="0" lvl="2" algn="l" rtl="0">
       <a:lnSpc>
         <a:spcPct val="100000"/>
       </a:lnSpc>
@@ -539,7 +554,7 @@
         <a:srgbClr val="000000"/>
       </a:buClr>
       <a:buFont typeface="Arial"/>
-      <a:defRPr b="0" i="0" sz="1400" u="none" cap="none" strike="noStrike">
+      <a:defRPr sz="1400" b="0" i="0" u="none" strike="noStrike" cap="none">
         <a:solidFill>
           <a:srgbClr val="000000"/>
         </a:solidFill>
@@ -549,7 +564,7 @@
         <a:sym typeface="Arial"/>
       </a:defRPr>
     </a:lvl3pPr>
-    <a:lvl4pPr lvl="3" marR="0" rtl="0" algn="l">
+    <a:lvl4pPr marR="0" lvl="3" algn="l" rtl="0">
       <a:lnSpc>
         <a:spcPct val="100000"/>
       </a:lnSpc>
@@ -563,7 +578,7 @@
         <a:srgbClr val="000000"/>
       </a:buClr>
       <a:buFont typeface="Arial"/>
-      <a:defRPr b="0" i="0" sz="1400" u="none" cap="none" strike="noStrike">
+      <a:defRPr sz="1400" b="0" i="0" u="none" strike="noStrike" cap="none">
         <a:solidFill>
           <a:srgbClr val="000000"/>
         </a:solidFill>
@@ -573,7 +588,7 @@
         <a:sym typeface="Arial"/>
       </a:defRPr>
     </a:lvl4pPr>
-    <a:lvl5pPr lvl="4" marR="0" rtl="0" algn="l">
+    <a:lvl5pPr marR="0" lvl="4" algn="l" rtl="0">
       <a:lnSpc>
         <a:spcPct val="100000"/>
       </a:lnSpc>
@@ -587,7 +602,7 @@
         <a:srgbClr val="000000"/>
       </a:buClr>
       <a:buFont typeface="Arial"/>
-      <a:defRPr b="0" i="0" sz="1400" u="none" cap="none" strike="noStrike">
+      <a:defRPr sz="1400" b="0" i="0" u="none" strike="noStrike" cap="none">
         <a:solidFill>
           <a:srgbClr val="000000"/>
         </a:solidFill>
@@ -597,7 +612,7 @@
         <a:sym typeface="Arial"/>
       </a:defRPr>
     </a:lvl5pPr>
-    <a:lvl6pPr lvl="5" marR="0" rtl="0" algn="l">
+    <a:lvl6pPr marR="0" lvl="5" algn="l" rtl="0">
       <a:lnSpc>
         <a:spcPct val="100000"/>
       </a:lnSpc>
@@ -611,7 +626,7 @@
         <a:srgbClr val="000000"/>
       </a:buClr>
       <a:buFont typeface="Arial"/>
-      <a:defRPr b="0" i="0" sz="1400" u="none" cap="none" strike="noStrike">
+      <a:defRPr sz="1400" b="0" i="0" u="none" strike="noStrike" cap="none">
         <a:solidFill>
           <a:srgbClr val="000000"/>
         </a:solidFill>
@@ -621,7 +636,7 @@
         <a:sym typeface="Arial"/>
       </a:defRPr>
     </a:lvl6pPr>
-    <a:lvl7pPr lvl="6" marR="0" rtl="0" algn="l">
+    <a:lvl7pPr marR="0" lvl="6" algn="l" rtl="0">
       <a:lnSpc>
         <a:spcPct val="100000"/>
       </a:lnSpc>
@@ -635,7 +650,7 @@
         <a:srgbClr val="000000"/>
       </a:buClr>
       <a:buFont typeface="Arial"/>
-      <a:defRPr b="0" i="0" sz="1400" u="none" cap="none" strike="noStrike">
+      <a:defRPr sz="1400" b="0" i="0" u="none" strike="noStrike" cap="none">
         <a:solidFill>
           <a:srgbClr val="000000"/>
         </a:solidFill>
@@ -645,7 +660,7 @@
         <a:sym typeface="Arial"/>
       </a:defRPr>
     </a:lvl7pPr>
-    <a:lvl8pPr lvl="7" marR="0" rtl="0" algn="l">
+    <a:lvl8pPr marR="0" lvl="7" algn="l" rtl="0">
       <a:lnSpc>
         <a:spcPct val="100000"/>
       </a:lnSpc>
@@ -659,7 +674,7 @@
         <a:srgbClr val="000000"/>
       </a:buClr>
       <a:buFont typeface="Arial"/>
-      <a:defRPr b="0" i="0" sz="1400" u="none" cap="none" strike="noStrike">
+      <a:defRPr sz="1400" b="0" i="0" u="none" strike="noStrike" cap="none">
         <a:solidFill>
           <a:srgbClr val="000000"/>
         </a:solidFill>
@@ -669,7 +684,7 @@
         <a:sym typeface="Arial"/>
       </a:defRPr>
     </a:lvl8pPr>
-    <a:lvl9pPr lvl="8" marR="0" rtl="0" algn="l">
+    <a:lvl9pPr marR="0" lvl="8" algn="l" rtl="0">
       <a:lnSpc>
         <a:spcPct val="100000"/>
       </a:lnSpc>
@@ -683,7 +698,7 @@
         <a:srgbClr val="000000"/>
       </a:buClr>
       <a:buFont typeface="Arial"/>
-      <a:defRPr b="0" i="0" sz="1400" u="none" cap="none" strike="noStrike">
+      <a:defRPr sz="1400" b="0" i="0" u="none" strike="noStrike" cap="none">
         <a:solidFill>
           <a:srgbClr val="000000"/>
         </a:solidFill>
@@ -698,11 +713,11 @@
 </file>
 
 <file path=ppt/notesSlides/notesSlide1.xml><?xml version="1.0" encoding="utf-8"?>
-<p:notes xmlns:a="http://schemas.openxmlformats.org/drawingml/2006/main" xmlns:r="http://schemas.openxmlformats.org/officeDocument/2006/relationships" xmlns:mc="http://schemas.openxmlformats.org/markup-compatibility/2006" xmlns:mv="urn:schemas-microsoft-com:mac:vml" xmlns:p="http://schemas.openxmlformats.org/presentationml/2006/main" xmlns:c="http://schemas.openxmlformats.org/drawingml/2006/chart" xmlns:dgm="http://schemas.openxmlformats.org/drawingml/2006/diagram" xmlns:o="urn:schemas-microsoft-com:office:office" xmlns:v="urn:schemas-microsoft-com:vml" xmlns:pvml="urn:schemas-microsoft-com:office:powerpoint" xmlns:com="http://schemas.openxmlformats.org/drawingml/2006/compatibility" xmlns:p14="http://schemas.microsoft.com/office/powerpoint/2010/main" xmlns:p15="http://schemas.microsoft.com/office/powerpoint/2012/main" showMasterPhAnim="0" showMasterSp="0">
+<p:notes xmlns:a="http://schemas.openxmlformats.org/drawingml/2006/main" xmlns:r="http://schemas.openxmlformats.org/officeDocument/2006/relationships" xmlns:p="http://schemas.openxmlformats.org/presentationml/2006/main" showMasterSp="0" showMasterPhAnim="0">
   <p:cSld>
     <p:spTree>
       <p:nvGrpSpPr>
-        <p:cNvPr id="72" name="Shape 72"/>
+        <p:cNvPr id="1" name="Shape 72"/>
         <p:cNvGrpSpPr/>
         <p:nvPr/>
       </p:nvGrpSpPr>
@@ -717,9 +732,11 @@
       <p:sp>
         <p:nvSpPr>
           <p:cNvPr id="73" name="Google Shape;73;p:notes"/>
-          <p:cNvSpPr/>
+          <p:cNvSpPr>
+            <a:spLocks noGrp="1" noRot="1" noChangeAspect="1"/>
+          </p:cNvSpPr>
           <p:nvPr>
-            <p:ph idx="2" type="sldImg"/>
+            <p:ph type="sldImg" idx="2"/>
           </p:nvPr>
         </p:nvSpPr>
         <p:spPr>
@@ -728,9 +745,13 @@
             <a:ext cx="6096075" cy="3429000"/>
           </a:xfrm>
           <a:custGeom>
-            <a:rect b="b" l="l" r="r" t="t"/>
+            <a:avLst/>
+            <a:gdLst/>
+            <a:ahLst/>
+            <a:cxnLst/>
+            <a:rect l="l" t="t" r="r" b="b"/>
             <a:pathLst>
-              <a:path extrusionOk="0" h="120000" w="120000">
+              <a:path w="120000" h="120000" extrusionOk="0">
                 <a:moveTo>
                   <a:pt x="0" y="0"/>
                 </a:moveTo>
@@ -752,9 +773,11 @@
       <p:sp>
         <p:nvSpPr>
           <p:cNvPr id="74" name="Google Shape;74;p:notes"/>
-          <p:cNvSpPr txBox="1"/>
+          <p:cNvSpPr txBox="1">
+            <a:spLocks noGrp="1"/>
+          </p:cNvSpPr>
           <p:nvPr>
-            <p:ph idx="1" type="body"/>
+            <p:ph type="body" idx="1"/>
           </p:nvPr>
         </p:nvSpPr>
         <p:spPr>
@@ -767,23 +790,20 @@
           </a:prstGeom>
         </p:spPr>
         <p:txBody>
-          <a:bodyPr anchorCtr="0" anchor="t" bIns="91425" lIns="91425" spcFirstLastPara="1" rIns="91425" wrap="square" tIns="91425">
+          <a:bodyPr spcFirstLastPara="1" wrap="square" lIns="91425" tIns="91425" rIns="91425" bIns="91425" anchor="t" anchorCtr="0">
             <a:noAutofit/>
           </a:bodyPr>
           <a:lstStyle/>
           <a:p>
-            <a:pPr indent="0" lvl="0" marL="0" rtl="0" algn="l">
-              <a:spcBef>
-                <a:spcPts val="0"/>
-              </a:spcBef>
-              <a:spcAft>
-                <a:spcPts val="0"/>
-              </a:spcAft>
-              <a:buNone/>
-            </a:pPr>
-            <a:r>
-              <a:t/>
-            </a:r>
+            <a:pPr marL="0" lvl="0" indent="0" algn="l" rtl="0">
+              <a:spcBef>
+                <a:spcPts val="0"/>
+              </a:spcBef>
+              <a:spcAft>
+                <a:spcPts val="0"/>
+              </a:spcAft>
+              <a:buNone/>
+            </a:pPr>
             <a:endParaRPr/>
           </a:p>
         </p:txBody>
@@ -797,11 +817,11 @@
 </file>
 
 <file path=ppt/notesSlides/notesSlide10.xml><?xml version="1.0" encoding="utf-8"?>
-<p:notes xmlns:a="http://schemas.openxmlformats.org/drawingml/2006/main" xmlns:r="http://schemas.openxmlformats.org/officeDocument/2006/relationships" xmlns:mc="http://schemas.openxmlformats.org/markup-compatibility/2006" xmlns:mv="urn:schemas-microsoft-com:mac:vml" xmlns:p="http://schemas.openxmlformats.org/presentationml/2006/main" xmlns:c="http://schemas.openxmlformats.org/drawingml/2006/chart" xmlns:dgm="http://schemas.openxmlformats.org/drawingml/2006/diagram" xmlns:o="urn:schemas-microsoft-com:office:office" xmlns:v="urn:schemas-microsoft-com:vml" xmlns:pvml="urn:schemas-microsoft-com:office:powerpoint" xmlns:com="http://schemas.openxmlformats.org/drawingml/2006/compatibility" xmlns:p14="http://schemas.microsoft.com/office/powerpoint/2010/main" xmlns:p15="http://schemas.microsoft.com/office/powerpoint/2012/main" showMasterPhAnim="0" showMasterSp="0">
+<p:notes xmlns:a="http://schemas.openxmlformats.org/drawingml/2006/main" xmlns:r="http://schemas.openxmlformats.org/officeDocument/2006/relationships" xmlns:p="http://schemas.openxmlformats.org/presentationml/2006/main" showMasterSp="0" showMasterPhAnim="0">
   <p:cSld>
     <p:spTree>
       <p:nvGrpSpPr>
-        <p:cNvPr id="141" name="Shape 141"/>
+        <p:cNvPr id="1" name="Shape 141"/>
         <p:cNvGrpSpPr/>
         <p:nvPr/>
       </p:nvGrpSpPr>
@@ -816,9 +836,11 @@
       <p:sp>
         <p:nvSpPr>
           <p:cNvPr id="142" name="Google Shape;142;g73a94e4728_0_0:notes"/>
-          <p:cNvSpPr/>
+          <p:cNvSpPr>
+            <a:spLocks noGrp="1" noRot="1" noChangeAspect="1"/>
+          </p:cNvSpPr>
           <p:nvPr>
-            <p:ph idx="2" type="sldImg"/>
+            <p:ph type="sldImg" idx="2"/>
           </p:nvPr>
         </p:nvSpPr>
         <p:spPr>
@@ -827,9 +849,13 @@
             <a:ext cx="6096000" cy="3429000"/>
           </a:xfrm>
           <a:custGeom>
-            <a:rect b="b" l="l" r="r" t="t"/>
+            <a:avLst/>
+            <a:gdLst/>
+            <a:ahLst/>
+            <a:cxnLst/>
+            <a:rect l="l" t="t" r="r" b="b"/>
             <a:pathLst>
-              <a:path extrusionOk="0" h="120000" w="120000">
+              <a:path w="120000" h="120000" extrusionOk="0">
                 <a:moveTo>
                   <a:pt x="0" y="0"/>
                 </a:moveTo>
@@ -851,9 +877,11 @@
       <p:sp>
         <p:nvSpPr>
           <p:cNvPr id="143" name="Google Shape;143;g73a94e4728_0_0:notes"/>
-          <p:cNvSpPr txBox="1"/>
+          <p:cNvSpPr txBox="1">
+            <a:spLocks noGrp="1"/>
+          </p:cNvSpPr>
           <p:nvPr>
-            <p:ph idx="1" type="body"/>
+            <p:ph type="body" idx="1"/>
           </p:nvPr>
         </p:nvSpPr>
         <p:spPr>
@@ -866,23 +894,20 @@
           </a:prstGeom>
         </p:spPr>
         <p:txBody>
-          <a:bodyPr anchorCtr="0" anchor="t" bIns="91425" lIns="91425" spcFirstLastPara="1" rIns="91425" wrap="square" tIns="91425">
+          <a:bodyPr spcFirstLastPara="1" wrap="square" lIns="91425" tIns="91425" rIns="91425" bIns="91425" anchor="t" anchorCtr="0">
             <a:noAutofit/>
           </a:bodyPr>
           <a:lstStyle/>
           <a:p>
-            <a:pPr indent="0" lvl="0" marL="0" rtl="0" algn="l">
-              <a:spcBef>
-                <a:spcPts val="0"/>
-              </a:spcBef>
-              <a:spcAft>
-                <a:spcPts val="0"/>
-              </a:spcAft>
-              <a:buNone/>
-            </a:pPr>
-            <a:r>
-              <a:t/>
-            </a:r>
+            <a:pPr marL="0" lvl="0" indent="0" algn="l" rtl="0">
+              <a:spcBef>
+                <a:spcPts val="0"/>
+              </a:spcBef>
+              <a:spcAft>
+                <a:spcPts val="0"/>
+              </a:spcAft>
+              <a:buNone/>
+            </a:pPr>
             <a:endParaRPr/>
           </a:p>
         </p:txBody>
@@ -896,11 +921,11 @@
 </file>
 
 <file path=ppt/notesSlides/notesSlide11.xml><?xml version="1.0" encoding="utf-8"?>
-<p:notes xmlns:a="http://schemas.openxmlformats.org/drawingml/2006/main" xmlns:r="http://schemas.openxmlformats.org/officeDocument/2006/relationships" xmlns:mc="http://schemas.openxmlformats.org/markup-compatibility/2006" xmlns:mv="urn:schemas-microsoft-com:mac:vml" xmlns:p="http://schemas.openxmlformats.org/presentationml/2006/main" xmlns:c="http://schemas.openxmlformats.org/drawingml/2006/chart" xmlns:dgm="http://schemas.openxmlformats.org/drawingml/2006/diagram" xmlns:o="urn:schemas-microsoft-com:office:office" xmlns:v="urn:schemas-microsoft-com:vml" xmlns:pvml="urn:schemas-microsoft-com:office:powerpoint" xmlns:com="http://schemas.openxmlformats.org/drawingml/2006/compatibility" xmlns:p14="http://schemas.microsoft.com/office/powerpoint/2010/main" xmlns:p15="http://schemas.microsoft.com/office/powerpoint/2012/main" showMasterPhAnim="0" showMasterSp="0">
+<p:notes xmlns:a="http://schemas.openxmlformats.org/drawingml/2006/main" xmlns:r="http://schemas.openxmlformats.org/officeDocument/2006/relationships" xmlns:p="http://schemas.openxmlformats.org/presentationml/2006/main" showMasterSp="0" showMasterPhAnim="0">
   <p:cSld>
     <p:spTree>
       <p:nvGrpSpPr>
-        <p:cNvPr id="149" name="Shape 149"/>
+        <p:cNvPr id="1" name="Shape 149"/>
         <p:cNvGrpSpPr/>
         <p:nvPr/>
       </p:nvGrpSpPr>
@@ -915,9 +940,11 @@
       <p:sp>
         <p:nvSpPr>
           <p:cNvPr id="150" name="Google Shape;150;g7fc0005b50_0_0:notes"/>
-          <p:cNvSpPr/>
+          <p:cNvSpPr>
+            <a:spLocks noGrp="1" noRot="1" noChangeAspect="1"/>
+          </p:cNvSpPr>
           <p:nvPr>
-            <p:ph idx="2" type="sldImg"/>
+            <p:ph type="sldImg" idx="2"/>
           </p:nvPr>
         </p:nvSpPr>
         <p:spPr>
@@ -926,9 +953,13 @@
             <a:ext cx="6096000" cy="3429000"/>
           </a:xfrm>
           <a:custGeom>
-            <a:rect b="b" l="l" r="r" t="t"/>
+            <a:avLst/>
+            <a:gdLst/>
+            <a:ahLst/>
+            <a:cxnLst/>
+            <a:rect l="l" t="t" r="r" b="b"/>
             <a:pathLst>
-              <a:path extrusionOk="0" h="120000" w="120000">
+              <a:path w="120000" h="120000" extrusionOk="0">
                 <a:moveTo>
                   <a:pt x="0" y="0"/>
                 </a:moveTo>
@@ -950,9 +981,11 @@
       <p:sp>
         <p:nvSpPr>
           <p:cNvPr id="151" name="Google Shape;151;g7fc0005b50_0_0:notes"/>
-          <p:cNvSpPr txBox="1"/>
+          <p:cNvSpPr txBox="1">
+            <a:spLocks noGrp="1"/>
+          </p:cNvSpPr>
           <p:nvPr>
-            <p:ph idx="1" type="body"/>
+            <p:ph type="body" idx="1"/>
           </p:nvPr>
         </p:nvSpPr>
         <p:spPr>
@@ -965,23 +998,20 @@
           </a:prstGeom>
         </p:spPr>
         <p:txBody>
-          <a:bodyPr anchorCtr="0" anchor="t" bIns="91425" lIns="91425" spcFirstLastPara="1" rIns="91425" wrap="square" tIns="91425">
+          <a:bodyPr spcFirstLastPara="1" wrap="square" lIns="91425" tIns="91425" rIns="91425" bIns="91425" anchor="t" anchorCtr="0">
             <a:noAutofit/>
           </a:bodyPr>
           <a:lstStyle/>
           <a:p>
-            <a:pPr indent="0" lvl="0" marL="0" rtl="0" algn="l">
-              <a:spcBef>
-                <a:spcPts val="0"/>
-              </a:spcBef>
-              <a:spcAft>
-                <a:spcPts val="0"/>
-              </a:spcAft>
-              <a:buNone/>
-            </a:pPr>
-            <a:r>
-              <a:t/>
-            </a:r>
+            <a:pPr marL="0" lvl="0" indent="0" algn="l" rtl="0">
+              <a:spcBef>
+                <a:spcPts val="0"/>
+              </a:spcBef>
+              <a:spcAft>
+                <a:spcPts val="0"/>
+              </a:spcAft>
+              <a:buNone/>
+            </a:pPr>
             <a:endParaRPr/>
           </a:p>
         </p:txBody>
@@ -995,11 +1025,11 @@
 </file>
 
 <file path=ppt/notesSlides/notesSlide12.xml><?xml version="1.0" encoding="utf-8"?>
-<p:notes xmlns:a="http://schemas.openxmlformats.org/drawingml/2006/main" xmlns:r="http://schemas.openxmlformats.org/officeDocument/2006/relationships" xmlns:mc="http://schemas.openxmlformats.org/markup-compatibility/2006" xmlns:mv="urn:schemas-microsoft-com:mac:vml" xmlns:p="http://schemas.openxmlformats.org/presentationml/2006/main" xmlns:c="http://schemas.openxmlformats.org/drawingml/2006/chart" xmlns:dgm="http://schemas.openxmlformats.org/drawingml/2006/diagram" xmlns:o="urn:schemas-microsoft-com:office:office" xmlns:v="urn:schemas-microsoft-com:vml" xmlns:pvml="urn:schemas-microsoft-com:office:powerpoint" xmlns:com="http://schemas.openxmlformats.org/drawingml/2006/compatibility" xmlns:p14="http://schemas.microsoft.com/office/powerpoint/2010/main" xmlns:p15="http://schemas.microsoft.com/office/powerpoint/2012/main" showMasterPhAnim="0" showMasterSp="0">
+<p:notes xmlns:a="http://schemas.openxmlformats.org/drawingml/2006/main" xmlns:r="http://schemas.openxmlformats.org/officeDocument/2006/relationships" xmlns:p="http://schemas.openxmlformats.org/presentationml/2006/main" showMasterSp="0" showMasterPhAnim="0">
   <p:cSld>
     <p:spTree>
       <p:nvGrpSpPr>
-        <p:cNvPr id="156" name="Shape 156"/>
+        <p:cNvPr id="1" name="Shape 156"/>
         <p:cNvGrpSpPr/>
         <p:nvPr/>
       </p:nvGrpSpPr>
@@ -1014,9 +1044,11 @@
       <p:sp>
         <p:nvSpPr>
           <p:cNvPr id="157" name="Google Shape;157;g746b8302ab_1_78:notes"/>
-          <p:cNvSpPr/>
+          <p:cNvSpPr>
+            <a:spLocks noGrp="1" noRot="1" noChangeAspect="1"/>
+          </p:cNvSpPr>
           <p:nvPr>
-            <p:ph idx="2" type="sldImg"/>
+            <p:ph type="sldImg" idx="2"/>
           </p:nvPr>
         </p:nvSpPr>
         <p:spPr>
@@ -1025,9 +1057,13 @@
             <a:ext cx="6096000" cy="3429000"/>
           </a:xfrm>
           <a:custGeom>
-            <a:rect b="b" l="l" r="r" t="t"/>
+            <a:avLst/>
+            <a:gdLst/>
+            <a:ahLst/>
+            <a:cxnLst/>
+            <a:rect l="l" t="t" r="r" b="b"/>
             <a:pathLst>
-              <a:path extrusionOk="0" h="120000" w="120000">
+              <a:path w="120000" h="120000" extrusionOk="0">
                 <a:moveTo>
                   <a:pt x="0" y="0"/>
                 </a:moveTo>
@@ -1049,9 +1085,11 @@
       <p:sp>
         <p:nvSpPr>
           <p:cNvPr id="158" name="Google Shape;158;g746b8302ab_1_78:notes"/>
-          <p:cNvSpPr txBox="1"/>
+          <p:cNvSpPr txBox="1">
+            <a:spLocks noGrp="1"/>
+          </p:cNvSpPr>
           <p:nvPr>
-            <p:ph idx="1" type="body"/>
+            <p:ph type="body" idx="1"/>
           </p:nvPr>
         </p:nvSpPr>
         <p:spPr>
@@ -1064,23 +1102,20 @@
           </a:prstGeom>
         </p:spPr>
         <p:txBody>
-          <a:bodyPr anchorCtr="0" anchor="t" bIns="91425" lIns="91425" spcFirstLastPara="1" rIns="91425" wrap="square" tIns="91425">
+          <a:bodyPr spcFirstLastPara="1" wrap="square" lIns="91425" tIns="91425" rIns="91425" bIns="91425" anchor="t" anchorCtr="0">
             <a:noAutofit/>
           </a:bodyPr>
           <a:lstStyle/>
           <a:p>
-            <a:pPr indent="0" lvl="0" marL="0" rtl="0" algn="l">
-              <a:spcBef>
-                <a:spcPts val="0"/>
-              </a:spcBef>
-              <a:spcAft>
-                <a:spcPts val="0"/>
-              </a:spcAft>
-              <a:buNone/>
-            </a:pPr>
-            <a:r>
-              <a:t/>
-            </a:r>
+            <a:pPr marL="0" lvl="0" indent="0" algn="l" rtl="0">
+              <a:spcBef>
+                <a:spcPts val="0"/>
+              </a:spcBef>
+              <a:spcAft>
+                <a:spcPts val="0"/>
+              </a:spcAft>
+              <a:buNone/>
+            </a:pPr>
             <a:endParaRPr/>
           </a:p>
         </p:txBody>
@@ -1094,11 +1129,11 @@
 </file>
 
 <file path=ppt/notesSlides/notesSlide2.xml><?xml version="1.0" encoding="utf-8"?>
-<p:notes xmlns:a="http://schemas.openxmlformats.org/drawingml/2006/main" xmlns:r="http://schemas.openxmlformats.org/officeDocument/2006/relationships" xmlns:mc="http://schemas.openxmlformats.org/markup-compatibility/2006" xmlns:mv="urn:schemas-microsoft-com:mac:vml" xmlns:p="http://schemas.openxmlformats.org/presentationml/2006/main" xmlns:c="http://schemas.openxmlformats.org/drawingml/2006/chart" xmlns:dgm="http://schemas.openxmlformats.org/drawingml/2006/diagram" xmlns:o="urn:schemas-microsoft-com:office:office" xmlns:v="urn:schemas-microsoft-com:vml" xmlns:pvml="urn:schemas-microsoft-com:office:powerpoint" xmlns:com="http://schemas.openxmlformats.org/drawingml/2006/compatibility" xmlns:p14="http://schemas.microsoft.com/office/powerpoint/2010/main" xmlns:p15="http://schemas.microsoft.com/office/powerpoint/2012/main" showMasterPhAnim="0" showMasterSp="0">
+<p:notes xmlns:a="http://schemas.openxmlformats.org/drawingml/2006/main" xmlns:r="http://schemas.openxmlformats.org/officeDocument/2006/relationships" xmlns:p="http://schemas.openxmlformats.org/presentationml/2006/main" showMasterSp="0" showMasterPhAnim="0">
   <p:cSld>
     <p:spTree>
       <p:nvGrpSpPr>
-        <p:cNvPr id="80" name="Shape 80"/>
+        <p:cNvPr id="1" name="Shape 80"/>
         <p:cNvGrpSpPr/>
         <p:nvPr/>
       </p:nvGrpSpPr>
@@ -1113,20 +1148,26 @@
       <p:sp>
         <p:nvSpPr>
           <p:cNvPr id="81" name="Google Shape;81;g7fb9946126_0_13:notes"/>
-          <p:cNvSpPr/>
+          <p:cNvSpPr>
+            <a:spLocks noGrp="1" noRot="1" noChangeAspect="1"/>
+          </p:cNvSpPr>
           <p:nvPr>
-            <p:ph idx="2" type="sldImg"/>
+            <p:ph type="sldImg" idx="2"/>
           </p:nvPr>
         </p:nvSpPr>
         <p:spPr>
           <a:xfrm>
-            <a:off x="381300" y="685800"/>
+            <a:off x="381000" y="685800"/>
             <a:ext cx="6096000" cy="3429000"/>
           </a:xfrm>
           <a:custGeom>
-            <a:rect b="b" l="l" r="r" t="t"/>
+            <a:avLst/>
+            <a:gdLst/>
+            <a:ahLst/>
+            <a:cxnLst/>
+            <a:rect l="l" t="t" r="r" b="b"/>
             <a:pathLst>
-              <a:path extrusionOk="0" h="120000" w="120000">
+              <a:path w="120000" h="120000" extrusionOk="0">
                 <a:moveTo>
                   <a:pt x="0" y="0"/>
                 </a:moveTo>
@@ -1148,9 +1189,11 @@
       <p:sp>
         <p:nvSpPr>
           <p:cNvPr id="82" name="Google Shape;82;g7fb9946126_0_13:notes"/>
-          <p:cNvSpPr txBox="1"/>
+          <p:cNvSpPr txBox="1">
+            <a:spLocks noGrp="1"/>
+          </p:cNvSpPr>
           <p:nvPr>
-            <p:ph idx="1" type="body"/>
+            <p:ph type="body" idx="1"/>
           </p:nvPr>
         </p:nvSpPr>
         <p:spPr>
@@ -1163,23 +1206,20 @@
           </a:prstGeom>
         </p:spPr>
         <p:txBody>
-          <a:bodyPr anchorCtr="0" anchor="t" bIns="91425" lIns="91425" spcFirstLastPara="1" rIns="91425" wrap="square" tIns="91425">
+          <a:bodyPr spcFirstLastPara="1" wrap="square" lIns="91425" tIns="91425" rIns="91425" bIns="91425" anchor="t" anchorCtr="0">
             <a:noAutofit/>
           </a:bodyPr>
           <a:lstStyle/>
           <a:p>
-            <a:pPr indent="0" lvl="0" marL="0" rtl="0" algn="l">
-              <a:spcBef>
-                <a:spcPts val="0"/>
-              </a:spcBef>
-              <a:spcAft>
-                <a:spcPts val="0"/>
-              </a:spcAft>
-              <a:buNone/>
-            </a:pPr>
-            <a:r>
-              <a:t/>
-            </a:r>
+            <a:pPr marL="0" lvl="0" indent="0" algn="l" rtl="0">
+              <a:spcBef>
+                <a:spcPts val="0"/>
+              </a:spcBef>
+              <a:spcAft>
+                <a:spcPts val="0"/>
+              </a:spcAft>
+              <a:buNone/>
+            </a:pPr>
             <a:endParaRPr/>
           </a:p>
         </p:txBody>
@@ -1193,11 +1233,11 @@
 </file>
 
 <file path=ppt/notesSlides/notesSlide3.xml><?xml version="1.0" encoding="utf-8"?>
-<p:notes xmlns:a="http://schemas.openxmlformats.org/drawingml/2006/main" xmlns:r="http://schemas.openxmlformats.org/officeDocument/2006/relationships" xmlns:mc="http://schemas.openxmlformats.org/markup-compatibility/2006" xmlns:mv="urn:schemas-microsoft-com:mac:vml" xmlns:p="http://schemas.openxmlformats.org/presentationml/2006/main" xmlns:c="http://schemas.openxmlformats.org/drawingml/2006/chart" xmlns:dgm="http://schemas.openxmlformats.org/drawingml/2006/diagram" xmlns:o="urn:schemas-microsoft-com:office:office" xmlns:v="urn:schemas-microsoft-com:vml" xmlns:pvml="urn:schemas-microsoft-com:office:powerpoint" xmlns:com="http://schemas.openxmlformats.org/drawingml/2006/compatibility" xmlns:p14="http://schemas.microsoft.com/office/powerpoint/2010/main" xmlns:p15="http://schemas.microsoft.com/office/powerpoint/2012/main" showMasterPhAnim="0" showMasterSp="0">
+<p:notes xmlns:a="http://schemas.openxmlformats.org/drawingml/2006/main" xmlns:r="http://schemas.openxmlformats.org/officeDocument/2006/relationships" xmlns:p="http://schemas.openxmlformats.org/presentationml/2006/main" showMasterSp="0" showMasterPhAnim="0">
   <p:cSld>
     <p:spTree>
       <p:nvGrpSpPr>
-        <p:cNvPr id="89" name="Shape 89"/>
+        <p:cNvPr id="1" name="Shape 89"/>
         <p:cNvGrpSpPr/>
         <p:nvPr/>
       </p:nvGrpSpPr>
@@ -1212,9 +1252,11 @@
       <p:sp>
         <p:nvSpPr>
           <p:cNvPr id="90" name="Google Shape;90;g7fcb99a34c_0_5:notes"/>
-          <p:cNvSpPr/>
+          <p:cNvSpPr>
+            <a:spLocks noGrp="1" noRot="1" noChangeAspect="1"/>
+          </p:cNvSpPr>
           <p:nvPr>
-            <p:ph idx="2" type="sldImg"/>
+            <p:ph type="sldImg" idx="2"/>
           </p:nvPr>
         </p:nvSpPr>
         <p:spPr>
@@ -1223,9 +1265,13 @@
             <a:ext cx="6096000" cy="3429000"/>
           </a:xfrm>
           <a:custGeom>
-            <a:rect b="b" l="l" r="r" t="t"/>
+            <a:avLst/>
+            <a:gdLst/>
+            <a:ahLst/>
+            <a:cxnLst/>
+            <a:rect l="l" t="t" r="r" b="b"/>
             <a:pathLst>
-              <a:path extrusionOk="0" h="120000" w="120000">
+              <a:path w="120000" h="120000" extrusionOk="0">
                 <a:moveTo>
                   <a:pt x="0" y="0"/>
                 </a:moveTo>
@@ -1247,9 +1293,11 @@
       <p:sp>
         <p:nvSpPr>
           <p:cNvPr id="91" name="Google Shape;91;g7fcb99a34c_0_5:notes"/>
-          <p:cNvSpPr txBox="1"/>
+          <p:cNvSpPr txBox="1">
+            <a:spLocks noGrp="1"/>
+          </p:cNvSpPr>
           <p:nvPr>
-            <p:ph idx="1" type="body"/>
+            <p:ph type="body" idx="1"/>
           </p:nvPr>
         </p:nvSpPr>
         <p:spPr>
@@ -1262,23 +1310,20 @@
           </a:prstGeom>
         </p:spPr>
         <p:txBody>
-          <a:bodyPr anchorCtr="0" anchor="t" bIns="91425" lIns="91425" spcFirstLastPara="1" rIns="91425" wrap="square" tIns="91425">
+          <a:bodyPr spcFirstLastPara="1" wrap="square" lIns="91425" tIns="91425" rIns="91425" bIns="91425" anchor="t" anchorCtr="0">
             <a:noAutofit/>
           </a:bodyPr>
           <a:lstStyle/>
           <a:p>
-            <a:pPr indent="0" lvl="0" marL="0" rtl="0" algn="l">
-              <a:spcBef>
-                <a:spcPts val="0"/>
-              </a:spcBef>
-              <a:spcAft>
-                <a:spcPts val="0"/>
-              </a:spcAft>
-              <a:buNone/>
-            </a:pPr>
-            <a:r>
-              <a:t/>
-            </a:r>
+            <a:pPr marL="0" lvl="0" indent="0" algn="l" rtl="0">
+              <a:spcBef>
+                <a:spcPts val="0"/>
+              </a:spcBef>
+              <a:spcAft>
+                <a:spcPts val="0"/>
+              </a:spcAft>
+              <a:buNone/>
+            </a:pPr>
             <a:endParaRPr/>
           </a:p>
         </p:txBody>
@@ -1292,11 +1337,11 @@
 </file>
 
 <file path=ppt/notesSlides/notesSlide4.xml><?xml version="1.0" encoding="utf-8"?>
-<p:notes xmlns:a="http://schemas.openxmlformats.org/drawingml/2006/main" xmlns:r="http://schemas.openxmlformats.org/officeDocument/2006/relationships" xmlns:mc="http://schemas.openxmlformats.org/markup-compatibility/2006" xmlns:mv="urn:schemas-microsoft-com:mac:vml" xmlns:p="http://schemas.openxmlformats.org/presentationml/2006/main" xmlns:c="http://schemas.openxmlformats.org/drawingml/2006/chart" xmlns:dgm="http://schemas.openxmlformats.org/drawingml/2006/diagram" xmlns:o="urn:schemas-microsoft-com:office:office" xmlns:v="urn:schemas-microsoft-com:vml" xmlns:pvml="urn:schemas-microsoft-com:office:powerpoint" xmlns:com="http://schemas.openxmlformats.org/drawingml/2006/compatibility" xmlns:p14="http://schemas.microsoft.com/office/powerpoint/2010/main" xmlns:p15="http://schemas.microsoft.com/office/powerpoint/2012/main" showMasterPhAnim="0" showMasterSp="0">
+<p:notes xmlns:a="http://schemas.openxmlformats.org/drawingml/2006/main" xmlns:r="http://schemas.openxmlformats.org/officeDocument/2006/relationships" xmlns:p="http://schemas.openxmlformats.org/presentationml/2006/main" showMasterSp="0" showMasterPhAnim="0">
   <p:cSld>
     <p:spTree>
       <p:nvGrpSpPr>
-        <p:cNvPr id="96" name="Shape 96"/>
+        <p:cNvPr id="1" name="Shape 96"/>
         <p:cNvGrpSpPr/>
         <p:nvPr/>
       </p:nvGrpSpPr>
@@ -1311,9 +1356,11 @@
       <p:sp>
         <p:nvSpPr>
           <p:cNvPr id="97" name="Google Shape;97;g7fcb99a34c_0_13:notes"/>
-          <p:cNvSpPr/>
+          <p:cNvSpPr>
+            <a:spLocks noGrp="1" noRot="1" noChangeAspect="1"/>
+          </p:cNvSpPr>
           <p:nvPr>
-            <p:ph idx="2" type="sldImg"/>
+            <p:ph type="sldImg" idx="2"/>
           </p:nvPr>
         </p:nvSpPr>
         <p:spPr>
@@ -1322,9 +1369,13 @@
             <a:ext cx="6096000" cy="3429000"/>
           </a:xfrm>
           <a:custGeom>
-            <a:rect b="b" l="l" r="r" t="t"/>
+            <a:avLst/>
+            <a:gdLst/>
+            <a:ahLst/>
+            <a:cxnLst/>
+            <a:rect l="l" t="t" r="r" b="b"/>
             <a:pathLst>
-              <a:path extrusionOk="0" h="120000" w="120000">
+              <a:path w="120000" h="120000" extrusionOk="0">
                 <a:moveTo>
                   <a:pt x="0" y="0"/>
                 </a:moveTo>
@@ -1346,9 +1397,11 @@
       <p:sp>
         <p:nvSpPr>
           <p:cNvPr id="98" name="Google Shape;98;g7fcb99a34c_0_13:notes"/>
-          <p:cNvSpPr txBox="1"/>
+          <p:cNvSpPr txBox="1">
+            <a:spLocks noGrp="1"/>
+          </p:cNvSpPr>
           <p:nvPr>
-            <p:ph idx="1" type="body"/>
+            <p:ph type="body" idx="1"/>
           </p:nvPr>
         </p:nvSpPr>
         <p:spPr>
@@ -1361,23 +1414,20 @@
           </a:prstGeom>
         </p:spPr>
         <p:txBody>
-          <a:bodyPr anchorCtr="0" anchor="t" bIns="91425" lIns="91425" spcFirstLastPara="1" rIns="91425" wrap="square" tIns="91425">
+          <a:bodyPr spcFirstLastPara="1" wrap="square" lIns="91425" tIns="91425" rIns="91425" bIns="91425" anchor="t" anchorCtr="0">
             <a:noAutofit/>
           </a:bodyPr>
           <a:lstStyle/>
           <a:p>
-            <a:pPr indent="0" lvl="0" marL="0" rtl="0" algn="l">
-              <a:spcBef>
-                <a:spcPts val="0"/>
-              </a:spcBef>
-              <a:spcAft>
-                <a:spcPts val="0"/>
-              </a:spcAft>
-              <a:buNone/>
-            </a:pPr>
-            <a:r>
-              <a:t/>
-            </a:r>
+            <a:pPr marL="0" lvl="0" indent="0" algn="l" rtl="0">
+              <a:spcBef>
+                <a:spcPts val="0"/>
+              </a:spcBef>
+              <a:spcAft>
+                <a:spcPts val="0"/>
+              </a:spcAft>
+              <a:buNone/>
+            </a:pPr>
             <a:endParaRPr/>
           </a:p>
         </p:txBody>
@@ -1391,11 +1441,11 @@
 </file>
 
 <file path=ppt/notesSlides/notesSlide5.xml><?xml version="1.0" encoding="utf-8"?>
-<p:notes xmlns:a="http://schemas.openxmlformats.org/drawingml/2006/main" xmlns:r="http://schemas.openxmlformats.org/officeDocument/2006/relationships" xmlns:mc="http://schemas.openxmlformats.org/markup-compatibility/2006" xmlns:mv="urn:schemas-microsoft-com:mac:vml" xmlns:p="http://schemas.openxmlformats.org/presentationml/2006/main" xmlns:c="http://schemas.openxmlformats.org/drawingml/2006/chart" xmlns:dgm="http://schemas.openxmlformats.org/drawingml/2006/diagram" xmlns:o="urn:schemas-microsoft-com:office:office" xmlns:v="urn:schemas-microsoft-com:vml" xmlns:pvml="urn:schemas-microsoft-com:office:powerpoint" xmlns:com="http://schemas.openxmlformats.org/drawingml/2006/compatibility" xmlns:p14="http://schemas.microsoft.com/office/powerpoint/2010/main" xmlns:p15="http://schemas.microsoft.com/office/powerpoint/2012/main" showMasterPhAnim="0" showMasterSp="0">
+<p:notes xmlns:a="http://schemas.openxmlformats.org/drawingml/2006/main" xmlns:r="http://schemas.openxmlformats.org/officeDocument/2006/relationships" xmlns:p="http://schemas.openxmlformats.org/presentationml/2006/main" showMasterSp="0" showMasterPhAnim="0">
   <p:cSld>
     <p:spTree>
       <p:nvGrpSpPr>
-        <p:cNvPr id="104" name="Shape 104"/>
+        <p:cNvPr id="1" name="Shape 104"/>
         <p:cNvGrpSpPr/>
         <p:nvPr/>
       </p:nvGrpSpPr>
@@ -1410,9 +1460,11 @@
       <p:sp>
         <p:nvSpPr>
           <p:cNvPr id="105" name="Google Shape;105;g731cf15c2e_0_69:notes"/>
-          <p:cNvSpPr/>
+          <p:cNvSpPr>
+            <a:spLocks noGrp="1" noRot="1" noChangeAspect="1"/>
+          </p:cNvSpPr>
           <p:nvPr>
-            <p:ph idx="2" type="sldImg"/>
+            <p:ph type="sldImg" idx="2"/>
           </p:nvPr>
         </p:nvSpPr>
         <p:spPr>
@@ -1421,9 +1473,13 @@
             <a:ext cx="6096000" cy="3429000"/>
           </a:xfrm>
           <a:custGeom>
-            <a:rect b="b" l="l" r="r" t="t"/>
+            <a:avLst/>
+            <a:gdLst/>
+            <a:ahLst/>
+            <a:cxnLst/>
+            <a:rect l="l" t="t" r="r" b="b"/>
             <a:pathLst>
-              <a:path extrusionOk="0" h="120000" w="120000">
+              <a:path w="120000" h="120000" extrusionOk="0">
                 <a:moveTo>
                   <a:pt x="0" y="0"/>
                 </a:moveTo>
@@ -1445,9 +1501,11 @@
       <p:sp>
         <p:nvSpPr>
           <p:cNvPr id="106" name="Google Shape;106;g731cf15c2e_0_69:notes"/>
-          <p:cNvSpPr txBox="1"/>
+          <p:cNvSpPr txBox="1">
+            <a:spLocks noGrp="1"/>
+          </p:cNvSpPr>
           <p:nvPr>
-            <p:ph idx="1" type="body"/>
+            <p:ph type="body" idx="1"/>
           </p:nvPr>
         </p:nvSpPr>
         <p:spPr>
@@ -1460,23 +1518,20 @@
           </a:prstGeom>
         </p:spPr>
         <p:txBody>
-          <a:bodyPr anchorCtr="0" anchor="t" bIns="91425" lIns="91425" spcFirstLastPara="1" rIns="91425" wrap="square" tIns="91425">
+          <a:bodyPr spcFirstLastPara="1" wrap="square" lIns="91425" tIns="91425" rIns="91425" bIns="91425" anchor="t" anchorCtr="0">
             <a:noAutofit/>
           </a:bodyPr>
           <a:lstStyle/>
           <a:p>
-            <a:pPr indent="0" lvl="0" marL="0" rtl="0" algn="l">
-              <a:spcBef>
-                <a:spcPts val="0"/>
-              </a:spcBef>
-              <a:spcAft>
-                <a:spcPts val="0"/>
-              </a:spcAft>
-              <a:buNone/>
-            </a:pPr>
-            <a:r>
-              <a:t/>
-            </a:r>
+            <a:pPr marL="0" lvl="0" indent="0" algn="l" rtl="0">
+              <a:spcBef>
+                <a:spcPts val="0"/>
+              </a:spcBef>
+              <a:spcAft>
+                <a:spcPts val="0"/>
+              </a:spcAft>
+              <a:buNone/>
+            </a:pPr>
             <a:endParaRPr/>
           </a:p>
         </p:txBody>
@@ -1490,11 +1545,11 @@
 </file>
 
 <file path=ppt/notesSlides/notesSlide6.xml><?xml version="1.0" encoding="utf-8"?>
-<p:notes xmlns:a="http://schemas.openxmlformats.org/drawingml/2006/main" xmlns:r="http://schemas.openxmlformats.org/officeDocument/2006/relationships" xmlns:mc="http://schemas.openxmlformats.org/markup-compatibility/2006" xmlns:mv="urn:schemas-microsoft-com:mac:vml" xmlns:p="http://schemas.openxmlformats.org/presentationml/2006/main" xmlns:c="http://schemas.openxmlformats.org/drawingml/2006/chart" xmlns:dgm="http://schemas.openxmlformats.org/drawingml/2006/diagram" xmlns:o="urn:schemas-microsoft-com:office:office" xmlns:v="urn:schemas-microsoft-com:vml" xmlns:pvml="urn:schemas-microsoft-com:office:powerpoint" xmlns:com="http://schemas.openxmlformats.org/drawingml/2006/compatibility" xmlns:p14="http://schemas.microsoft.com/office/powerpoint/2010/main" xmlns:p15="http://schemas.microsoft.com/office/powerpoint/2012/main" showMasterPhAnim="0" showMasterSp="0">
+<p:notes xmlns:a="http://schemas.openxmlformats.org/drawingml/2006/main" xmlns:r="http://schemas.openxmlformats.org/officeDocument/2006/relationships" xmlns:p="http://schemas.openxmlformats.org/presentationml/2006/main" showMasterSp="0" showMasterPhAnim="0">
   <p:cSld>
     <p:spTree>
       <p:nvGrpSpPr>
-        <p:cNvPr id="112" name="Shape 112"/>
+        <p:cNvPr id="1" name="Shape 112"/>
         <p:cNvGrpSpPr/>
         <p:nvPr/>
       </p:nvGrpSpPr>
@@ -1509,9 +1564,11 @@
       <p:sp>
         <p:nvSpPr>
           <p:cNvPr id="113" name="Google Shape;113;g731cf15c2e_0_75:notes"/>
-          <p:cNvSpPr/>
+          <p:cNvSpPr>
+            <a:spLocks noGrp="1" noRot="1" noChangeAspect="1"/>
+          </p:cNvSpPr>
           <p:nvPr>
-            <p:ph idx="2" type="sldImg"/>
+            <p:ph type="sldImg" idx="2"/>
           </p:nvPr>
         </p:nvSpPr>
         <p:spPr>
@@ -1520,9 +1577,13 @@
             <a:ext cx="6096000" cy="3429000"/>
           </a:xfrm>
           <a:custGeom>
-            <a:rect b="b" l="l" r="r" t="t"/>
+            <a:avLst/>
+            <a:gdLst/>
+            <a:ahLst/>
+            <a:cxnLst/>
+            <a:rect l="l" t="t" r="r" b="b"/>
             <a:pathLst>
-              <a:path extrusionOk="0" h="120000" w="120000">
+              <a:path w="120000" h="120000" extrusionOk="0">
                 <a:moveTo>
                   <a:pt x="0" y="0"/>
                 </a:moveTo>
@@ -1544,9 +1605,11 @@
       <p:sp>
         <p:nvSpPr>
           <p:cNvPr id="114" name="Google Shape;114;g731cf15c2e_0_75:notes"/>
-          <p:cNvSpPr txBox="1"/>
+          <p:cNvSpPr txBox="1">
+            <a:spLocks noGrp="1"/>
+          </p:cNvSpPr>
           <p:nvPr>
-            <p:ph idx="1" type="body"/>
+            <p:ph type="body" idx="1"/>
           </p:nvPr>
         </p:nvSpPr>
         <p:spPr>
@@ -1559,23 +1622,20 @@
           </a:prstGeom>
         </p:spPr>
         <p:txBody>
-          <a:bodyPr anchorCtr="0" anchor="t" bIns="91425" lIns="91425" spcFirstLastPara="1" rIns="91425" wrap="square" tIns="91425">
+          <a:bodyPr spcFirstLastPara="1" wrap="square" lIns="91425" tIns="91425" rIns="91425" bIns="91425" anchor="t" anchorCtr="0">
             <a:noAutofit/>
           </a:bodyPr>
           <a:lstStyle/>
           <a:p>
-            <a:pPr indent="0" lvl="0" marL="0" rtl="0" algn="l">
-              <a:spcBef>
-                <a:spcPts val="0"/>
-              </a:spcBef>
-              <a:spcAft>
-                <a:spcPts val="0"/>
-              </a:spcAft>
-              <a:buNone/>
-            </a:pPr>
-            <a:r>
-              <a:t/>
-            </a:r>
+            <a:pPr marL="0" lvl="0" indent="0" algn="l" rtl="0">
+              <a:spcBef>
+                <a:spcPts val="0"/>
+              </a:spcBef>
+              <a:spcAft>
+                <a:spcPts val="0"/>
+              </a:spcAft>
+              <a:buNone/>
+            </a:pPr>
             <a:endParaRPr/>
           </a:p>
         </p:txBody>
@@ -1589,11 +1649,11 @@
 </file>
 
 <file path=ppt/notesSlides/notesSlide7.xml><?xml version="1.0" encoding="utf-8"?>
-<p:notes xmlns:a="http://schemas.openxmlformats.org/drawingml/2006/main" xmlns:r="http://schemas.openxmlformats.org/officeDocument/2006/relationships" xmlns:mc="http://schemas.openxmlformats.org/markup-compatibility/2006" xmlns:mv="urn:schemas-microsoft-com:mac:vml" xmlns:p="http://schemas.openxmlformats.org/presentationml/2006/main" xmlns:c="http://schemas.openxmlformats.org/drawingml/2006/chart" xmlns:dgm="http://schemas.openxmlformats.org/drawingml/2006/diagram" xmlns:o="urn:schemas-microsoft-com:office:office" xmlns:v="urn:schemas-microsoft-com:vml" xmlns:pvml="urn:schemas-microsoft-com:office:powerpoint" xmlns:com="http://schemas.openxmlformats.org/drawingml/2006/compatibility" xmlns:p14="http://schemas.microsoft.com/office/powerpoint/2010/main" xmlns:p15="http://schemas.microsoft.com/office/powerpoint/2012/main" showMasterPhAnim="0" showMasterSp="0">
+<p:notes xmlns:a="http://schemas.openxmlformats.org/drawingml/2006/main" xmlns:r="http://schemas.openxmlformats.org/officeDocument/2006/relationships" xmlns:p="http://schemas.openxmlformats.org/presentationml/2006/main" showMasterSp="0" showMasterPhAnim="0">
   <p:cSld>
     <p:spTree>
       <p:nvGrpSpPr>
-        <p:cNvPr id="120" name="Shape 120"/>
+        <p:cNvPr id="1" name="Shape 120"/>
         <p:cNvGrpSpPr/>
         <p:nvPr/>
       </p:nvGrpSpPr>
@@ -1608,9 +1668,11 @@
       <p:sp>
         <p:nvSpPr>
           <p:cNvPr id="121" name="Google Shape;121;g731cf15c2e_0_153:notes"/>
-          <p:cNvSpPr/>
+          <p:cNvSpPr>
+            <a:spLocks noGrp="1" noRot="1" noChangeAspect="1"/>
+          </p:cNvSpPr>
           <p:nvPr>
-            <p:ph idx="2" type="sldImg"/>
+            <p:ph type="sldImg" idx="2"/>
           </p:nvPr>
         </p:nvSpPr>
         <p:spPr>
@@ -1619,9 +1681,13 @@
             <a:ext cx="6096000" cy="3429000"/>
           </a:xfrm>
           <a:custGeom>
-            <a:rect b="b" l="l" r="r" t="t"/>
+            <a:avLst/>
+            <a:gdLst/>
+            <a:ahLst/>
+            <a:cxnLst/>
+            <a:rect l="l" t="t" r="r" b="b"/>
             <a:pathLst>
-              <a:path extrusionOk="0" h="120000" w="120000">
+              <a:path w="120000" h="120000" extrusionOk="0">
                 <a:moveTo>
                   <a:pt x="0" y="0"/>
                 </a:moveTo>
@@ -1643,9 +1709,11 @@
       <p:sp>
         <p:nvSpPr>
           <p:cNvPr id="122" name="Google Shape;122;g731cf15c2e_0_153:notes"/>
-          <p:cNvSpPr txBox="1"/>
+          <p:cNvSpPr txBox="1">
+            <a:spLocks noGrp="1"/>
+          </p:cNvSpPr>
           <p:nvPr>
-            <p:ph idx="1" type="body"/>
+            <p:ph type="body" idx="1"/>
           </p:nvPr>
         </p:nvSpPr>
         <p:spPr>
@@ -1658,23 +1726,20 @@
           </a:prstGeom>
         </p:spPr>
         <p:txBody>
-          <a:bodyPr anchorCtr="0" anchor="t" bIns="91425" lIns="91425" spcFirstLastPara="1" rIns="91425" wrap="square" tIns="91425">
+          <a:bodyPr spcFirstLastPara="1" wrap="square" lIns="91425" tIns="91425" rIns="91425" bIns="91425" anchor="t" anchorCtr="0">
             <a:noAutofit/>
           </a:bodyPr>
           <a:lstStyle/>
           <a:p>
-            <a:pPr indent="0" lvl="0" marL="0" rtl="0" algn="l">
-              <a:spcBef>
-                <a:spcPts val="0"/>
-              </a:spcBef>
-              <a:spcAft>
-                <a:spcPts val="0"/>
-              </a:spcAft>
-              <a:buNone/>
-            </a:pPr>
-            <a:r>
-              <a:t/>
-            </a:r>
+            <a:pPr marL="0" lvl="0" indent="0" algn="l" rtl="0">
+              <a:spcBef>
+                <a:spcPts val="0"/>
+              </a:spcBef>
+              <a:spcAft>
+                <a:spcPts val="0"/>
+              </a:spcAft>
+              <a:buNone/>
+            </a:pPr>
             <a:endParaRPr/>
           </a:p>
         </p:txBody>
@@ -1688,11 +1753,11 @@
 </file>
 
 <file path=ppt/notesSlides/notesSlide8.xml><?xml version="1.0" encoding="utf-8"?>
-<p:notes xmlns:a="http://schemas.openxmlformats.org/drawingml/2006/main" xmlns:r="http://schemas.openxmlformats.org/officeDocument/2006/relationships" xmlns:mc="http://schemas.openxmlformats.org/markup-compatibility/2006" xmlns:mv="urn:schemas-microsoft-com:mac:vml" xmlns:p="http://schemas.openxmlformats.org/presentationml/2006/main" xmlns:c="http://schemas.openxmlformats.org/drawingml/2006/chart" xmlns:dgm="http://schemas.openxmlformats.org/drawingml/2006/diagram" xmlns:o="urn:schemas-microsoft-com:office:office" xmlns:v="urn:schemas-microsoft-com:vml" xmlns:pvml="urn:schemas-microsoft-com:office:powerpoint" xmlns:com="http://schemas.openxmlformats.org/drawingml/2006/compatibility" xmlns:p14="http://schemas.microsoft.com/office/powerpoint/2010/main" xmlns:p15="http://schemas.microsoft.com/office/powerpoint/2012/main" showMasterPhAnim="0" showMasterSp="0">
+<p:notes xmlns:a="http://schemas.openxmlformats.org/drawingml/2006/main" xmlns:r="http://schemas.openxmlformats.org/officeDocument/2006/relationships" xmlns:p="http://schemas.openxmlformats.org/presentationml/2006/main" showMasterSp="0" showMasterPhAnim="0">
   <p:cSld>
     <p:spTree>
       <p:nvGrpSpPr>
-        <p:cNvPr id="127" name="Shape 127"/>
+        <p:cNvPr id="1" name="Shape 127"/>
         <p:cNvGrpSpPr/>
         <p:nvPr/>
       </p:nvGrpSpPr>
@@ -1707,9 +1772,11 @@
       <p:sp>
         <p:nvSpPr>
           <p:cNvPr id="128" name="Google Shape;128;g7310431ccd_0_0:notes"/>
-          <p:cNvSpPr/>
+          <p:cNvSpPr>
+            <a:spLocks noGrp="1" noRot="1" noChangeAspect="1"/>
+          </p:cNvSpPr>
           <p:nvPr>
-            <p:ph idx="2" type="sldImg"/>
+            <p:ph type="sldImg" idx="2"/>
           </p:nvPr>
         </p:nvSpPr>
         <p:spPr>
@@ -1718,9 +1785,13 @@
             <a:ext cx="6096000" cy="3429000"/>
           </a:xfrm>
           <a:custGeom>
-            <a:rect b="b" l="l" r="r" t="t"/>
+            <a:avLst/>
+            <a:gdLst/>
+            <a:ahLst/>
+            <a:cxnLst/>
+            <a:rect l="l" t="t" r="r" b="b"/>
             <a:pathLst>
-              <a:path extrusionOk="0" h="120000" w="120000">
+              <a:path w="120000" h="120000" extrusionOk="0">
                 <a:moveTo>
                   <a:pt x="0" y="0"/>
                 </a:moveTo>
@@ -1742,9 +1813,11 @@
       <p:sp>
         <p:nvSpPr>
           <p:cNvPr id="129" name="Google Shape;129;g7310431ccd_0_0:notes"/>
-          <p:cNvSpPr txBox="1"/>
+          <p:cNvSpPr txBox="1">
+            <a:spLocks noGrp="1"/>
+          </p:cNvSpPr>
           <p:nvPr>
-            <p:ph idx="1" type="body"/>
+            <p:ph type="body" idx="1"/>
           </p:nvPr>
         </p:nvSpPr>
         <p:spPr>
@@ -1757,23 +1830,20 @@
           </a:prstGeom>
         </p:spPr>
         <p:txBody>
-          <a:bodyPr anchorCtr="0" anchor="t" bIns="91425" lIns="91425" spcFirstLastPara="1" rIns="91425" wrap="square" tIns="91425">
+          <a:bodyPr spcFirstLastPara="1" wrap="square" lIns="91425" tIns="91425" rIns="91425" bIns="91425" anchor="t" anchorCtr="0">
             <a:noAutofit/>
           </a:bodyPr>
           <a:lstStyle/>
           <a:p>
-            <a:pPr indent="0" lvl="0" marL="0" rtl="0" algn="l">
-              <a:spcBef>
-                <a:spcPts val="0"/>
-              </a:spcBef>
-              <a:spcAft>
-                <a:spcPts val="0"/>
-              </a:spcAft>
-              <a:buNone/>
-            </a:pPr>
-            <a:r>
-              <a:t/>
-            </a:r>
+            <a:pPr marL="0" lvl="0" indent="0" algn="l" rtl="0">
+              <a:spcBef>
+                <a:spcPts val="0"/>
+              </a:spcBef>
+              <a:spcAft>
+                <a:spcPts val="0"/>
+              </a:spcAft>
+              <a:buNone/>
+            </a:pPr>
             <a:endParaRPr/>
           </a:p>
         </p:txBody>
@@ -1787,11 +1857,11 @@
 </file>
 
 <file path=ppt/notesSlides/notesSlide9.xml><?xml version="1.0" encoding="utf-8"?>
-<p:notes xmlns:a="http://schemas.openxmlformats.org/drawingml/2006/main" xmlns:r="http://schemas.openxmlformats.org/officeDocument/2006/relationships" xmlns:mc="http://schemas.openxmlformats.org/markup-compatibility/2006" xmlns:mv="urn:schemas-microsoft-com:mac:vml" xmlns:p="http://schemas.openxmlformats.org/presentationml/2006/main" xmlns:c="http://schemas.openxmlformats.org/drawingml/2006/chart" xmlns:dgm="http://schemas.openxmlformats.org/drawingml/2006/diagram" xmlns:o="urn:schemas-microsoft-com:office:office" xmlns:v="urn:schemas-microsoft-com:vml" xmlns:pvml="urn:schemas-microsoft-com:office:powerpoint" xmlns:com="http://schemas.openxmlformats.org/drawingml/2006/compatibility" xmlns:p14="http://schemas.microsoft.com/office/powerpoint/2010/main" xmlns:p15="http://schemas.microsoft.com/office/powerpoint/2012/main" showMasterPhAnim="0" showMasterSp="0">
+<p:notes xmlns:a="http://schemas.openxmlformats.org/drawingml/2006/main" xmlns:r="http://schemas.openxmlformats.org/officeDocument/2006/relationships" xmlns:p="http://schemas.openxmlformats.org/presentationml/2006/main" showMasterSp="0" showMasterPhAnim="0">
   <p:cSld>
     <p:spTree>
       <p:nvGrpSpPr>
-        <p:cNvPr id="134" name="Shape 134"/>
+        <p:cNvPr id="1" name="Shape 134"/>
         <p:cNvGrpSpPr/>
         <p:nvPr/>
       </p:nvGrpSpPr>
@@ -1806,9 +1876,11 @@
       <p:sp>
         <p:nvSpPr>
           <p:cNvPr id="135" name="Google Shape;135;g7310431ccd_0_6:notes"/>
-          <p:cNvSpPr/>
+          <p:cNvSpPr>
+            <a:spLocks noGrp="1" noRot="1" noChangeAspect="1"/>
+          </p:cNvSpPr>
           <p:nvPr>
-            <p:ph idx="2" type="sldImg"/>
+            <p:ph type="sldImg" idx="2"/>
           </p:nvPr>
         </p:nvSpPr>
         <p:spPr>
@@ -1817,9 +1889,13 @@
             <a:ext cx="6096000" cy="3429000"/>
           </a:xfrm>
           <a:custGeom>
-            <a:rect b="b" l="l" r="r" t="t"/>
+            <a:avLst/>
+            <a:gdLst/>
+            <a:ahLst/>
+            <a:cxnLst/>
+            <a:rect l="l" t="t" r="r" b="b"/>
             <a:pathLst>
-              <a:path extrusionOk="0" h="120000" w="120000">
+              <a:path w="120000" h="120000" extrusionOk="0">
                 <a:moveTo>
                   <a:pt x="0" y="0"/>
                 </a:moveTo>
@@ -1841,9 +1917,11 @@
       <p:sp>
         <p:nvSpPr>
           <p:cNvPr id="136" name="Google Shape;136;g7310431ccd_0_6:notes"/>
-          <p:cNvSpPr txBox="1"/>
+          <p:cNvSpPr txBox="1">
+            <a:spLocks noGrp="1"/>
+          </p:cNvSpPr>
           <p:nvPr>
-            <p:ph idx="1" type="body"/>
+            <p:ph type="body" idx="1"/>
           </p:nvPr>
         </p:nvSpPr>
         <p:spPr>
@@ -1856,23 +1934,20 @@
           </a:prstGeom>
         </p:spPr>
         <p:txBody>
-          <a:bodyPr anchorCtr="0" anchor="t" bIns="91425" lIns="91425" spcFirstLastPara="1" rIns="91425" wrap="square" tIns="91425">
+          <a:bodyPr spcFirstLastPara="1" wrap="square" lIns="91425" tIns="91425" rIns="91425" bIns="91425" anchor="t" anchorCtr="0">
             <a:noAutofit/>
           </a:bodyPr>
           <a:lstStyle/>
           <a:p>
-            <a:pPr indent="0" lvl="0" marL="0" rtl="0" algn="l">
-              <a:spcBef>
-                <a:spcPts val="0"/>
-              </a:spcBef>
-              <a:spcAft>
-                <a:spcPts val="0"/>
-              </a:spcAft>
-              <a:buNone/>
-            </a:pPr>
-            <a:r>
-              <a:t/>
-            </a:r>
+            <a:pPr marL="0" lvl="0" indent="0" algn="l" rtl="0">
+              <a:spcBef>
+                <a:spcPts val="0"/>
+              </a:spcBef>
+              <a:spcAft>
+                <a:spcPts val="0"/>
+              </a:spcAft>
+              <a:buNone/>
+            </a:pPr>
             <a:endParaRPr/>
           </a:p>
         </p:txBody>
@@ -1886,18 +1961,19 @@
 </file>
 
 <file path=ppt/slideLayouts/slideLayout1.xml><?xml version="1.0" encoding="utf-8"?>
-<p:sldLayout xmlns:a="http://schemas.openxmlformats.org/drawingml/2006/main" xmlns:r="http://schemas.openxmlformats.org/officeDocument/2006/relationships" xmlns:mc="http://schemas.openxmlformats.org/markup-compatibility/2006" xmlns:mv="urn:schemas-microsoft-com:mac:vml" xmlns:p="http://schemas.openxmlformats.org/presentationml/2006/main" xmlns:c="http://schemas.openxmlformats.org/drawingml/2006/chart" xmlns:dgm="http://schemas.openxmlformats.org/drawingml/2006/diagram" xmlns:o="urn:schemas-microsoft-com:office:office" xmlns:v="urn:schemas-microsoft-com:vml" xmlns:pvml="urn:schemas-microsoft-com:office:powerpoint" xmlns:com="http://schemas.openxmlformats.org/drawingml/2006/compatibility" xmlns:p14="http://schemas.microsoft.com/office/powerpoint/2010/main" xmlns:p15="http://schemas.microsoft.com/office/powerpoint/2012/main" matchingName="ITV" type="title">
+<p:sldLayout xmlns:a="http://schemas.openxmlformats.org/drawingml/2006/main" xmlns:r="http://schemas.openxmlformats.org/officeDocument/2006/relationships" xmlns:p="http://schemas.openxmlformats.org/presentationml/2006/main" matchingName="ITV" type="title">
   <p:cSld name="TITLE">
     <p:bg>
       <p:bgPr>
         <a:solidFill>
           <a:srgbClr val="008F83"/>
         </a:solidFill>
+        <a:effectLst/>
       </p:bgPr>
     </p:bg>
     <p:spTree>
       <p:nvGrpSpPr>
-        <p:cNvPr id="9" name="Shape 9"/>
+        <p:cNvPr id="1" name="Shape 9"/>
         <p:cNvGrpSpPr/>
         <p:nvPr/>
       </p:nvGrpSpPr>
@@ -1912,7 +1988,9 @@
       <p:sp>
         <p:nvSpPr>
           <p:cNvPr id="10" name="Google Shape;10;p2"/>
-          <p:cNvSpPr txBox="1"/>
+          <p:cNvSpPr txBox="1">
+            <a:spLocks noGrp="1"/>
+          </p:cNvSpPr>
           <p:nvPr>
             <p:ph type="ctrTitle"/>
           </p:nvPr>
@@ -1928,7 +2006,7 @@
           <a:noFill/>
         </p:spPr>
         <p:txBody>
-          <a:bodyPr anchorCtr="0" anchor="b" bIns="91425" lIns="91425" spcFirstLastPara="1" rIns="91425" wrap="square" tIns="91425">
+          <a:bodyPr spcFirstLastPara="1" wrap="square" lIns="91425" tIns="91425" rIns="91425" bIns="91425" anchor="b" anchorCtr="0">
             <a:noAutofit/>
           </a:bodyPr>
           <a:lstStyle>
@@ -2039,15 +2117,19 @@
               <a:defRPr sz="5200"/>
             </a:lvl9pPr>
           </a:lstStyle>
-          <a:p/>
+          <a:p>
+            <a:endParaRPr/>
+          </a:p>
         </p:txBody>
       </p:sp>
       <p:sp>
         <p:nvSpPr>
           <p:cNvPr id="11" name="Google Shape;11;p2"/>
-          <p:cNvSpPr txBox="1"/>
+          <p:cNvSpPr txBox="1">
+            <a:spLocks noGrp="1"/>
+          </p:cNvSpPr>
           <p:nvPr>
-            <p:ph idx="1" type="subTitle"/>
+            <p:ph type="subTitle" idx="1"/>
           </p:nvPr>
         </p:nvSpPr>
         <p:spPr>
@@ -2060,7 +2142,7 @@
           </a:prstGeom>
         </p:spPr>
         <p:txBody>
-          <a:bodyPr anchorCtr="0" anchor="t" bIns="91425" lIns="91425" spcFirstLastPara="1" rIns="91425" wrap="square" tIns="91425">
+          <a:bodyPr spcFirstLastPara="1" wrap="square" lIns="91425" tIns="91425" rIns="91425" bIns="91425" anchor="t" anchorCtr="0">
             <a:noAutofit/>
           </a:bodyPr>
           <a:lstStyle>
@@ -2198,15 +2280,19 @@
               <a:defRPr sz="2800"/>
             </a:lvl9pPr>
           </a:lstStyle>
-          <a:p/>
+          <a:p>
+            <a:endParaRPr/>
+          </a:p>
         </p:txBody>
       </p:sp>
       <p:sp>
         <p:nvSpPr>
           <p:cNvPr id="12" name="Google Shape;12;p2"/>
-          <p:cNvSpPr txBox="1"/>
+          <p:cNvSpPr txBox="1">
+            <a:spLocks noGrp="1"/>
+          </p:cNvSpPr>
           <p:nvPr>
-            <p:ph idx="12" type="sldNum"/>
+            <p:ph type="sldNum" idx="12"/>
           </p:nvPr>
         </p:nvSpPr>
         <p:spPr>
@@ -2219,7 +2305,7 @@
           </a:prstGeom>
         </p:spPr>
         <p:txBody>
-          <a:bodyPr anchorCtr="0" anchor="ctr" bIns="91425" lIns="91425" spcFirstLastPara="1" rIns="91425" wrap="square" tIns="91425">
+          <a:bodyPr spcFirstLastPara="1" wrap="square" lIns="91425" tIns="91425" rIns="91425" bIns="91425" anchor="ctr" anchorCtr="0">
             <a:noAutofit/>
           </a:bodyPr>
           <a:lstStyle>
@@ -2261,7 +2347,7 @@
             </a:lvl9pPr>
           </a:lstStyle>
           <a:p>
-            <a:pPr indent="0" lvl="0" marL="0" rtl="0" algn="r">
+            <a:pPr marL="0" lvl="0" indent="0" algn="r" rtl="0">
               <a:spcBef>
                 <a:spcPts val="0"/>
               </a:spcBef>
@@ -2272,7 +2358,7 @@
             </a:pPr>
             <a:fld id="{00000000-1234-1234-1234-123412341234}" type="slidenum">
               <a:rPr lang="en"/>
-              <a:t>‹#›</a:t>
+              <a:t>‹nº›</a:t>
             </a:fld>
             <a:endParaRPr/>
           </a:p>
@@ -2343,18 +2429,19 @@
 </file>
 
 <file path=ppt/slideLayouts/slideLayout10.xml><?xml version="1.0" encoding="utf-8"?>
-<p:sldLayout xmlns:a="http://schemas.openxmlformats.org/drawingml/2006/main" xmlns:r="http://schemas.openxmlformats.org/officeDocument/2006/relationships" xmlns:mc="http://schemas.openxmlformats.org/markup-compatibility/2006" xmlns:mv="urn:schemas-microsoft-com:mac:vml" xmlns:p="http://schemas.openxmlformats.org/presentationml/2006/main" xmlns:c="http://schemas.openxmlformats.org/drawingml/2006/chart" xmlns:dgm="http://schemas.openxmlformats.org/drawingml/2006/diagram" xmlns:o="urn:schemas-microsoft-com:office:office" xmlns:v="urn:schemas-microsoft-com:vml" xmlns:pvml="urn:schemas-microsoft-com:office:powerpoint" xmlns:com="http://schemas.openxmlformats.org/drawingml/2006/compatibility" xmlns:p14="http://schemas.microsoft.com/office/powerpoint/2010/main" xmlns:p15="http://schemas.microsoft.com/office/powerpoint/2012/main" matchingName="Caption">
+<p:sldLayout xmlns:a="http://schemas.openxmlformats.org/drawingml/2006/main" xmlns:r="http://schemas.openxmlformats.org/officeDocument/2006/relationships" xmlns:p="http://schemas.openxmlformats.org/presentationml/2006/main" matchingName="Caption">
   <p:cSld name="CAPTION_ONLY">
     <p:bg>
       <p:bgPr>
         <a:solidFill>
           <a:srgbClr val="008F83"/>
         </a:solidFill>
+        <a:effectLst/>
       </p:bgPr>
     </p:bg>
     <p:spTree>
       <p:nvGrpSpPr>
-        <p:cNvPr id="60" name="Shape 60"/>
+        <p:cNvPr id="1" name="Shape 60"/>
         <p:cNvGrpSpPr/>
         <p:nvPr/>
       </p:nvGrpSpPr>
@@ -2369,9 +2456,11 @@
       <p:sp>
         <p:nvSpPr>
           <p:cNvPr id="61" name="Google Shape;61;p11"/>
-          <p:cNvSpPr txBox="1"/>
+          <p:cNvSpPr txBox="1">
+            <a:spLocks noGrp="1"/>
+          </p:cNvSpPr>
           <p:nvPr>
-            <p:ph idx="1" type="body"/>
+            <p:ph type="body" idx="1"/>
           </p:nvPr>
         </p:nvSpPr>
         <p:spPr>
@@ -2384,11 +2473,11 @@
           </a:prstGeom>
         </p:spPr>
         <p:txBody>
-          <a:bodyPr anchorCtr="0" anchor="ctr" bIns="91425" lIns="91425" spcFirstLastPara="1" rIns="91425" wrap="square" tIns="91425">
+          <a:bodyPr spcFirstLastPara="1" wrap="square" lIns="91425" tIns="91425" rIns="91425" bIns="91425" anchor="ctr" anchorCtr="0">
             <a:noAutofit/>
           </a:bodyPr>
           <a:lstStyle>
-            <a:lvl1pPr indent="-228600" lvl="0" marL="457200">
+            <a:lvl1pPr marL="457200" lvl="0" indent="-228600">
               <a:lnSpc>
                 <a:spcPct val="100000"/>
               </a:lnSpc>
@@ -2410,15 +2499,19 @@
               </a:defRPr>
             </a:lvl1pPr>
           </a:lstStyle>
-          <a:p/>
+          <a:p>
+            <a:endParaRPr/>
+          </a:p>
         </p:txBody>
       </p:sp>
       <p:sp>
         <p:nvSpPr>
           <p:cNvPr id="62" name="Google Shape;62;p11"/>
-          <p:cNvSpPr txBox="1"/>
+          <p:cNvSpPr txBox="1">
+            <a:spLocks noGrp="1"/>
+          </p:cNvSpPr>
           <p:nvPr>
-            <p:ph idx="12" type="sldNum"/>
+            <p:ph type="sldNum" idx="12"/>
           </p:nvPr>
         </p:nvSpPr>
         <p:spPr>
@@ -2431,7 +2524,7 @@
           </a:prstGeom>
         </p:spPr>
         <p:txBody>
-          <a:bodyPr anchorCtr="0" anchor="ctr" bIns="91425" lIns="91425" spcFirstLastPara="1" rIns="91425" wrap="square" tIns="91425">
+          <a:bodyPr spcFirstLastPara="1" wrap="square" lIns="91425" tIns="91425" rIns="91425" bIns="91425" anchor="ctr" anchorCtr="0">
             <a:noAutofit/>
           </a:bodyPr>
           <a:lstStyle>
@@ -2473,7 +2566,7 @@
             </a:lvl9pPr>
           </a:lstStyle>
           <a:p>
-            <a:pPr indent="0" lvl="0" marL="0" rtl="0" algn="r">
+            <a:pPr marL="0" lvl="0" indent="0" algn="r" rtl="0">
               <a:spcBef>
                 <a:spcPts val="0"/>
               </a:spcBef>
@@ -2484,7 +2577,7 @@
             </a:pPr>
             <a:fld id="{00000000-1234-1234-1234-123412341234}" type="slidenum">
               <a:rPr lang="en"/>
-              <a:t>‹#›</a:t>
+              <a:t>‹nº›</a:t>
             </a:fld>
             <a:endParaRPr/>
           </a:p>
@@ -2527,18 +2620,19 @@
 </file>
 
 <file path=ppt/slideLayouts/slideLayout11.xml><?xml version="1.0" encoding="utf-8"?>
-<p:sldLayout xmlns:a="http://schemas.openxmlformats.org/drawingml/2006/main" xmlns:r="http://schemas.openxmlformats.org/officeDocument/2006/relationships" xmlns:mc="http://schemas.openxmlformats.org/markup-compatibility/2006" xmlns:mv="urn:schemas-microsoft-com:mac:vml" xmlns:p="http://schemas.openxmlformats.org/presentationml/2006/main" xmlns:c="http://schemas.openxmlformats.org/drawingml/2006/chart" xmlns:dgm="http://schemas.openxmlformats.org/drawingml/2006/diagram" xmlns:o="urn:schemas-microsoft-com:office:office" xmlns:v="urn:schemas-microsoft-com:vml" xmlns:pvml="urn:schemas-microsoft-com:office:powerpoint" xmlns:com="http://schemas.openxmlformats.org/drawingml/2006/compatibility" xmlns:p14="http://schemas.microsoft.com/office/powerpoint/2010/main" xmlns:p15="http://schemas.microsoft.com/office/powerpoint/2012/main" matchingName="Big number">
+<p:sldLayout xmlns:a="http://schemas.openxmlformats.org/drawingml/2006/main" xmlns:r="http://schemas.openxmlformats.org/officeDocument/2006/relationships" xmlns:p="http://schemas.openxmlformats.org/presentationml/2006/main" matchingName="Big number">
   <p:cSld name="BIG_NUMBER">
     <p:bg>
       <p:bgPr>
         <a:solidFill>
           <a:srgbClr val="008F83"/>
         </a:solidFill>
+        <a:effectLst/>
       </p:bgPr>
     </p:bg>
     <p:spTree>
       <p:nvGrpSpPr>
-        <p:cNvPr id="64" name="Shape 64"/>
+        <p:cNvPr id="1" name="Shape 64"/>
         <p:cNvGrpSpPr/>
         <p:nvPr/>
       </p:nvGrpSpPr>
@@ -2553,9 +2647,11 @@
       <p:sp>
         <p:nvSpPr>
           <p:cNvPr id="65" name="Google Shape;65;p12"/>
-          <p:cNvSpPr txBox="1"/>
+          <p:cNvSpPr txBox="1">
+            <a:spLocks noGrp="1"/>
+          </p:cNvSpPr>
           <p:nvPr>
-            <p:ph hasCustomPrompt="1" type="title"/>
+            <p:ph type="title" hasCustomPrompt="1"/>
           </p:nvPr>
         </p:nvSpPr>
         <p:spPr>
@@ -2568,7 +2664,7 @@
           </a:prstGeom>
         </p:spPr>
         <p:txBody>
-          <a:bodyPr anchorCtr="0" anchor="b" bIns="91425" lIns="91425" spcFirstLastPara="1" rIns="91425" wrap="square" tIns="91425">
+          <a:bodyPr spcFirstLastPara="1" wrap="square" lIns="91425" tIns="91425" rIns="91425" bIns="91425" anchor="b" anchorCtr="0">
             <a:noAutofit/>
           </a:bodyPr>
           <a:lstStyle>
@@ -2584,7 +2680,7 @@
               </a:buClr>
               <a:buSzPts val="12000"/>
               <a:buNone/>
-              <a:defRPr b="1" sz="12000">
+              <a:defRPr sz="12000" b="1">
                 <a:solidFill>
                   <a:srgbClr val="FFFFFF"/>
                 </a:solidFill>
@@ -2602,7 +2698,7 @@
               </a:buClr>
               <a:buSzPts val="12000"/>
               <a:buNone/>
-              <a:defRPr b="1" sz="12000">
+              <a:defRPr sz="12000" b="1">
                 <a:solidFill>
                   <a:srgbClr val="FFFFFF"/>
                 </a:solidFill>
@@ -2620,7 +2716,7 @@
               </a:buClr>
               <a:buSzPts val="12000"/>
               <a:buNone/>
-              <a:defRPr b="1" sz="12000">
+              <a:defRPr sz="12000" b="1">
                 <a:solidFill>
                   <a:srgbClr val="FFFFFF"/>
                 </a:solidFill>
@@ -2638,7 +2734,7 @@
               </a:buClr>
               <a:buSzPts val="12000"/>
               <a:buNone/>
-              <a:defRPr b="1" sz="12000">
+              <a:defRPr sz="12000" b="1">
                 <a:solidFill>
                   <a:srgbClr val="FFFFFF"/>
                 </a:solidFill>
@@ -2656,7 +2752,7 @@
               </a:buClr>
               <a:buSzPts val="12000"/>
               <a:buNone/>
-              <a:defRPr b="1" sz="12000">
+              <a:defRPr sz="12000" b="1">
                 <a:solidFill>
                   <a:srgbClr val="FFFFFF"/>
                 </a:solidFill>
@@ -2674,7 +2770,7 @@
               </a:buClr>
               <a:buSzPts val="12000"/>
               <a:buNone/>
-              <a:defRPr b="1" sz="12000">
+              <a:defRPr sz="12000" b="1">
                 <a:solidFill>
                   <a:srgbClr val="FFFFFF"/>
                 </a:solidFill>
@@ -2692,7 +2788,7 @@
               </a:buClr>
               <a:buSzPts val="12000"/>
               <a:buNone/>
-              <a:defRPr b="1" sz="12000">
+              <a:defRPr sz="12000" b="1">
                 <a:solidFill>
                   <a:srgbClr val="FFFFFF"/>
                 </a:solidFill>
@@ -2710,7 +2806,7 @@
               </a:buClr>
               <a:buSzPts val="12000"/>
               <a:buNone/>
-              <a:defRPr b="1" sz="12000">
+              <a:defRPr sz="12000" b="1">
                 <a:solidFill>
                   <a:srgbClr val="FFFFFF"/>
                 </a:solidFill>
@@ -2728,7 +2824,7 @@
               </a:buClr>
               <a:buSzPts val="12000"/>
               <a:buNone/>
-              <a:defRPr b="1" sz="12000">
+              <a:defRPr sz="12000" b="1">
                 <a:solidFill>
                   <a:srgbClr val="FFFFFF"/>
                 </a:solidFill>
@@ -2745,9 +2841,11 @@
       <p:sp>
         <p:nvSpPr>
           <p:cNvPr id="66" name="Google Shape;66;p12"/>
-          <p:cNvSpPr txBox="1"/>
+          <p:cNvSpPr txBox="1">
+            <a:spLocks noGrp="1"/>
+          </p:cNvSpPr>
           <p:nvPr>
-            <p:ph idx="1" type="body"/>
+            <p:ph type="body" idx="1"/>
           </p:nvPr>
         </p:nvSpPr>
         <p:spPr>
@@ -2760,11 +2858,11 @@
           </a:prstGeom>
         </p:spPr>
         <p:txBody>
-          <a:bodyPr anchorCtr="0" anchor="t" bIns="91425" lIns="91425" spcFirstLastPara="1" rIns="91425" wrap="square" tIns="91425">
+          <a:bodyPr spcFirstLastPara="1" wrap="square" lIns="91425" tIns="91425" rIns="91425" bIns="91425" anchor="t" anchorCtr="0">
             <a:noAutofit/>
           </a:bodyPr>
           <a:lstStyle>
-            <a:lvl1pPr indent="-342900" lvl="0" marL="457200" algn="ctr">
+            <a:lvl1pPr marL="457200" lvl="0" indent="-342900" algn="ctr">
               <a:spcBef>
                 <a:spcPts val="0"/>
               </a:spcBef>
@@ -2782,7 +2880,7 @@
                 </a:solidFill>
               </a:defRPr>
             </a:lvl1pPr>
-            <a:lvl2pPr indent="-317500" lvl="1" marL="914400" algn="ctr">
+            <a:lvl2pPr marL="914400" lvl="1" indent="-317500" algn="ctr">
               <a:spcBef>
                 <a:spcPts val="0"/>
               </a:spcBef>
@@ -2800,7 +2898,7 @@
                 </a:solidFill>
               </a:defRPr>
             </a:lvl2pPr>
-            <a:lvl3pPr indent="-317500" lvl="2" marL="1371600" algn="ctr">
+            <a:lvl3pPr marL="1371600" lvl="2" indent="-317500" algn="ctr">
               <a:spcBef>
                 <a:spcPts val="0"/>
               </a:spcBef>
@@ -2818,7 +2916,7 @@
                 </a:solidFill>
               </a:defRPr>
             </a:lvl3pPr>
-            <a:lvl4pPr indent="-317500" lvl="3" marL="1828800" algn="ctr">
+            <a:lvl4pPr marL="1828800" lvl="3" indent="-317500" algn="ctr">
               <a:spcBef>
                 <a:spcPts val="0"/>
               </a:spcBef>
@@ -2836,7 +2934,7 @@
                 </a:solidFill>
               </a:defRPr>
             </a:lvl4pPr>
-            <a:lvl5pPr indent="-317500" lvl="4" marL="2286000" algn="ctr">
+            <a:lvl5pPr marL="2286000" lvl="4" indent="-317500" algn="ctr">
               <a:spcBef>
                 <a:spcPts val="0"/>
               </a:spcBef>
@@ -2854,7 +2952,7 @@
                 </a:solidFill>
               </a:defRPr>
             </a:lvl5pPr>
-            <a:lvl6pPr indent="-317500" lvl="5" marL="2743200" algn="ctr">
+            <a:lvl6pPr marL="2743200" lvl="5" indent="-317500" algn="ctr">
               <a:spcBef>
                 <a:spcPts val="0"/>
               </a:spcBef>
@@ -2872,7 +2970,7 @@
                 </a:solidFill>
               </a:defRPr>
             </a:lvl6pPr>
-            <a:lvl7pPr indent="-317500" lvl="6" marL="3200400" algn="ctr">
+            <a:lvl7pPr marL="3200400" lvl="6" indent="-317500" algn="ctr">
               <a:spcBef>
                 <a:spcPts val="0"/>
               </a:spcBef>
@@ -2890,7 +2988,7 @@
                 </a:solidFill>
               </a:defRPr>
             </a:lvl7pPr>
-            <a:lvl8pPr indent="-317500" lvl="7" marL="3657600" algn="ctr">
+            <a:lvl8pPr marL="3657600" lvl="7" indent="-317500" algn="ctr">
               <a:spcBef>
                 <a:spcPts val="0"/>
               </a:spcBef>
@@ -2908,7 +3006,7 @@
                 </a:solidFill>
               </a:defRPr>
             </a:lvl8pPr>
-            <a:lvl9pPr indent="-317500" lvl="8" marL="4114800" algn="ctr">
+            <a:lvl9pPr marL="4114800" lvl="8" indent="-317500" algn="ctr">
               <a:spcBef>
                 <a:spcPts val="0"/>
               </a:spcBef>
@@ -2927,15 +3025,19 @@
               </a:defRPr>
             </a:lvl9pPr>
           </a:lstStyle>
-          <a:p/>
+          <a:p>
+            <a:endParaRPr/>
+          </a:p>
         </p:txBody>
       </p:sp>
       <p:sp>
         <p:nvSpPr>
           <p:cNvPr id="67" name="Google Shape;67;p12"/>
-          <p:cNvSpPr txBox="1"/>
+          <p:cNvSpPr txBox="1">
+            <a:spLocks noGrp="1"/>
+          </p:cNvSpPr>
           <p:nvPr>
-            <p:ph idx="12" type="sldNum"/>
+            <p:ph type="sldNum" idx="12"/>
           </p:nvPr>
         </p:nvSpPr>
         <p:spPr>
@@ -2948,7 +3050,7 @@
           </a:prstGeom>
         </p:spPr>
         <p:txBody>
-          <a:bodyPr anchorCtr="0" anchor="ctr" bIns="91425" lIns="91425" spcFirstLastPara="1" rIns="91425" wrap="square" tIns="91425">
+          <a:bodyPr spcFirstLastPara="1" wrap="square" lIns="91425" tIns="91425" rIns="91425" bIns="91425" anchor="ctr" anchorCtr="0">
             <a:noAutofit/>
           </a:bodyPr>
           <a:lstStyle>
@@ -2990,7 +3092,7 @@
             </a:lvl9pPr>
           </a:lstStyle>
           <a:p>
-            <a:pPr indent="0" lvl="0" marL="0" rtl="0" algn="r">
+            <a:pPr marL="0" lvl="0" indent="0" algn="r" rtl="0">
               <a:spcBef>
                 <a:spcPts val="0"/>
               </a:spcBef>
@@ -3001,7 +3103,7 @@
             </a:pPr>
             <a:fld id="{00000000-1234-1234-1234-123412341234}" type="slidenum">
               <a:rPr lang="en"/>
-              <a:t>‹#›</a:t>
+              <a:t>‹nº›</a:t>
             </a:fld>
             <a:endParaRPr/>
           </a:p>
@@ -3044,18 +3146,19 @@
 </file>
 
 <file path=ppt/slideLayouts/slideLayout12.xml><?xml version="1.0" encoding="utf-8"?>
-<p:sldLayout xmlns:a="http://schemas.openxmlformats.org/drawingml/2006/main" xmlns:r="http://schemas.openxmlformats.org/officeDocument/2006/relationships" xmlns:mc="http://schemas.openxmlformats.org/markup-compatibility/2006" xmlns:mv="urn:schemas-microsoft-com:mac:vml" xmlns:p="http://schemas.openxmlformats.org/presentationml/2006/main" xmlns:c="http://schemas.openxmlformats.org/drawingml/2006/chart" xmlns:dgm="http://schemas.openxmlformats.org/drawingml/2006/diagram" xmlns:o="urn:schemas-microsoft-com:office:office" xmlns:v="urn:schemas-microsoft-com:vml" xmlns:pvml="urn:schemas-microsoft-com:office:powerpoint" xmlns:com="http://schemas.openxmlformats.org/drawingml/2006/compatibility" xmlns:p14="http://schemas.microsoft.com/office/powerpoint/2010/main" xmlns:p15="http://schemas.microsoft.com/office/powerpoint/2012/main" matchingName="Blank" type="blank">
+<p:sldLayout xmlns:a="http://schemas.openxmlformats.org/drawingml/2006/main" xmlns:r="http://schemas.openxmlformats.org/officeDocument/2006/relationships" xmlns:p="http://schemas.openxmlformats.org/presentationml/2006/main" matchingName="Blank" type="blank">
   <p:cSld name="BLANK">
     <p:bg>
       <p:bgPr>
         <a:solidFill>
           <a:srgbClr val="008F83"/>
         </a:solidFill>
+        <a:effectLst/>
       </p:bgPr>
     </p:bg>
     <p:spTree>
       <p:nvGrpSpPr>
-        <p:cNvPr id="69" name="Shape 69"/>
+        <p:cNvPr id="1" name="Shape 69"/>
         <p:cNvGrpSpPr/>
         <p:nvPr/>
       </p:nvGrpSpPr>
@@ -3070,9 +3173,11 @@
       <p:sp>
         <p:nvSpPr>
           <p:cNvPr id="70" name="Google Shape;70;p13"/>
-          <p:cNvSpPr txBox="1"/>
+          <p:cNvSpPr txBox="1">
+            <a:spLocks noGrp="1"/>
+          </p:cNvSpPr>
           <p:nvPr>
-            <p:ph idx="12" type="sldNum"/>
+            <p:ph type="sldNum" idx="12"/>
           </p:nvPr>
         </p:nvSpPr>
         <p:spPr>
@@ -3085,7 +3190,7 @@
           </a:prstGeom>
         </p:spPr>
         <p:txBody>
-          <a:bodyPr anchorCtr="0" anchor="ctr" bIns="91425" lIns="91425" spcFirstLastPara="1" rIns="91425" wrap="square" tIns="91425">
+          <a:bodyPr spcFirstLastPara="1" wrap="square" lIns="91425" tIns="91425" rIns="91425" bIns="91425" anchor="ctr" anchorCtr="0">
             <a:noAutofit/>
           </a:bodyPr>
           <a:lstStyle>
@@ -3127,7 +3232,7 @@
             </a:lvl9pPr>
           </a:lstStyle>
           <a:p>
-            <a:pPr indent="0" lvl="0" marL="0" rtl="0" algn="r">
+            <a:pPr marL="0" lvl="0" indent="0" algn="r" rtl="0">
               <a:spcBef>
                 <a:spcPts val="0"/>
               </a:spcBef>
@@ -3138,7 +3243,7 @@
             </a:pPr>
             <a:fld id="{00000000-1234-1234-1234-123412341234}" type="slidenum">
               <a:rPr lang="en"/>
-              <a:t>‹#›</a:t>
+              <a:t>‹nº›</a:t>
             </a:fld>
             <a:endParaRPr/>
           </a:p>
@@ -3181,18 +3286,19 @@
 </file>
 
 <file path=ppt/slideLayouts/slideLayout2.xml><?xml version="1.0" encoding="utf-8"?>
-<p:sldLayout xmlns:a="http://schemas.openxmlformats.org/drawingml/2006/main" xmlns:r="http://schemas.openxmlformats.org/officeDocument/2006/relationships" xmlns:mc="http://schemas.openxmlformats.org/markup-compatibility/2006" xmlns:mv="urn:schemas-microsoft-com:mac:vml" xmlns:p="http://schemas.openxmlformats.org/presentationml/2006/main" xmlns:c="http://schemas.openxmlformats.org/drawingml/2006/chart" xmlns:dgm="http://schemas.openxmlformats.org/drawingml/2006/diagram" xmlns:o="urn:schemas-microsoft-com:office:office" xmlns:v="urn:schemas-microsoft-com:vml" xmlns:pvml="urn:schemas-microsoft-com:office:powerpoint" xmlns:com="http://schemas.openxmlformats.org/drawingml/2006/compatibility" xmlns:p14="http://schemas.microsoft.com/office/powerpoint/2010/main" xmlns:p15="http://schemas.microsoft.com/office/powerpoint/2012/main" matchingName="Section header" type="secHead">
+<p:sldLayout xmlns:a="http://schemas.openxmlformats.org/drawingml/2006/main" xmlns:r="http://schemas.openxmlformats.org/officeDocument/2006/relationships" xmlns:p="http://schemas.openxmlformats.org/presentationml/2006/main" matchingName="Section header" type="secHead">
   <p:cSld name="SECTION_HEADER">
     <p:bg>
       <p:bgPr>
         <a:solidFill>
           <a:srgbClr val="008F83"/>
         </a:solidFill>
+        <a:effectLst/>
       </p:bgPr>
     </p:bg>
     <p:spTree>
       <p:nvGrpSpPr>
-        <p:cNvPr id="15" name="Shape 15"/>
+        <p:cNvPr id="1" name="Shape 15"/>
         <p:cNvGrpSpPr/>
         <p:nvPr/>
       </p:nvGrpSpPr>
@@ -3207,7 +3313,9 @@
       <p:sp>
         <p:nvSpPr>
           <p:cNvPr id="16" name="Google Shape;16;p3"/>
-          <p:cNvSpPr txBox="1"/>
+          <p:cNvSpPr txBox="1">
+            <a:spLocks noGrp="1"/>
+          </p:cNvSpPr>
           <p:nvPr>
             <p:ph type="title"/>
           </p:nvPr>
@@ -3222,7 +3330,7 @@
           </a:prstGeom>
         </p:spPr>
         <p:txBody>
-          <a:bodyPr anchorCtr="0" anchor="ctr" bIns="91425" lIns="91425" spcFirstLastPara="1" rIns="91425" wrap="square" tIns="91425">
+          <a:bodyPr spcFirstLastPara="1" wrap="square" lIns="91425" tIns="91425" rIns="91425" bIns="91425" anchor="ctr" anchorCtr="0">
             <a:noAutofit/>
           </a:bodyPr>
           <a:lstStyle>
@@ -3333,15 +3441,19 @@
               <a:defRPr sz="3600"/>
             </a:lvl9pPr>
           </a:lstStyle>
-          <a:p/>
+          <a:p>
+            <a:endParaRPr/>
+          </a:p>
         </p:txBody>
       </p:sp>
       <p:sp>
         <p:nvSpPr>
           <p:cNvPr id="17" name="Google Shape;17;p3"/>
-          <p:cNvSpPr txBox="1"/>
+          <p:cNvSpPr txBox="1">
+            <a:spLocks noGrp="1"/>
+          </p:cNvSpPr>
           <p:nvPr>
-            <p:ph idx="12" type="sldNum"/>
+            <p:ph type="sldNum" idx="12"/>
           </p:nvPr>
         </p:nvSpPr>
         <p:spPr>
@@ -3354,7 +3466,7 @@
           </a:prstGeom>
         </p:spPr>
         <p:txBody>
-          <a:bodyPr anchorCtr="0" anchor="ctr" bIns="91425" lIns="91425" spcFirstLastPara="1" rIns="91425" wrap="square" tIns="91425">
+          <a:bodyPr spcFirstLastPara="1" wrap="square" lIns="91425" tIns="91425" rIns="91425" bIns="91425" anchor="ctr" anchorCtr="0">
             <a:noAutofit/>
           </a:bodyPr>
           <a:lstStyle>
@@ -3396,7 +3508,7 @@
             </a:lvl9pPr>
           </a:lstStyle>
           <a:p>
-            <a:pPr indent="0" lvl="0" marL="0" rtl="0" algn="r">
+            <a:pPr marL="0" lvl="0" indent="0" algn="r" rtl="0">
               <a:spcBef>
                 <a:spcPts val="0"/>
               </a:spcBef>
@@ -3407,7 +3519,7 @@
             </a:pPr>
             <a:fld id="{00000000-1234-1234-1234-123412341234}" type="slidenum">
               <a:rPr lang="en"/>
-              <a:t>‹#›</a:t>
+              <a:t>‹nº›</a:t>
             </a:fld>
             <a:endParaRPr/>
           </a:p>
@@ -3461,12 +3573,12 @@
           </a:ln>
         </p:spPr>
         <p:txBody>
-          <a:bodyPr anchorCtr="0" anchor="t" bIns="91425" lIns="91425" spcFirstLastPara="1" rIns="91425" wrap="square" tIns="91425">
+          <a:bodyPr spcFirstLastPara="1" wrap="square" lIns="91425" tIns="91425" rIns="91425" bIns="91425" anchor="t" anchorCtr="0">
             <a:noAutofit/>
           </a:bodyPr>
           <a:lstStyle/>
           <a:p>
-            <a:pPr indent="0" lvl="0" marL="0" rtl="0" algn="l">
+            <a:pPr marL="0" lvl="0" indent="0" algn="l" rtl="0">
               <a:spcBef>
                 <a:spcPts val="0"/>
               </a:spcBef>
@@ -3476,14 +3588,14 @@
               <a:buNone/>
             </a:pPr>
             <a:r>
-              <a:rPr b="1" lang="en" sz="40000">
+              <a:rPr lang="en" sz="40000" b="1">
                 <a:solidFill>
                   <a:srgbClr val="FFFFFF"/>
                 </a:solidFill>
               </a:rPr>
               <a:t>1</a:t>
             </a:r>
-            <a:endParaRPr b="1" sz="40000">
+            <a:endParaRPr sz="40000" b="1">
               <a:solidFill>
                 <a:srgbClr val="FFFFFF"/>
               </a:solidFill>
@@ -3500,18 +3612,19 @@
 </file>
 
 <file path=ppt/slideLayouts/slideLayout3.xml><?xml version="1.0" encoding="utf-8"?>
-<p:sldLayout xmlns:a="http://schemas.openxmlformats.org/drawingml/2006/main" xmlns:r="http://schemas.openxmlformats.org/officeDocument/2006/relationships" xmlns:mc="http://schemas.openxmlformats.org/markup-compatibility/2006" xmlns:mv="urn:schemas-microsoft-com:mac:vml" xmlns:p="http://schemas.openxmlformats.org/presentationml/2006/main" xmlns:c="http://schemas.openxmlformats.org/drawingml/2006/chart" xmlns:dgm="http://schemas.openxmlformats.org/drawingml/2006/diagram" xmlns:o="urn:schemas-microsoft-com:office:office" xmlns:v="urn:schemas-microsoft-com:vml" xmlns:pvml="urn:schemas-microsoft-com:office:powerpoint" xmlns:com="http://schemas.openxmlformats.org/drawingml/2006/compatibility" xmlns:p14="http://schemas.microsoft.com/office/powerpoint/2010/main" xmlns:p15="http://schemas.microsoft.com/office/powerpoint/2012/main" matchingName="Agenda">
+<p:sldLayout xmlns:a="http://schemas.openxmlformats.org/drawingml/2006/main" xmlns:r="http://schemas.openxmlformats.org/officeDocument/2006/relationships" xmlns:p="http://schemas.openxmlformats.org/presentationml/2006/main" matchingName="Agenda">
   <p:cSld name="CUSTOM">
     <p:bg>
       <p:bgPr>
         <a:solidFill>
           <a:srgbClr val="008F83"/>
         </a:solidFill>
+        <a:effectLst/>
       </p:bgPr>
     </p:bg>
     <p:spTree>
       <p:nvGrpSpPr>
-        <p:cNvPr id="20" name="Shape 20"/>
+        <p:cNvPr id="1" name="Shape 20"/>
         <p:cNvGrpSpPr/>
         <p:nvPr/>
       </p:nvGrpSpPr>
@@ -3526,9 +3639,11 @@
       <p:sp>
         <p:nvSpPr>
           <p:cNvPr id="21" name="Google Shape;21;p4"/>
-          <p:cNvSpPr txBox="1"/>
+          <p:cNvSpPr txBox="1">
+            <a:spLocks noGrp="1"/>
+          </p:cNvSpPr>
           <p:nvPr>
-            <p:ph idx="12" type="sldNum"/>
+            <p:ph type="sldNum" idx="12"/>
           </p:nvPr>
         </p:nvSpPr>
         <p:spPr>
@@ -3541,7 +3656,7 @@
           </a:prstGeom>
         </p:spPr>
         <p:txBody>
-          <a:bodyPr anchorCtr="0" anchor="ctr" bIns="91425" lIns="91425" spcFirstLastPara="1" rIns="91425" wrap="square" tIns="91425">
+          <a:bodyPr spcFirstLastPara="1" wrap="square" lIns="91425" tIns="91425" rIns="91425" bIns="91425" anchor="ctr" anchorCtr="0">
             <a:noAutofit/>
           </a:bodyPr>
           <a:lstStyle>
@@ -3583,7 +3698,7 @@
             </a:lvl9pPr>
           </a:lstStyle>
           <a:p>
-            <a:pPr indent="0" lvl="0" marL="0" rtl="0" algn="r">
+            <a:pPr marL="0" lvl="0" indent="0" algn="r" rtl="0">
               <a:spcBef>
                 <a:spcPts val="0"/>
               </a:spcBef>
@@ -3594,7 +3709,7 @@
             </a:pPr>
             <a:fld id="{00000000-1234-1234-1234-123412341234}" type="slidenum">
               <a:rPr lang="en"/>
-              <a:t>‹#›</a:t>
+              <a:t>‹nº›</a:t>
             </a:fld>
             <a:endParaRPr/>
           </a:p>
@@ -3631,7 +3746,9 @@
       <p:sp>
         <p:nvSpPr>
           <p:cNvPr id="23" name="Google Shape;23;p4"/>
-          <p:cNvSpPr txBox="1"/>
+          <p:cNvSpPr txBox="1">
+            <a:spLocks noGrp="1"/>
+          </p:cNvSpPr>
           <p:nvPr>
             <p:ph type="title"/>
           </p:nvPr>
@@ -3646,7 +3763,7 @@
           </a:prstGeom>
         </p:spPr>
         <p:txBody>
-          <a:bodyPr anchorCtr="0" anchor="ctr" bIns="91425" lIns="91425" spcFirstLastPara="1" rIns="91425" wrap="square" tIns="91425">
+          <a:bodyPr spcFirstLastPara="1" wrap="square" lIns="91425" tIns="91425" rIns="91425" bIns="91425" anchor="ctr" anchorCtr="0">
             <a:noAutofit/>
           </a:bodyPr>
           <a:lstStyle>
@@ -3668,7 +3785,7 @@
                 </a:solidFill>
               </a:defRPr>
             </a:lvl1pPr>
-            <a:lvl2pPr lvl="1" rtl="0" algn="ctr">
+            <a:lvl2pPr lvl="1" algn="ctr" rtl="0">
               <a:spcBef>
                 <a:spcPts val="0"/>
               </a:spcBef>
@@ -3679,7 +3796,7 @@
               <a:buNone/>
               <a:defRPr sz="3600"/>
             </a:lvl2pPr>
-            <a:lvl3pPr lvl="2" rtl="0" algn="ctr">
+            <a:lvl3pPr lvl="2" algn="ctr" rtl="0">
               <a:spcBef>
                 <a:spcPts val="0"/>
               </a:spcBef>
@@ -3690,7 +3807,7 @@
               <a:buNone/>
               <a:defRPr sz="3600"/>
             </a:lvl3pPr>
-            <a:lvl4pPr lvl="3" rtl="0" algn="ctr">
+            <a:lvl4pPr lvl="3" algn="ctr" rtl="0">
               <a:spcBef>
                 <a:spcPts val="0"/>
               </a:spcBef>
@@ -3701,7 +3818,7 @@
               <a:buNone/>
               <a:defRPr sz="3600"/>
             </a:lvl4pPr>
-            <a:lvl5pPr lvl="4" rtl="0" algn="ctr">
+            <a:lvl5pPr lvl="4" algn="ctr" rtl="0">
               <a:spcBef>
                 <a:spcPts val="0"/>
               </a:spcBef>
@@ -3712,7 +3829,7 @@
               <a:buNone/>
               <a:defRPr sz="3600"/>
             </a:lvl5pPr>
-            <a:lvl6pPr lvl="5" rtl="0" algn="ctr">
+            <a:lvl6pPr lvl="5" algn="ctr" rtl="0">
               <a:spcBef>
                 <a:spcPts val="0"/>
               </a:spcBef>
@@ -3723,7 +3840,7 @@
               <a:buNone/>
               <a:defRPr sz="3600"/>
             </a:lvl6pPr>
-            <a:lvl7pPr lvl="6" rtl="0" algn="ctr">
+            <a:lvl7pPr lvl="6" algn="ctr" rtl="0">
               <a:spcBef>
                 <a:spcPts val="0"/>
               </a:spcBef>
@@ -3734,7 +3851,7 @@
               <a:buNone/>
               <a:defRPr sz="3600"/>
             </a:lvl7pPr>
-            <a:lvl8pPr lvl="7" rtl="0" algn="ctr">
+            <a:lvl8pPr lvl="7" algn="ctr" rtl="0">
               <a:spcBef>
                 <a:spcPts val="0"/>
               </a:spcBef>
@@ -3745,7 +3862,7 @@
               <a:buNone/>
               <a:defRPr sz="3600"/>
             </a:lvl8pPr>
-            <a:lvl9pPr lvl="8" rtl="0" algn="ctr">
+            <a:lvl9pPr lvl="8" algn="ctr" rtl="0">
               <a:spcBef>
                 <a:spcPts val="0"/>
               </a:spcBef>
@@ -3757,7 +3874,9 @@
               <a:defRPr sz="3600"/>
             </a:lvl9pPr>
           </a:lstStyle>
-          <a:p/>
+          <a:p>
+            <a:endParaRPr/>
+          </a:p>
         </p:txBody>
       </p:sp>
       <p:sp>
@@ -3780,12 +3899,12 @@
           </a:ln>
         </p:spPr>
         <p:txBody>
-          <a:bodyPr anchorCtr="0" anchor="t" bIns="91425" lIns="91425" spcFirstLastPara="1" rIns="91425" wrap="square" tIns="91425">
+          <a:bodyPr spcFirstLastPara="1" wrap="square" lIns="91425" tIns="91425" rIns="91425" bIns="91425" anchor="t" anchorCtr="0">
             <a:noAutofit/>
           </a:bodyPr>
           <a:lstStyle/>
           <a:p>
-            <a:pPr indent="0" lvl="0" marL="0" rtl="0" algn="l">
+            <a:pPr marL="0" lvl="0" indent="0" algn="l" rtl="0">
               <a:spcBef>
                 <a:spcPts val="0"/>
               </a:spcBef>
@@ -3795,14 +3914,14 @@
               <a:buNone/>
             </a:pPr>
             <a:r>
-              <a:rPr b="1" lang="en" sz="9600">
+              <a:rPr lang="en" sz="9600" b="1">
                 <a:solidFill>
                   <a:srgbClr val="FFFFFF"/>
                 </a:solidFill>
               </a:rPr>
               <a:t>Agenda</a:t>
             </a:r>
-            <a:endParaRPr b="1" sz="9600">
+            <a:endParaRPr sz="9600" b="1">
               <a:solidFill>
                 <a:srgbClr val="FFFFFF"/>
               </a:solidFill>
@@ -3819,11 +3938,11 @@
 </file>
 
 <file path=ppt/slideLayouts/slideLayout4.xml><?xml version="1.0" encoding="utf-8"?>
-<p:sldLayout xmlns:a="http://schemas.openxmlformats.org/drawingml/2006/main" xmlns:r="http://schemas.openxmlformats.org/officeDocument/2006/relationships" xmlns:mc="http://schemas.openxmlformats.org/markup-compatibility/2006" xmlns:mv="urn:schemas-microsoft-com:mac:vml" xmlns:p="http://schemas.openxmlformats.org/presentationml/2006/main" xmlns:c="http://schemas.openxmlformats.org/drawingml/2006/chart" xmlns:dgm="http://schemas.openxmlformats.org/drawingml/2006/diagram" xmlns:o="urn:schemas-microsoft-com:office:office" xmlns:v="urn:schemas-microsoft-com:vml" xmlns:pvml="urn:schemas-microsoft-com:office:powerpoint" xmlns:com="http://schemas.openxmlformats.org/drawingml/2006/compatibility" xmlns:p14="http://schemas.microsoft.com/office/powerpoint/2010/main" xmlns:p15="http://schemas.microsoft.com/office/powerpoint/2012/main" matchingName="Title and body" type="tx">
+<p:sldLayout xmlns:a="http://schemas.openxmlformats.org/drawingml/2006/main" xmlns:r="http://schemas.openxmlformats.org/officeDocument/2006/relationships" xmlns:p="http://schemas.openxmlformats.org/presentationml/2006/main" matchingName="Title and body" type="tx">
   <p:cSld name="TITLE_AND_BODY">
     <p:spTree>
       <p:nvGrpSpPr>
-        <p:cNvPr id="25" name="Shape 25"/>
+        <p:cNvPr id="1" name="Shape 25"/>
         <p:cNvGrpSpPr/>
         <p:nvPr/>
       </p:nvGrpSpPr>
@@ -3838,7 +3957,9 @@
       <p:sp>
         <p:nvSpPr>
           <p:cNvPr id="26" name="Google Shape;26;p5"/>
-          <p:cNvSpPr txBox="1"/>
+          <p:cNvSpPr txBox="1">
+            <a:spLocks noGrp="1"/>
+          </p:cNvSpPr>
           <p:nvPr>
             <p:ph type="title"/>
           </p:nvPr>
@@ -3853,7 +3974,7 @@
           </a:prstGeom>
         </p:spPr>
         <p:txBody>
-          <a:bodyPr anchorCtr="0" anchor="t" bIns="91425" lIns="91425" spcFirstLastPara="1" rIns="91425" wrap="square" tIns="91425">
+          <a:bodyPr spcFirstLastPara="1" wrap="square" lIns="91425" tIns="91425" rIns="91425" bIns="91425" anchor="t" anchorCtr="0">
             <a:noAutofit/>
           </a:bodyPr>
           <a:lstStyle>
@@ -4020,15 +4141,19 @@
               </a:defRPr>
             </a:lvl9pPr>
           </a:lstStyle>
-          <a:p/>
+          <a:p>
+            <a:endParaRPr/>
+          </a:p>
         </p:txBody>
       </p:sp>
       <p:sp>
         <p:nvSpPr>
           <p:cNvPr id="27" name="Google Shape;27;p5"/>
-          <p:cNvSpPr txBox="1"/>
+          <p:cNvSpPr txBox="1">
+            <a:spLocks noGrp="1"/>
+          </p:cNvSpPr>
           <p:nvPr>
-            <p:ph idx="1" type="body"/>
+            <p:ph type="body" idx="1"/>
           </p:nvPr>
         </p:nvSpPr>
         <p:spPr>
@@ -4041,11 +4166,11 @@
           </a:prstGeom>
         </p:spPr>
         <p:txBody>
-          <a:bodyPr anchorCtr="0" anchor="t" bIns="91425" lIns="91425" spcFirstLastPara="1" rIns="91425" wrap="square" tIns="91425">
+          <a:bodyPr spcFirstLastPara="1" wrap="square" lIns="91425" tIns="91425" rIns="91425" bIns="91425" anchor="t" anchorCtr="0">
             <a:noAutofit/>
           </a:bodyPr>
           <a:lstStyle>
-            <a:lvl1pPr indent="-342900" lvl="0" marL="457200">
+            <a:lvl1pPr marL="457200" lvl="0" indent="-342900">
               <a:lnSpc>
                 <a:spcPct val="100000"/>
               </a:lnSpc>
@@ -4066,7 +4191,7 @@
                 </a:solidFill>
               </a:defRPr>
             </a:lvl1pPr>
-            <a:lvl2pPr indent="-330200" lvl="1" marL="914400">
+            <a:lvl2pPr marL="914400" lvl="1" indent="-330200">
               <a:lnSpc>
                 <a:spcPct val="100000"/>
               </a:lnSpc>
@@ -4087,7 +4212,7 @@
                 </a:solidFill>
               </a:defRPr>
             </a:lvl2pPr>
-            <a:lvl3pPr indent="-317500" lvl="2" marL="1371600">
+            <a:lvl3pPr marL="1371600" lvl="2" indent="-317500">
               <a:lnSpc>
                 <a:spcPct val="100000"/>
               </a:lnSpc>
@@ -4108,7 +4233,7 @@
                 </a:solidFill>
               </a:defRPr>
             </a:lvl3pPr>
-            <a:lvl4pPr indent="-317500" lvl="3" marL="1828800">
+            <a:lvl4pPr marL="1828800" lvl="3" indent="-317500">
               <a:lnSpc>
                 <a:spcPct val="100000"/>
               </a:lnSpc>
@@ -4129,7 +4254,7 @@
                 </a:solidFill>
               </a:defRPr>
             </a:lvl4pPr>
-            <a:lvl5pPr indent="-317500" lvl="4" marL="2286000">
+            <a:lvl5pPr marL="2286000" lvl="4" indent="-317500">
               <a:lnSpc>
                 <a:spcPct val="100000"/>
               </a:lnSpc>
@@ -4150,7 +4275,7 @@
                 </a:solidFill>
               </a:defRPr>
             </a:lvl5pPr>
-            <a:lvl6pPr indent="-317500" lvl="5" marL="2743200">
+            <a:lvl6pPr marL="2743200" lvl="5" indent="-317500">
               <a:lnSpc>
                 <a:spcPct val="100000"/>
               </a:lnSpc>
@@ -4171,7 +4296,7 @@
                 </a:solidFill>
               </a:defRPr>
             </a:lvl6pPr>
-            <a:lvl7pPr indent="-317500" lvl="6" marL="3200400">
+            <a:lvl7pPr marL="3200400" lvl="6" indent="-317500">
               <a:lnSpc>
                 <a:spcPct val="100000"/>
               </a:lnSpc>
@@ -4192,7 +4317,7 @@
                 </a:solidFill>
               </a:defRPr>
             </a:lvl7pPr>
-            <a:lvl8pPr indent="-317500" lvl="7" marL="3657600">
+            <a:lvl8pPr marL="3657600" lvl="7" indent="-317500">
               <a:lnSpc>
                 <a:spcPct val="100000"/>
               </a:lnSpc>
@@ -4213,7 +4338,7 @@
                 </a:solidFill>
               </a:defRPr>
             </a:lvl8pPr>
-            <a:lvl9pPr indent="-317500" lvl="8" marL="4114800">
+            <a:lvl9pPr marL="4114800" lvl="8" indent="-317500">
               <a:lnSpc>
                 <a:spcPct val="100000"/>
               </a:lnSpc>
@@ -4235,15 +4360,19 @@
               </a:defRPr>
             </a:lvl9pPr>
           </a:lstStyle>
-          <a:p/>
+          <a:p>
+            <a:endParaRPr/>
+          </a:p>
         </p:txBody>
       </p:sp>
       <p:sp>
         <p:nvSpPr>
           <p:cNvPr id="28" name="Google Shape;28;p5"/>
-          <p:cNvSpPr txBox="1"/>
+          <p:cNvSpPr txBox="1">
+            <a:spLocks noGrp="1"/>
+          </p:cNvSpPr>
           <p:nvPr>
-            <p:ph idx="12" type="sldNum"/>
+            <p:ph type="sldNum" idx="12"/>
           </p:nvPr>
         </p:nvSpPr>
         <p:spPr>
@@ -4256,7 +4385,7 @@
           </a:prstGeom>
         </p:spPr>
         <p:txBody>
-          <a:bodyPr anchorCtr="0" anchor="ctr" bIns="91425" lIns="91425" spcFirstLastPara="1" rIns="91425" wrap="square" tIns="91425">
+          <a:bodyPr spcFirstLastPara="1" wrap="square" lIns="91425" tIns="91425" rIns="91425" bIns="91425" anchor="ctr" anchorCtr="0">
             <a:noAutofit/>
           </a:bodyPr>
           <a:lstStyle>
@@ -4298,7 +4427,7 @@
             </a:lvl9pPr>
           </a:lstStyle>
           <a:p>
-            <a:pPr indent="0" lvl="0" marL="0" rtl="0" algn="r">
+            <a:pPr marL="0" lvl="0" indent="0" algn="r" rtl="0">
               <a:spcBef>
                 <a:spcPts val="0"/>
               </a:spcBef>
@@ -4309,7 +4438,7 @@
             </a:pPr>
             <a:fld id="{00000000-1234-1234-1234-123412341234}" type="slidenum">
               <a:rPr lang="en"/>
-              <a:t>‹#›</a:t>
+              <a:t>‹nº›</a:t>
             </a:fld>
             <a:endParaRPr/>
           </a:p>
@@ -4358,14 +4487,14 @@
             <a:avLst/>
           </a:prstGeom>
           <a:noFill/>
-          <a:ln cap="flat" cmpd="sng" w="9525">
+          <a:ln w="9525" cap="flat" cmpd="sng">
             <a:solidFill>
               <a:srgbClr val="008F83"/>
             </a:solidFill>
             <a:prstDash val="solid"/>
             <a:round/>
-            <a:headEnd len="med" w="med" type="none"/>
-            <a:tailEnd len="med" w="med" type="none"/>
+            <a:headEnd type="none" w="med" len="med"/>
+            <a:tailEnd type="none" w="med" len="med"/>
           </a:ln>
         </p:spPr>
       </p:cxnSp>
@@ -4378,11 +4507,11 @@
 </file>
 
 <file path=ppt/slideLayouts/slideLayout5.xml><?xml version="1.0" encoding="utf-8"?>
-<p:sldLayout xmlns:a="http://schemas.openxmlformats.org/drawingml/2006/main" xmlns:r="http://schemas.openxmlformats.org/officeDocument/2006/relationships" xmlns:mc="http://schemas.openxmlformats.org/markup-compatibility/2006" xmlns:mv="urn:schemas-microsoft-com:mac:vml" xmlns:p="http://schemas.openxmlformats.org/presentationml/2006/main" xmlns:c="http://schemas.openxmlformats.org/drawingml/2006/chart" xmlns:dgm="http://schemas.openxmlformats.org/drawingml/2006/diagram" xmlns:o="urn:schemas-microsoft-com:office:office" xmlns:v="urn:schemas-microsoft-com:vml" xmlns:pvml="urn:schemas-microsoft-com:office:powerpoint" xmlns:com="http://schemas.openxmlformats.org/drawingml/2006/compatibility" xmlns:p14="http://schemas.microsoft.com/office/powerpoint/2010/main" xmlns:p15="http://schemas.microsoft.com/office/powerpoint/2012/main" matchingName="Title and two columns" type="twoColTx">
+<p:sldLayout xmlns:a="http://schemas.openxmlformats.org/drawingml/2006/main" xmlns:r="http://schemas.openxmlformats.org/officeDocument/2006/relationships" xmlns:p="http://schemas.openxmlformats.org/presentationml/2006/main" matchingName="Title and two columns" type="twoColTx">
   <p:cSld name="TITLE_AND_TWO_COLUMNS">
     <p:spTree>
       <p:nvGrpSpPr>
-        <p:cNvPr id="31" name="Shape 31"/>
+        <p:cNvPr id="1" name="Shape 31"/>
         <p:cNvGrpSpPr/>
         <p:nvPr/>
       </p:nvGrpSpPr>
@@ -4397,7 +4526,9 @@
       <p:sp>
         <p:nvSpPr>
           <p:cNvPr id="32" name="Google Shape;32;p6"/>
-          <p:cNvSpPr txBox="1"/>
+          <p:cNvSpPr txBox="1">
+            <a:spLocks noGrp="1"/>
+          </p:cNvSpPr>
           <p:nvPr>
             <p:ph type="title"/>
           </p:nvPr>
@@ -4412,7 +4543,7 @@
           </a:prstGeom>
         </p:spPr>
         <p:txBody>
-          <a:bodyPr anchorCtr="0" anchor="t" bIns="91425" lIns="91425" spcFirstLastPara="1" rIns="91425" wrap="square" tIns="91425">
+          <a:bodyPr spcFirstLastPara="1" wrap="square" lIns="91425" tIns="91425" rIns="91425" bIns="91425" anchor="t" anchorCtr="0">
             <a:noAutofit/>
           </a:bodyPr>
           <a:lstStyle>
@@ -4579,15 +4710,19 @@
               </a:defRPr>
             </a:lvl9pPr>
           </a:lstStyle>
-          <a:p/>
+          <a:p>
+            <a:endParaRPr/>
+          </a:p>
         </p:txBody>
       </p:sp>
       <p:sp>
         <p:nvSpPr>
           <p:cNvPr id="33" name="Google Shape;33;p6"/>
-          <p:cNvSpPr txBox="1"/>
+          <p:cNvSpPr txBox="1">
+            <a:spLocks noGrp="1"/>
+          </p:cNvSpPr>
           <p:nvPr>
-            <p:ph idx="1" type="body"/>
+            <p:ph type="body" idx="1"/>
           </p:nvPr>
         </p:nvSpPr>
         <p:spPr>
@@ -4600,11 +4735,11 @@
           </a:prstGeom>
         </p:spPr>
         <p:txBody>
-          <a:bodyPr anchorCtr="0" anchor="t" bIns="91425" lIns="91425" spcFirstLastPara="1" rIns="91425" wrap="square" tIns="91425">
+          <a:bodyPr spcFirstLastPara="1" wrap="square" lIns="91425" tIns="91425" rIns="91425" bIns="91425" anchor="t" anchorCtr="0">
             <a:noAutofit/>
           </a:bodyPr>
           <a:lstStyle>
-            <a:lvl1pPr indent="-317500" lvl="0" marL="457200">
+            <a:lvl1pPr marL="457200" lvl="0" indent="-317500">
               <a:spcBef>
                 <a:spcPts val="0"/>
               </a:spcBef>
@@ -4622,7 +4757,7 @@
                 </a:solidFill>
               </a:defRPr>
             </a:lvl1pPr>
-            <a:lvl2pPr indent="-304800" lvl="1" marL="914400">
+            <a:lvl2pPr marL="914400" lvl="1" indent="-304800">
               <a:spcBef>
                 <a:spcPts val="0"/>
               </a:spcBef>
@@ -4640,7 +4775,7 @@
                 </a:solidFill>
               </a:defRPr>
             </a:lvl2pPr>
-            <a:lvl3pPr indent="-304800" lvl="2" marL="1371600">
+            <a:lvl3pPr marL="1371600" lvl="2" indent="-304800">
               <a:spcBef>
                 <a:spcPts val="0"/>
               </a:spcBef>
@@ -4658,7 +4793,7 @@
                 </a:solidFill>
               </a:defRPr>
             </a:lvl3pPr>
-            <a:lvl4pPr indent="-304800" lvl="3" marL="1828800">
+            <a:lvl4pPr marL="1828800" lvl="3" indent="-304800">
               <a:spcBef>
                 <a:spcPts val="0"/>
               </a:spcBef>
@@ -4676,7 +4811,7 @@
                 </a:solidFill>
               </a:defRPr>
             </a:lvl4pPr>
-            <a:lvl5pPr indent="-304800" lvl="4" marL="2286000">
+            <a:lvl5pPr marL="2286000" lvl="4" indent="-304800">
               <a:spcBef>
                 <a:spcPts val="0"/>
               </a:spcBef>
@@ -4694,7 +4829,7 @@
                 </a:solidFill>
               </a:defRPr>
             </a:lvl5pPr>
-            <a:lvl6pPr indent="-304800" lvl="5" marL="2743200">
+            <a:lvl6pPr marL="2743200" lvl="5" indent="-304800">
               <a:spcBef>
                 <a:spcPts val="0"/>
               </a:spcBef>
@@ -4712,7 +4847,7 @@
                 </a:solidFill>
               </a:defRPr>
             </a:lvl6pPr>
-            <a:lvl7pPr indent="-304800" lvl="6" marL="3200400">
+            <a:lvl7pPr marL="3200400" lvl="6" indent="-304800">
               <a:spcBef>
                 <a:spcPts val="0"/>
               </a:spcBef>
@@ -4730,7 +4865,7 @@
                 </a:solidFill>
               </a:defRPr>
             </a:lvl7pPr>
-            <a:lvl8pPr indent="-304800" lvl="7" marL="3657600">
+            <a:lvl8pPr marL="3657600" lvl="7" indent="-304800">
               <a:spcBef>
                 <a:spcPts val="0"/>
               </a:spcBef>
@@ -4748,7 +4883,7 @@
                 </a:solidFill>
               </a:defRPr>
             </a:lvl8pPr>
-            <a:lvl9pPr indent="-304800" lvl="8" marL="4114800">
+            <a:lvl9pPr marL="4114800" lvl="8" indent="-304800">
               <a:spcBef>
                 <a:spcPts val="0"/>
               </a:spcBef>
@@ -4767,15 +4902,19 @@
               </a:defRPr>
             </a:lvl9pPr>
           </a:lstStyle>
-          <a:p/>
+          <a:p>
+            <a:endParaRPr/>
+          </a:p>
         </p:txBody>
       </p:sp>
       <p:sp>
         <p:nvSpPr>
           <p:cNvPr id="34" name="Google Shape;34;p6"/>
-          <p:cNvSpPr txBox="1"/>
+          <p:cNvSpPr txBox="1">
+            <a:spLocks noGrp="1"/>
+          </p:cNvSpPr>
           <p:nvPr>
-            <p:ph idx="2" type="body"/>
+            <p:ph type="body" idx="2"/>
           </p:nvPr>
         </p:nvSpPr>
         <p:spPr>
@@ -4788,11 +4927,11 @@
           </a:prstGeom>
         </p:spPr>
         <p:txBody>
-          <a:bodyPr anchorCtr="0" anchor="t" bIns="91425" lIns="91425" spcFirstLastPara="1" rIns="91425" wrap="square" tIns="91425">
+          <a:bodyPr spcFirstLastPara="1" wrap="square" lIns="91425" tIns="91425" rIns="91425" bIns="91425" anchor="t" anchorCtr="0">
             <a:noAutofit/>
           </a:bodyPr>
           <a:lstStyle>
-            <a:lvl1pPr indent="-317500" lvl="0" marL="457200">
+            <a:lvl1pPr marL="457200" lvl="0" indent="-317500">
               <a:spcBef>
                 <a:spcPts val="0"/>
               </a:spcBef>
@@ -4810,7 +4949,7 @@
                 </a:solidFill>
               </a:defRPr>
             </a:lvl1pPr>
-            <a:lvl2pPr indent="-304800" lvl="1" marL="914400">
+            <a:lvl2pPr marL="914400" lvl="1" indent="-304800">
               <a:spcBef>
                 <a:spcPts val="0"/>
               </a:spcBef>
@@ -4828,7 +4967,7 @@
                 </a:solidFill>
               </a:defRPr>
             </a:lvl2pPr>
-            <a:lvl3pPr indent="-304800" lvl="2" marL="1371600">
+            <a:lvl3pPr marL="1371600" lvl="2" indent="-304800">
               <a:spcBef>
                 <a:spcPts val="0"/>
               </a:spcBef>
@@ -4846,7 +4985,7 @@
                 </a:solidFill>
               </a:defRPr>
             </a:lvl3pPr>
-            <a:lvl4pPr indent="-304800" lvl="3" marL="1828800">
+            <a:lvl4pPr marL="1828800" lvl="3" indent="-304800">
               <a:spcBef>
                 <a:spcPts val="0"/>
               </a:spcBef>
@@ -4864,7 +5003,7 @@
                 </a:solidFill>
               </a:defRPr>
             </a:lvl4pPr>
-            <a:lvl5pPr indent="-304800" lvl="4" marL="2286000">
+            <a:lvl5pPr marL="2286000" lvl="4" indent="-304800">
               <a:spcBef>
                 <a:spcPts val="0"/>
               </a:spcBef>
@@ -4882,7 +5021,7 @@
                 </a:solidFill>
               </a:defRPr>
             </a:lvl5pPr>
-            <a:lvl6pPr indent="-304800" lvl="5" marL="2743200">
+            <a:lvl6pPr marL="2743200" lvl="5" indent="-304800">
               <a:spcBef>
                 <a:spcPts val="0"/>
               </a:spcBef>
@@ -4900,7 +5039,7 @@
                 </a:solidFill>
               </a:defRPr>
             </a:lvl6pPr>
-            <a:lvl7pPr indent="-304800" lvl="6" marL="3200400">
+            <a:lvl7pPr marL="3200400" lvl="6" indent="-304800">
               <a:spcBef>
                 <a:spcPts val="0"/>
               </a:spcBef>
@@ -4918,7 +5057,7 @@
                 </a:solidFill>
               </a:defRPr>
             </a:lvl7pPr>
-            <a:lvl8pPr indent="-304800" lvl="7" marL="3657600">
+            <a:lvl8pPr marL="3657600" lvl="7" indent="-304800">
               <a:spcBef>
                 <a:spcPts val="0"/>
               </a:spcBef>
@@ -4936,7 +5075,7 @@
                 </a:solidFill>
               </a:defRPr>
             </a:lvl8pPr>
-            <a:lvl9pPr indent="-304800" lvl="8" marL="4114800">
+            <a:lvl9pPr marL="4114800" lvl="8" indent="-304800">
               <a:spcBef>
                 <a:spcPts val="0"/>
               </a:spcBef>
@@ -4955,15 +5094,19 @@
               </a:defRPr>
             </a:lvl9pPr>
           </a:lstStyle>
-          <a:p/>
+          <a:p>
+            <a:endParaRPr/>
+          </a:p>
         </p:txBody>
       </p:sp>
       <p:sp>
         <p:nvSpPr>
           <p:cNvPr id="35" name="Google Shape;35;p6"/>
-          <p:cNvSpPr txBox="1"/>
+          <p:cNvSpPr txBox="1">
+            <a:spLocks noGrp="1"/>
+          </p:cNvSpPr>
           <p:nvPr>
-            <p:ph idx="12" type="sldNum"/>
+            <p:ph type="sldNum" idx="12"/>
           </p:nvPr>
         </p:nvSpPr>
         <p:spPr>
@@ -4976,7 +5119,7 @@
           </a:prstGeom>
         </p:spPr>
         <p:txBody>
-          <a:bodyPr anchorCtr="0" anchor="ctr" bIns="91425" lIns="91425" spcFirstLastPara="1" rIns="91425" wrap="square" tIns="91425">
+          <a:bodyPr spcFirstLastPara="1" wrap="square" lIns="91425" tIns="91425" rIns="91425" bIns="91425" anchor="ctr" anchorCtr="0">
             <a:noAutofit/>
           </a:bodyPr>
           <a:lstStyle>
@@ -5018,7 +5161,7 @@
             </a:lvl9pPr>
           </a:lstStyle>
           <a:p>
-            <a:pPr indent="0" lvl="0" marL="0" rtl="0" algn="r">
+            <a:pPr marL="0" lvl="0" indent="0" algn="r" rtl="0">
               <a:spcBef>
                 <a:spcPts val="0"/>
               </a:spcBef>
@@ -5029,7 +5172,7 @@
             </a:pPr>
             <a:fld id="{00000000-1234-1234-1234-123412341234}" type="slidenum">
               <a:rPr lang="en"/>
-              <a:t>‹#›</a:t>
+              <a:t>‹nº›</a:t>
             </a:fld>
             <a:endParaRPr/>
           </a:p>
@@ -5050,14 +5193,14 @@
             <a:avLst/>
           </a:prstGeom>
           <a:noFill/>
-          <a:ln cap="flat" cmpd="sng" w="9525">
+          <a:ln w="9525" cap="flat" cmpd="sng">
             <a:solidFill>
               <a:srgbClr val="008F83"/>
             </a:solidFill>
             <a:prstDash val="solid"/>
             <a:round/>
-            <a:headEnd len="med" w="med" type="none"/>
-            <a:tailEnd len="med" w="med" type="none"/>
+            <a:headEnd type="none" w="med" len="med"/>
+            <a:tailEnd type="none" w="med" len="med"/>
           </a:ln>
         </p:spPr>
       </p:cxnSp>
@@ -5098,11 +5241,11 @@
 </file>
 
 <file path=ppt/slideLayouts/slideLayout6.xml><?xml version="1.0" encoding="utf-8"?>
-<p:sldLayout xmlns:a="http://schemas.openxmlformats.org/drawingml/2006/main" xmlns:r="http://schemas.openxmlformats.org/officeDocument/2006/relationships" xmlns:mc="http://schemas.openxmlformats.org/markup-compatibility/2006" xmlns:mv="urn:schemas-microsoft-com:mac:vml" xmlns:p="http://schemas.openxmlformats.org/presentationml/2006/main" xmlns:c="http://schemas.openxmlformats.org/drawingml/2006/chart" xmlns:dgm="http://schemas.openxmlformats.org/drawingml/2006/diagram" xmlns:o="urn:schemas-microsoft-com:office:office" xmlns:v="urn:schemas-microsoft-com:vml" xmlns:pvml="urn:schemas-microsoft-com:office:powerpoint" xmlns:com="http://schemas.openxmlformats.org/drawingml/2006/compatibility" xmlns:p14="http://schemas.microsoft.com/office/powerpoint/2010/main" xmlns:p15="http://schemas.microsoft.com/office/powerpoint/2012/main" matchingName="Title only" type="titleOnly">
+<p:sldLayout xmlns:a="http://schemas.openxmlformats.org/drawingml/2006/main" xmlns:r="http://schemas.openxmlformats.org/officeDocument/2006/relationships" xmlns:p="http://schemas.openxmlformats.org/presentationml/2006/main" matchingName="Title only" type="titleOnly">
   <p:cSld name="TITLE_ONLY">
     <p:spTree>
       <p:nvGrpSpPr>
-        <p:cNvPr id="38" name="Shape 38"/>
+        <p:cNvPr id="1" name="Shape 38"/>
         <p:cNvGrpSpPr/>
         <p:nvPr/>
       </p:nvGrpSpPr>
@@ -5117,7 +5260,9 @@
       <p:sp>
         <p:nvSpPr>
           <p:cNvPr id="39" name="Google Shape;39;p7"/>
-          <p:cNvSpPr txBox="1"/>
+          <p:cNvSpPr txBox="1">
+            <a:spLocks noGrp="1"/>
+          </p:cNvSpPr>
           <p:nvPr>
             <p:ph type="title"/>
           </p:nvPr>
@@ -5132,7 +5277,7 @@
           </a:prstGeom>
         </p:spPr>
         <p:txBody>
-          <a:bodyPr anchorCtr="0" anchor="t" bIns="91425" lIns="91425" spcFirstLastPara="1" rIns="91425" wrap="square" tIns="91425">
+          <a:bodyPr spcFirstLastPara="1" wrap="square" lIns="91425" tIns="91425" rIns="91425" bIns="91425" anchor="t" anchorCtr="0">
             <a:noAutofit/>
           </a:bodyPr>
           <a:lstStyle>
@@ -5299,15 +5444,19 @@
               </a:defRPr>
             </a:lvl9pPr>
           </a:lstStyle>
-          <a:p/>
+          <a:p>
+            <a:endParaRPr/>
+          </a:p>
         </p:txBody>
       </p:sp>
       <p:sp>
         <p:nvSpPr>
           <p:cNvPr id="40" name="Google Shape;40;p7"/>
-          <p:cNvSpPr txBox="1"/>
+          <p:cNvSpPr txBox="1">
+            <a:spLocks noGrp="1"/>
+          </p:cNvSpPr>
           <p:nvPr>
-            <p:ph idx="12" type="sldNum"/>
+            <p:ph type="sldNum" idx="12"/>
           </p:nvPr>
         </p:nvSpPr>
         <p:spPr>
@@ -5320,7 +5469,7 @@
           </a:prstGeom>
         </p:spPr>
         <p:txBody>
-          <a:bodyPr anchorCtr="0" anchor="ctr" bIns="91425" lIns="91425" spcFirstLastPara="1" rIns="91425" wrap="square" tIns="91425">
+          <a:bodyPr spcFirstLastPara="1" wrap="square" lIns="91425" tIns="91425" rIns="91425" bIns="91425" anchor="ctr" anchorCtr="0">
             <a:noAutofit/>
           </a:bodyPr>
           <a:lstStyle>
@@ -5362,7 +5511,7 @@
             </a:lvl9pPr>
           </a:lstStyle>
           <a:p>
-            <a:pPr indent="0" lvl="0" marL="0" rtl="0" algn="r">
+            <a:pPr marL="0" lvl="0" indent="0" algn="r" rtl="0">
               <a:spcBef>
                 <a:spcPts val="0"/>
               </a:spcBef>
@@ -5373,7 +5522,7 @@
             </a:pPr>
             <a:fld id="{00000000-1234-1234-1234-123412341234}" type="slidenum">
               <a:rPr lang="en"/>
-              <a:t>‹#›</a:t>
+              <a:t>‹nº›</a:t>
             </a:fld>
             <a:endParaRPr/>
           </a:p>
@@ -5394,14 +5543,14 @@
             <a:avLst/>
           </a:prstGeom>
           <a:noFill/>
-          <a:ln cap="flat" cmpd="sng" w="9525">
+          <a:ln w="9525" cap="flat" cmpd="sng">
             <a:solidFill>
               <a:srgbClr val="008F83"/>
             </a:solidFill>
             <a:prstDash val="solid"/>
             <a:round/>
-            <a:headEnd len="med" w="med" type="none"/>
-            <a:tailEnd len="med" w="med" type="none"/>
+            <a:headEnd type="none" w="med" len="med"/>
+            <a:tailEnd type="none" w="med" len="med"/>
           </a:ln>
         </p:spPr>
       </p:cxnSp>
@@ -5442,11 +5591,11 @@
 </file>
 
 <file path=ppt/slideLayouts/slideLayout7.xml><?xml version="1.0" encoding="utf-8"?>
-<p:sldLayout xmlns:a="http://schemas.openxmlformats.org/drawingml/2006/main" xmlns:r="http://schemas.openxmlformats.org/officeDocument/2006/relationships" xmlns:mc="http://schemas.openxmlformats.org/markup-compatibility/2006" xmlns:mv="urn:schemas-microsoft-com:mac:vml" xmlns:p="http://schemas.openxmlformats.org/presentationml/2006/main" xmlns:c="http://schemas.openxmlformats.org/drawingml/2006/chart" xmlns:dgm="http://schemas.openxmlformats.org/drawingml/2006/diagram" xmlns:o="urn:schemas-microsoft-com:office:office" xmlns:v="urn:schemas-microsoft-com:vml" xmlns:pvml="urn:schemas-microsoft-com:office:powerpoint" xmlns:com="http://schemas.openxmlformats.org/drawingml/2006/compatibility" xmlns:p14="http://schemas.microsoft.com/office/powerpoint/2010/main" xmlns:p15="http://schemas.microsoft.com/office/powerpoint/2012/main" matchingName="One column text">
+<p:sldLayout xmlns:a="http://schemas.openxmlformats.org/drawingml/2006/main" xmlns:r="http://schemas.openxmlformats.org/officeDocument/2006/relationships" xmlns:p="http://schemas.openxmlformats.org/presentationml/2006/main" matchingName="One column text">
   <p:cSld name="ONE_COLUMN_TEXT">
     <p:spTree>
       <p:nvGrpSpPr>
-        <p:cNvPr id="43" name="Shape 43"/>
+        <p:cNvPr id="1" name="Shape 43"/>
         <p:cNvGrpSpPr/>
         <p:nvPr/>
       </p:nvGrpSpPr>
@@ -5461,7 +5610,9 @@
       <p:sp>
         <p:nvSpPr>
           <p:cNvPr id="44" name="Google Shape;44;p8"/>
-          <p:cNvSpPr txBox="1"/>
+          <p:cNvSpPr txBox="1">
+            <a:spLocks noGrp="1"/>
+          </p:cNvSpPr>
           <p:nvPr>
             <p:ph type="title"/>
           </p:nvPr>
@@ -5476,7 +5627,7 @@
           </a:prstGeom>
         </p:spPr>
         <p:txBody>
-          <a:bodyPr anchorCtr="0" anchor="b" bIns="91425" lIns="91425" spcFirstLastPara="1" rIns="91425" wrap="square" tIns="91425">
+          <a:bodyPr spcFirstLastPara="1" wrap="square" lIns="91425" tIns="91425" rIns="91425" bIns="91425" anchor="b" anchorCtr="0">
             <a:noAutofit/>
           </a:bodyPr>
           <a:lstStyle>
@@ -5492,7 +5643,7 @@
               </a:buClr>
               <a:buSzPts val="2400"/>
               <a:buNone/>
-              <a:defRPr b="1" sz="2400">
+              <a:defRPr sz="2400" b="1">
                 <a:solidFill>
                   <a:srgbClr val="008F83"/>
                 </a:solidFill>
@@ -5510,7 +5661,7 @@
               </a:buClr>
               <a:buSzPts val="2400"/>
               <a:buNone/>
-              <a:defRPr b="1" sz="2400">
+              <a:defRPr sz="2400" b="1">
                 <a:solidFill>
                   <a:srgbClr val="008F83"/>
                 </a:solidFill>
@@ -5528,7 +5679,7 @@
               </a:buClr>
               <a:buSzPts val="2400"/>
               <a:buNone/>
-              <a:defRPr b="1" sz="2400">
+              <a:defRPr sz="2400" b="1">
                 <a:solidFill>
                   <a:srgbClr val="008F83"/>
                 </a:solidFill>
@@ -5546,7 +5697,7 @@
               </a:buClr>
               <a:buSzPts val="2400"/>
               <a:buNone/>
-              <a:defRPr b="1" sz="2400">
+              <a:defRPr sz="2400" b="1">
                 <a:solidFill>
                   <a:srgbClr val="008F83"/>
                 </a:solidFill>
@@ -5564,7 +5715,7 @@
               </a:buClr>
               <a:buSzPts val="2400"/>
               <a:buNone/>
-              <a:defRPr b="1" sz="2400">
+              <a:defRPr sz="2400" b="1">
                 <a:solidFill>
                   <a:srgbClr val="008F83"/>
                 </a:solidFill>
@@ -5582,7 +5733,7 @@
               </a:buClr>
               <a:buSzPts val="2400"/>
               <a:buNone/>
-              <a:defRPr b="1" sz="2400">
+              <a:defRPr sz="2400" b="1">
                 <a:solidFill>
                   <a:srgbClr val="008F83"/>
                 </a:solidFill>
@@ -5600,7 +5751,7 @@
               </a:buClr>
               <a:buSzPts val="2400"/>
               <a:buNone/>
-              <a:defRPr b="1" sz="2400">
+              <a:defRPr sz="2400" b="1">
                 <a:solidFill>
                   <a:srgbClr val="008F83"/>
                 </a:solidFill>
@@ -5618,7 +5769,7 @@
               </a:buClr>
               <a:buSzPts val="2400"/>
               <a:buNone/>
-              <a:defRPr b="1" sz="2400">
+              <a:defRPr sz="2400" b="1">
                 <a:solidFill>
                   <a:srgbClr val="008F83"/>
                 </a:solidFill>
@@ -5636,22 +5787,26 @@
               </a:buClr>
               <a:buSzPts val="2400"/>
               <a:buNone/>
-              <a:defRPr b="1" sz="2400">
+              <a:defRPr sz="2400" b="1">
                 <a:solidFill>
                   <a:srgbClr val="008F83"/>
                 </a:solidFill>
               </a:defRPr>
             </a:lvl9pPr>
           </a:lstStyle>
-          <a:p/>
+          <a:p>
+            <a:endParaRPr/>
+          </a:p>
         </p:txBody>
       </p:sp>
       <p:sp>
         <p:nvSpPr>
           <p:cNvPr id="45" name="Google Shape;45;p8"/>
-          <p:cNvSpPr txBox="1"/>
+          <p:cNvSpPr txBox="1">
+            <a:spLocks noGrp="1"/>
+          </p:cNvSpPr>
           <p:nvPr>
-            <p:ph idx="1" type="body"/>
+            <p:ph type="body" idx="1"/>
           </p:nvPr>
         </p:nvSpPr>
         <p:spPr>
@@ -5664,11 +5819,11 @@
           </a:prstGeom>
         </p:spPr>
         <p:txBody>
-          <a:bodyPr anchorCtr="0" anchor="t" bIns="91425" lIns="91425" spcFirstLastPara="1" rIns="91425" wrap="square" tIns="91425">
+          <a:bodyPr spcFirstLastPara="1" wrap="square" lIns="91425" tIns="91425" rIns="91425" bIns="91425" anchor="t" anchorCtr="0">
             <a:noAutofit/>
           </a:bodyPr>
           <a:lstStyle>
-            <a:lvl1pPr indent="-304800" lvl="0" marL="457200">
+            <a:lvl1pPr marL="457200" lvl="0" indent="-304800">
               <a:spcBef>
                 <a:spcPts val="0"/>
               </a:spcBef>
@@ -5686,7 +5841,7 @@
                 </a:solidFill>
               </a:defRPr>
             </a:lvl1pPr>
-            <a:lvl2pPr indent="-304800" lvl="1" marL="914400">
+            <a:lvl2pPr marL="914400" lvl="1" indent="-304800">
               <a:spcBef>
                 <a:spcPts val="0"/>
               </a:spcBef>
@@ -5704,7 +5859,7 @@
                 </a:solidFill>
               </a:defRPr>
             </a:lvl2pPr>
-            <a:lvl3pPr indent="-304800" lvl="2" marL="1371600">
+            <a:lvl3pPr marL="1371600" lvl="2" indent="-304800">
               <a:spcBef>
                 <a:spcPts val="0"/>
               </a:spcBef>
@@ -5722,7 +5877,7 @@
                 </a:solidFill>
               </a:defRPr>
             </a:lvl3pPr>
-            <a:lvl4pPr indent="-304800" lvl="3" marL="1828800">
+            <a:lvl4pPr marL="1828800" lvl="3" indent="-304800">
               <a:spcBef>
                 <a:spcPts val="0"/>
               </a:spcBef>
@@ -5740,7 +5895,7 @@
                 </a:solidFill>
               </a:defRPr>
             </a:lvl4pPr>
-            <a:lvl5pPr indent="-304800" lvl="4" marL="2286000">
+            <a:lvl5pPr marL="2286000" lvl="4" indent="-304800">
               <a:spcBef>
                 <a:spcPts val="0"/>
               </a:spcBef>
@@ -5758,7 +5913,7 @@
                 </a:solidFill>
               </a:defRPr>
             </a:lvl5pPr>
-            <a:lvl6pPr indent="-304800" lvl="5" marL="2743200">
+            <a:lvl6pPr marL="2743200" lvl="5" indent="-304800">
               <a:spcBef>
                 <a:spcPts val="0"/>
               </a:spcBef>
@@ -5776,7 +5931,7 @@
                 </a:solidFill>
               </a:defRPr>
             </a:lvl6pPr>
-            <a:lvl7pPr indent="-304800" lvl="6" marL="3200400">
+            <a:lvl7pPr marL="3200400" lvl="6" indent="-304800">
               <a:spcBef>
                 <a:spcPts val="0"/>
               </a:spcBef>
@@ -5794,7 +5949,7 @@
                 </a:solidFill>
               </a:defRPr>
             </a:lvl7pPr>
-            <a:lvl8pPr indent="-304800" lvl="7" marL="3657600">
+            <a:lvl8pPr marL="3657600" lvl="7" indent="-304800">
               <a:spcBef>
                 <a:spcPts val="0"/>
               </a:spcBef>
@@ -5812,7 +5967,7 @@
                 </a:solidFill>
               </a:defRPr>
             </a:lvl8pPr>
-            <a:lvl9pPr indent="-304800" lvl="8" marL="4114800">
+            <a:lvl9pPr marL="4114800" lvl="8" indent="-304800">
               <a:spcBef>
                 <a:spcPts val="0"/>
               </a:spcBef>
@@ -5831,15 +5986,19 @@
               </a:defRPr>
             </a:lvl9pPr>
           </a:lstStyle>
-          <a:p/>
+          <a:p>
+            <a:endParaRPr/>
+          </a:p>
         </p:txBody>
       </p:sp>
       <p:sp>
         <p:nvSpPr>
           <p:cNvPr id="46" name="Google Shape;46;p8"/>
-          <p:cNvSpPr txBox="1"/>
+          <p:cNvSpPr txBox="1">
+            <a:spLocks noGrp="1"/>
+          </p:cNvSpPr>
           <p:nvPr>
-            <p:ph idx="12" type="sldNum"/>
+            <p:ph type="sldNum" idx="12"/>
           </p:nvPr>
         </p:nvSpPr>
         <p:spPr>
@@ -5852,7 +6011,7 @@
           </a:prstGeom>
         </p:spPr>
         <p:txBody>
-          <a:bodyPr anchorCtr="0" anchor="ctr" bIns="91425" lIns="91425" spcFirstLastPara="1" rIns="91425" wrap="square" tIns="91425">
+          <a:bodyPr spcFirstLastPara="1" wrap="square" lIns="91425" tIns="91425" rIns="91425" bIns="91425" anchor="ctr" anchorCtr="0">
             <a:noAutofit/>
           </a:bodyPr>
           <a:lstStyle>
@@ -5894,7 +6053,7 @@
             </a:lvl9pPr>
           </a:lstStyle>
           <a:p>
-            <a:pPr indent="0" lvl="0" marL="0" rtl="0" algn="r">
+            <a:pPr marL="0" lvl="0" indent="0" algn="r" rtl="0">
               <a:spcBef>
                 <a:spcPts val="0"/>
               </a:spcBef>
@@ -5905,7 +6064,7 @@
             </a:pPr>
             <a:fld id="{00000000-1234-1234-1234-123412341234}" type="slidenum">
               <a:rPr lang="en"/>
-              <a:t>‹#›</a:t>
+              <a:t>‹nº›</a:t>
             </a:fld>
             <a:endParaRPr/>
           </a:p>
@@ -5926,14 +6085,14 @@
             <a:avLst/>
           </a:prstGeom>
           <a:noFill/>
-          <a:ln cap="flat" cmpd="sng" w="9525">
+          <a:ln w="9525" cap="flat" cmpd="sng">
             <a:solidFill>
               <a:srgbClr val="008F83"/>
             </a:solidFill>
             <a:prstDash val="solid"/>
             <a:round/>
-            <a:headEnd len="med" w="med" type="none"/>
-            <a:tailEnd len="med" w="med" type="none"/>
+            <a:headEnd type="none" w="med" len="med"/>
+            <a:tailEnd type="none" w="med" len="med"/>
           </a:ln>
         </p:spPr>
       </p:cxnSp>
@@ -5974,18 +6133,19 @@
 </file>
 
 <file path=ppt/slideLayouts/slideLayout8.xml><?xml version="1.0" encoding="utf-8"?>
-<p:sldLayout xmlns:a="http://schemas.openxmlformats.org/drawingml/2006/main" xmlns:r="http://schemas.openxmlformats.org/officeDocument/2006/relationships" xmlns:mc="http://schemas.openxmlformats.org/markup-compatibility/2006" xmlns:mv="urn:schemas-microsoft-com:mac:vml" xmlns:p="http://schemas.openxmlformats.org/presentationml/2006/main" xmlns:c="http://schemas.openxmlformats.org/drawingml/2006/chart" xmlns:dgm="http://schemas.openxmlformats.org/drawingml/2006/diagram" xmlns:o="urn:schemas-microsoft-com:office:office" xmlns:v="urn:schemas-microsoft-com:vml" xmlns:pvml="urn:schemas-microsoft-com:office:powerpoint" xmlns:com="http://schemas.openxmlformats.org/drawingml/2006/compatibility" xmlns:p14="http://schemas.microsoft.com/office/powerpoint/2010/main" xmlns:p15="http://schemas.microsoft.com/office/powerpoint/2012/main" matchingName="Main point">
+<p:sldLayout xmlns:a="http://schemas.openxmlformats.org/drawingml/2006/main" xmlns:r="http://schemas.openxmlformats.org/officeDocument/2006/relationships" xmlns:p="http://schemas.openxmlformats.org/presentationml/2006/main" matchingName="Main point">
   <p:cSld name="MAIN_POINT">
     <p:bg>
       <p:bgPr>
         <a:solidFill>
           <a:srgbClr val="008F83"/>
         </a:solidFill>
+        <a:effectLst/>
       </p:bgPr>
     </p:bg>
     <p:spTree>
       <p:nvGrpSpPr>
-        <p:cNvPr id="49" name="Shape 49"/>
+        <p:cNvPr id="1" name="Shape 49"/>
         <p:cNvGrpSpPr/>
         <p:nvPr/>
       </p:nvGrpSpPr>
@@ -6000,7 +6160,9 @@
       <p:sp>
         <p:nvSpPr>
           <p:cNvPr id="50" name="Google Shape;50;p9"/>
-          <p:cNvSpPr txBox="1"/>
+          <p:cNvSpPr txBox="1">
+            <a:spLocks noGrp="1"/>
+          </p:cNvSpPr>
           <p:nvPr>
             <p:ph type="title"/>
           </p:nvPr>
@@ -6015,7 +6177,7 @@
           </a:prstGeom>
         </p:spPr>
         <p:txBody>
-          <a:bodyPr anchorCtr="0" anchor="ctr" bIns="91425" lIns="91425" spcFirstLastPara="1" rIns="91425" wrap="square" tIns="91425">
+          <a:bodyPr spcFirstLastPara="1" wrap="square" lIns="91425" tIns="91425" rIns="91425" bIns="91425" anchor="ctr" anchorCtr="0">
             <a:noAutofit/>
           </a:bodyPr>
           <a:lstStyle>
@@ -6182,15 +6344,19 @@
               </a:defRPr>
             </a:lvl9pPr>
           </a:lstStyle>
-          <a:p/>
+          <a:p>
+            <a:endParaRPr/>
+          </a:p>
         </p:txBody>
       </p:sp>
       <p:sp>
         <p:nvSpPr>
           <p:cNvPr id="51" name="Google Shape;51;p9"/>
-          <p:cNvSpPr txBox="1"/>
+          <p:cNvSpPr txBox="1">
+            <a:spLocks noGrp="1"/>
+          </p:cNvSpPr>
           <p:nvPr>
-            <p:ph idx="12" type="sldNum"/>
+            <p:ph type="sldNum" idx="12"/>
           </p:nvPr>
         </p:nvSpPr>
         <p:spPr>
@@ -6203,7 +6369,7 @@
           </a:prstGeom>
         </p:spPr>
         <p:txBody>
-          <a:bodyPr anchorCtr="0" anchor="ctr" bIns="91425" lIns="91425" spcFirstLastPara="1" rIns="91425" wrap="square" tIns="91425">
+          <a:bodyPr spcFirstLastPara="1" wrap="square" lIns="91425" tIns="91425" rIns="91425" bIns="91425" anchor="ctr" anchorCtr="0">
             <a:noAutofit/>
           </a:bodyPr>
           <a:lstStyle>
@@ -6245,7 +6411,7 @@
             </a:lvl9pPr>
           </a:lstStyle>
           <a:p>
-            <a:pPr indent="0" lvl="0" marL="0" rtl="0" algn="r">
+            <a:pPr marL="0" lvl="0" indent="0" algn="r" rtl="0">
               <a:spcBef>
                 <a:spcPts val="0"/>
               </a:spcBef>
@@ -6256,7 +6422,7 @@
             </a:pPr>
             <a:fld id="{00000000-1234-1234-1234-123412341234}" type="slidenum">
               <a:rPr lang="en"/>
-              <a:t>‹#›</a:t>
+              <a:t>‹nº›</a:t>
             </a:fld>
             <a:endParaRPr/>
           </a:p>
@@ -6299,18 +6465,19 @@
 </file>
 
 <file path=ppt/slideLayouts/slideLayout9.xml><?xml version="1.0" encoding="utf-8"?>
-<p:sldLayout xmlns:a="http://schemas.openxmlformats.org/drawingml/2006/main" xmlns:r="http://schemas.openxmlformats.org/officeDocument/2006/relationships" xmlns:mc="http://schemas.openxmlformats.org/markup-compatibility/2006" xmlns:mv="urn:schemas-microsoft-com:mac:vml" xmlns:p="http://schemas.openxmlformats.org/presentationml/2006/main" xmlns:c="http://schemas.openxmlformats.org/drawingml/2006/chart" xmlns:dgm="http://schemas.openxmlformats.org/drawingml/2006/diagram" xmlns:o="urn:schemas-microsoft-com:office:office" xmlns:v="urn:schemas-microsoft-com:vml" xmlns:pvml="urn:schemas-microsoft-com:office:powerpoint" xmlns:com="http://schemas.openxmlformats.org/drawingml/2006/compatibility" xmlns:p14="http://schemas.microsoft.com/office/powerpoint/2010/main" xmlns:p15="http://schemas.microsoft.com/office/powerpoint/2012/main" matchingName="Section title and description">
+<p:sldLayout xmlns:a="http://schemas.openxmlformats.org/drawingml/2006/main" xmlns:r="http://schemas.openxmlformats.org/officeDocument/2006/relationships" xmlns:p="http://schemas.openxmlformats.org/presentationml/2006/main" matchingName="Section title and description">
   <p:cSld name="SECTION_TITLE_AND_DESCRIPTION">
     <p:bg>
       <p:bgPr>
         <a:solidFill>
           <a:srgbClr val="008F83"/>
         </a:solidFill>
+        <a:effectLst/>
       </p:bgPr>
     </p:bg>
     <p:spTree>
       <p:nvGrpSpPr>
-        <p:cNvPr id="53" name="Shape 53"/>
+        <p:cNvPr id="1" name="Shape 53"/>
         <p:cNvGrpSpPr/>
         <p:nvPr/>
       </p:nvGrpSpPr>
@@ -6344,23 +6511,20 @@
           </a:ln>
         </p:spPr>
         <p:txBody>
-          <a:bodyPr anchorCtr="0" anchor="ctr" bIns="91425" lIns="91425" spcFirstLastPara="1" rIns="91425" wrap="square" tIns="91425">
+          <a:bodyPr spcFirstLastPara="1" wrap="square" lIns="91425" tIns="91425" rIns="91425" bIns="91425" anchor="ctr" anchorCtr="0">
             <a:noAutofit/>
           </a:bodyPr>
           <a:lstStyle/>
           <a:p>
-            <a:pPr indent="0" lvl="0" marL="0" rtl="0" algn="l">
-              <a:spcBef>
-                <a:spcPts val="0"/>
-              </a:spcBef>
-              <a:spcAft>
-                <a:spcPts val="0"/>
-              </a:spcAft>
-              <a:buNone/>
-            </a:pPr>
-            <a:r>
-              <a:t/>
-            </a:r>
+            <a:pPr marL="0" lvl="0" indent="0" algn="l" rtl="0">
+              <a:spcBef>
+                <a:spcPts val="0"/>
+              </a:spcBef>
+              <a:spcAft>
+                <a:spcPts val="0"/>
+              </a:spcAft>
+              <a:buNone/>
+            </a:pPr>
             <a:endParaRPr/>
           </a:p>
         </p:txBody>
@@ -6368,7 +6532,9 @@
       <p:sp>
         <p:nvSpPr>
           <p:cNvPr id="55" name="Google Shape;55;p10"/>
-          <p:cNvSpPr txBox="1"/>
+          <p:cNvSpPr txBox="1">
+            <a:spLocks noGrp="1"/>
+          </p:cNvSpPr>
           <p:nvPr>
             <p:ph type="title"/>
           </p:nvPr>
@@ -6383,7 +6549,7 @@
           </a:prstGeom>
         </p:spPr>
         <p:txBody>
-          <a:bodyPr anchorCtr="0" anchor="b" bIns="91425" lIns="91425" spcFirstLastPara="1" rIns="91425" wrap="square" tIns="91425">
+          <a:bodyPr spcFirstLastPara="1" wrap="square" lIns="91425" tIns="91425" rIns="91425" bIns="91425" anchor="b" anchorCtr="0">
             <a:noAutofit/>
           </a:bodyPr>
           <a:lstStyle>
@@ -6399,7 +6565,7 @@
               </a:buClr>
               <a:buSzPts val="4200"/>
               <a:buNone/>
-              <a:defRPr b="1" sz="4200">
+              <a:defRPr sz="4200" b="1">
                 <a:solidFill>
                   <a:srgbClr val="FFFFFF"/>
                 </a:solidFill>
@@ -6417,7 +6583,7 @@
               </a:buClr>
               <a:buSzPts val="4200"/>
               <a:buNone/>
-              <a:defRPr b="1" sz="4200">
+              <a:defRPr sz="4200" b="1">
                 <a:solidFill>
                   <a:srgbClr val="FFFFFF"/>
                 </a:solidFill>
@@ -6435,7 +6601,7 @@
               </a:buClr>
               <a:buSzPts val="4200"/>
               <a:buNone/>
-              <a:defRPr b="1" sz="4200">
+              <a:defRPr sz="4200" b="1">
                 <a:solidFill>
                   <a:srgbClr val="FFFFFF"/>
                 </a:solidFill>
@@ -6453,7 +6619,7 @@
               </a:buClr>
               <a:buSzPts val="4200"/>
               <a:buNone/>
-              <a:defRPr b="1" sz="4200">
+              <a:defRPr sz="4200" b="1">
                 <a:solidFill>
                   <a:srgbClr val="FFFFFF"/>
                 </a:solidFill>
@@ -6471,7 +6637,7 @@
               </a:buClr>
               <a:buSzPts val="4200"/>
               <a:buNone/>
-              <a:defRPr b="1" sz="4200">
+              <a:defRPr sz="4200" b="1">
                 <a:solidFill>
                   <a:srgbClr val="FFFFFF"/>
                 </a:solidFill>
@@ -6489,7 +6655,7 @@
               </a:buClr>
               <a:buSzPts val="4200"/>
               <a:buNone/>
-              <a:defRPr b="1" sz="4200">
+              <a:defRPr sz="4200" b="1">
                 <a:solidFill>
                   <a:srgbClr val="FFFFFF"/>
                 </a:solidFill>
@@ -6507,7 +6673,7 @@
               </a:buClr>
               <a:buSzPts val="4200"/>
               <a:buNone/>
-              <a:defRPr b="1" sz="4200">
+              <a:defRPr sz="4200" b="1">
                 <a:solidFill>
                   <a:srgbClr val="FFFFFF"/>
                 </a:solidFill>
@@ -6525,7 +6691,7 @@
               </a:buClr>
               <a:buSzPts val="4200"/>
               <a:buNone/>
-              <a:defRPr b="1" sz="4200">
+              <a:defRPr sz="4200" b="1">
                 <a:solidFill>
                   <a:srgbClr val="FFFFFF"/>
                 </a:solidFill>
@@ -6543,22 +6709,26 @@
               </a:buClr>
               <a:buSzPts val="4200"/>
               <a:buNone/>
-              <a:defRPr b="1" sz="4200">
+              <a:defRPr sz="4200" b="1">
                 <a:solidFill>
                   <a:srgbClr val="FFFFFF"/>
                 </a:solidFill>
               </a:defRPr>
             </a:lvl9pPr>
           </a:lstStyle>
-          <a:p/>
+          <a:p>
+            <a:endParaRPr/>
+          </a:p>
         </p:txBody>
       </p:sp>
       <p:sp>
         <p:nvSpPr>
           <p:cNvPr id="56" name="Google Shape;56;p10"/>
-          <p:cNvSpPr txBox="1"/>
+          <p:cNvSpPr txBox="1">
+            <a:spLocks noGrp="1"/>
+          </p:cNvSpPr>
           <p:nvPr>
-            <p:ph idx="1" type="subTitle"/>
+            <p:ph type="subTitle" idx="1"/>
           </p:nvPr>
         </p:nvSpPr>
         <p:spPr>
@@ -6571,7 +6741,7 @@
           </a:prstGeom>
         </p:spPr>
         <p:txBody>
-          <a:bodyPr anchorCtr="0" anchor="t" bIns="91425" lIns="91425" spcFirstLastPara="1" rIns="91425" wrap="square" tIns="91425">
+          <a:bodyPr spcFirstLastPara="1" wrap="square" lIns="91425" tIns="91425" rIns="91425" bIns="91425" anchor="t" anchorCtr="0">
             <a:noAutofit/>
           </a:bodyPr>
           <a:lstStyle>
@@ -6709,15 +6879,19 @@
               <a:defRPr sz="2100"/>
             </a:lvl9pPr>
           </a:lstStyle>
-          <a:p/>
+          <a:p>
+            <a:endParaRPr/>
+          </a:p>
         </p:txBody>
       </p:sp>
       <p:sp>
         <p:nvSpPr>
           <p:cNvPr id="57" name="Google Shape;57;p10"/>
-          <p:cNvSpPr txBox="1"/>
+          <p:cNvSpPr txBox="1">
+            <a:spLocks noGrp="1"/>
+          </p:cNvSpPr>
           <p:nvPr>
-            <p:ph idx="2" type="body"/>
+            <p:ph type="body" idx="2"/>
           </p:nvPr>
         </p:nvSpPr>
         <p:spPr>
@@ -6730,11 +6904,11 @@
           </a:prstGeom>
         </p:spPr>
         <p:txBody>
-          <a:bodyPr anchorCtr="0" anchor="ctr" bIns="91425" lIns="91425" spcFirstLastPara="1" rIns="91425" wrap="square" tIns="91425">
+          <a:bodyPr spcFirstLastPara="1" wrap="square" lIns="91425" tIns="91425" rIns="91425" bIns="91425" anchor="ctr" anchorCtr="0">
             <a:noAutofit/>
           </a:bodyPr>
           <a:lstStyle>
-            <a:lvl1pPr indent="-342900" lvl="0" marL="457200">
+            <a:lvl1pPr marL="457200" lvl="0" indent="-342900">
               <a:spcBef>
                 <a:spcPts val="0"/>
               </a:spcBef>
@@ -6752,7 +6926,7 @@
                 </a:solidFill>
               </a:defRPr>
             </a:lvl1pPr>
-            <a:lvl2pPr indent="-317500" lvl="1" marL="914400">
+            <a:lvl2pPr marL="914400" lvl="1" indent="-317500">
               <a:spcBef>
                 <a:spcPts val="0"/>
               </a:spcBef>
@@ -6770,7 +6944,7 @@
                 </a:solidFill>
               </a:defRPr>
             </a:lvl2pPr>
-            <a:lvl3pPr indent="-317500" lvl="2" marL="1371600">
+            <a:lvl3pPr marL="1371600" lvl="2" indent="-317500">
               <a:spcBef>
                 <a:spcPts val="0"/>
               </a:spcBef>
@@ -6788,7 +6962,7 @@
                 </a:solidFill>
               </a:defRPr>
             </a:lvl3pPr>
-            <a:lvl4pPr indent="-317500" lvl="3" marL="1828800">
+            <a:lvl4pPr marL="1828800" lvl="3" indent="-317500">
               <a:spcBef>
                 <a:spcPts val="0"/>
               </a:spcBef>
@@ -6806,7 +6980,7 @@
                 </a:solidFill>
               </a:defRPr>
             </a:lvl4pPr>
-            <a:lvl5pPr indent="-317500" lvl="4" marL="2286000">
+            <a:lvl5pPr marL="2286000" lvl="4" indent="-317500">
               <a:spcBef>
                 <a:spcPts val="0"/>
               </a:spcBef>
@@ -6824,7 +6998,7 @@
                 </a:solidFill>
               </a:defRPr>
             </a:lvl5pPr>
-            <a:lvl6pPr indent="-317500" lvl="5" marL="2743200">
+            <a:lvl6pPr marL="2743200" lvl="5" indent="-317500">
               <a:spcBef>
                 <a:spcPts val="0"/>
               </a:spcBef>
@@ -6842,7 +7016,7 @@
                 </a:solidFill>
               </a:defRPr>
             </a:lvl6pPr>
-            <a:lvl7pPr indent="-317500" lvl="6" marL="3200400">
+            <a:lvl7pPr marL="3200400" lvl="6" indent="-317500">
               <a:spcBef>
                 <a:spcPts val="0"/>
               </a:spcBef>
@@ -6860,7 +7034,7 @@
                 </a:solidFill>
               </a:defRPr>
             </a:lvl7pPr>
-            <a:lvl8pPr indent="-317500" lvl="7" marL="3657600">
+            <a:lvl8pPr marL="3657600" lvl="7" indent="-317500">
               <a:spcBef>
                 <a:spcPts val="0"/>
               </a:spcBef>
@@ -6878,7 +7052,7 @@
                 </a:solidFill>
               </a:defRPr>
             </a:lvl8pPr>
-            <a:lvl9pPr indent="-317500" lvl="8" marL="4114800">
+            <a:lvl9pPr marL="4114800" lvl="8" indent="-317500">
               <a:spcBef>
                 <a:spcPts val="0"/>
               </a:spcBef>
@@ -6897,15 +7071,19 @@
               </a:defRPr>
             </a:lvl9pPr>
           </a:lstStyle>
-          <a:p/>
+          <a:p>
+            <a:endParaRPr/>
+          </a:p>
         </p:txBody>
       </p:sp>
       <p:sp>
         <p:nvSpPr>
           <p:cNvPr id="58" name="Google Shape;58;p10"/>
-          <p:cNvSpPr txBox="1"/>
+          <p:cNvSpPr txBox="1">
+            <a:spLocks noGrp="1"/>
+          </p:cNvSpPr>
           <p:nvPr>
-            <p:ph idx="12" type="sldNum"/>
+            <p:ph type="sldNum" idx="12"/>
           </p:nvPr>
         </p:nvSpPr>
         <p:spPr>
@@ -6918,7 +7096,7 @@
           </a:prstGeom>
         </p:spPr>
         <p:txBody>
-          <a:bodyPr anchorCtr="0" anchor="ctr" bIns="91425" lIns="91425" spcFirstLastPara="1" rIns="91425" wrap="square" tIns="91425">
+          <a:bodyPr spcFirstLastPara="1" wrap="square" lIns="91425" tIns="91425" rIns="91425" bIns="91425" anchor="ctr" anchorCtr="0">
             <a:noAutofit/>
           </a:bodyPr>
           <a:lstStyle>
@@ -6960,7 +7138,7 @@
             </a:lvl9pPr>
           </a:lstStyle>
           <a:p>
-            <a:pPr indent="0" lvl="0" marL="0" rtl="0" algn="r">
+            <a:pPr marL="0" lvl="0" indent="0" algn="r" rtl="0">
               <a:spcBef>
                 <a:spcPts val="0"/>
               </a:spcBef>
@@ -6971,7 +7149,7 @@
             </a:pPr>
             <a:fld id="{00000000-1234-1234-1234-123412341234}" type="slidenum">
               <a:rPr lang="en"/>
-              <a:t>‹#›</a:t>
+              <a:t>‹nº›</a:t>
             </a:fld>
             <a:endParaRPr/>
           </a:p>
@@ -7014,18 +7192,19 @@
 </file>
 
 <file path=ppt/slideMasters/slideMaster1.xml><?xml version="1.0" encoding="utf-8"?>
-<p:sldMaster xmlns:a="http://schemas.openxmlformats.org/drawingml/2006/main" xmlns:r="http://schemas.openxmlformats.org/officeDocument/2006/relationships" xmlns:mc="http://schemas.openxmlformats.org/markup-compatibility/2006" xmlns:mv="urn:schemas-microsoft-com:mac:vml" xmlns:p="http://schemas.openxmlformats.org/presentationml/2006/main" xmlns:c="http://schemas.openxmlformats.org/drawingml/2006/chart" xmlns:dgm="http://schemas.openxmlformats.org/drawingml/2006/diagram" xmlns:o="urn:schemas-microsoft-com:office:office" xmlns:v="urn:schemas-microsoft-com:vml" xmlns:pvml="urn:schemas-microsoft-com:office:powerpoint" xmlns:com="http://schemas.openxmlformats.org/drawingml/2006/compatibility" xmlns:p14="http://schemas.microsoft.com/office/powerpoint/2010/main" xmlns:p15="http://schemas.microsoft.com/office/powerpoint/2012/main">
+<p:sldMaster xmlns:a="http://schemas.openxmlformats.org/drawingml/2006/main" xmlns:r="http://schemas.openxmlformats.org/officeDocument/2006/relationships" xmlns:p="http://schemas.openxmlformats.org/presentationml/2006/main">
   <p:cSld name="simple-light-2">
     <p:bg>
       <p:bgPr>
         <a:solidFill>
           <a:schemeClr val="lt1"/>
         </a:solidFill>
+        <a:effectLst/>
       </p:bgPr>
     </p:bg>
     <p:spTree>
       <p:nvGrpSpPr>
-        <p:cNvPr id="5" name="Shape 5"/>
+        <p:cNvPr id="1" name="Shape 5"/>
         <p:cNvGrpSpPr/>
         <p:nvPr/>
       </p:nvGrpSpPr>
@@ -7040,7 +7219,9 @@
       <p:sp>
         <p:nvSpPr>
           <p:cNvPr id="6" name="Google Shape;6;p1"/>
-          <p:cNvSpPr txBox="1"/>
+          <p:cNvSpPr txBox="1">
+            <a:spLocks noGrp="1"/>
+          </p:cNvSpPr>
           <p:nvPr>
             <p:ph type="title"/>
           </p:nvPr>
@@ -7059,7 +7240,7 @@
           </a:ln>
         </p:spPr>
         <p:txBody>
-          <a:bodyPr anchorCtr="0" anchor="t" bIns="91425" lIns="91425" spcFirstLastPara="1" rIns="91425" wrap="square" tIns="91425">
+          <a:bodyPr spcFirstLastPara="1" wrap="square" lIns="91425" tIns="91425" rIns="91425" bIns="91425" anchor="t" anchorCtr="0">
             <a:noAutofit/>
           </a:bodyPr>
           <a:lstStyle>
@@ -7226,15 +7407,19 @@
               </a:defRPr>
             </a:lvl9pPr>
           </a:lstStyle>
-          <a:p/>
+          <a:p>
+            <a:endParaRPr/>
+          </a:p>
         </p:txBody>
       </p:sp>
       <p:sp>
         <p:nvSpPr>
           <p:cNvPr id="7" name="Google Shape;7;p1"/>
-          <p:cNvSpPr txBox="1"/>
+          <p:cNvSpPr txBox="1">
+            <a:spLocks noGrp="1"/>
+          </p:cNvSpPr>
           <p:nvPr>
-            <p:ph idx="1" type="body"/>
+            <p:ph type="body" idx="1"/>
           </p:nvPr>
         </p:nvSpPr>
         <p:spPr>
@@ -7251,11 +7436,11 @@
           </a:ln>
         </p:spPr>
         <p:txBody>
-          <a:bodyPr anchorCtr="0" anchor="t" bIns="91425" lIns="91425" spcFirstLastPara="1" rIns="91425" wrap="square" tIns="91425">
+          <a:bodyPr spcFirstLastPara="1" wrap="square" lIns="91425" tIns="91425" rIns="91425" bIns="91425" anchor="t" anchorCtr="0">
             <a:noAutofit/>
           </a:bodyPr>
           <a:lstStyle>
-            <a:lvl1pPr indent="-342900" lvl="0" marL="457200">
+            <a:lvl1pPr marL="457200" lvl="0" indent="-342900">
               <a:lnSpc>
                 <a:spcPct val="100000"/>
               </a:lnSpc>
@@ -7276,7 +7461,7 @@
                 </a:solidFill>
               </a:defRPr>
             </a:lvl1pPr>
-            <a:lvl2pPr indent="-317500" lvl="1" marL="914400">
+            <a:lvl2pPr marL="914400" lvl="1" indent="-317500">
               <a:lnSpc>
                 <a:spcPct val="100000"/>
               </a:lnSpc>
@@ -7297,7 +7482,7 @@
                 </a:solidFill>
               </a:defRPr>
             </a:lvl2pPr>
-            <a:lvl3pPr indent="-317500" lvl="2" marL="1371600">
+            <a:lvl3pPr marL="1371600" lvl="2" indent="-317500">
               <a:lnSpc>
                 <a:spcPct val="100000"/>
               </a:lnSpc>
@@ -7318,7 +7503,7 @@
                 </a:solidFill>
               </a:defRPr>
             </a:lvl3pPr>
-            <a:lvl4pPr indent="-317500" lvl="3" marL="1828800">
+            <a:lvl4pPr marL="1828800" lvl="3" indent="-317500">
               <a:lnSpc>
                 <a:spcPct val="100000"/>
               </a:lnSpc>
@@ -7339,7 +7524,7 @@
                 </a:solidFill>
               </a:defRPr>
             </a:lvl4pPr>
-            <a:lvl5pPr indent="-317500" lvl="4" marL="2286000">
+            <a:lvl5pPr marL="2286000" lvl="4" indent="-317500">
               <a:lnSpc>
                 <a:spcPct val="100000"/>
               </a:lnSpc>
@@ -7360,7 +7545,7 @@
                 </a:solidFill>
               </a:defRPr>
             </a:lvl5pPr>
-            <a:lvl6pPr indent="-317500" lvl="5" marL="2743200">
+            <a:lvl6pPr marL="2743200" lvl="5" indent="-317500">
               <a:lnSpc>
                 <a:spcPct val="100000"/>
               </a:lnSpc>
@@ -7381,7 +7566,7 @@
                 </a:solidFill>
               </a:defRPr>
             </a:lvl6pPr>
-            <a:lvl7pPr indent="-317500" lvl="6" marL="3200400">
+            <a:lvl7pPr marL="3200400" lvl="6" indent="-317500">
               <a:lnSpc>
                 <a:spcPct val="100000"/>
               </a:lnSpc>
@@ -7402,7 +7587,7 @@
                 </a:solidFill>
               </a:defRPr>
             </a:lvl7pPr>
-            <a:lvl8pPr indent="-317500" lvl="7" marL="3657600">
+            <a:lvl8pPr marL="3657600" lvl="7" indent="-317500">
               <a:lnSpc>
                 <a:spcPct val="100000"/>
               </a:lnSpc>
@@ -7423,7 +7608,7 @@
                 </a:solidFill>
               </a:defRPr>
             </a:lvl8pPr>
-            <a:lvl9pPr indent="-317500" lvl="8" marL="4114800">
+            <a:lvl9pPr marL="4114800" lvl="8" indent="-317500">
               <a:lnSpc>
                 <a:spcPct val="100000"/>
               </a:lnSpc>
@@ -7445,15 +7630,19 @@
               </a:defRPr>
             </a:lvl9pPr>
           </a:lstStyle>
-          <a:p/>
+          <a:p>
+            <a:endParaRPr/>
+          </a:p>
         </p:txBody>
       </p:sp>
       <p:sp>
         <p:nvSpPr>
           <p:cNvPr id="8" name="Google Shape;8;p1"/>
-          <p:cNvSpPr txBox="1"/>
+          <p:cNvSpPr txBox="1">
+            <a:spLocks noGrp="1"/>
+          </p:cNvSpPr>
           <p:nvPr>
-            <p:ph idx="12" type="sldNum"/>
+            <p:ph type="sldNum" idx="12"/>
           </p:nvPr>
         </p:nvSpPr>
         <p:spPr>
@@ -7470,7 +7659,7 @@
           </a:ln>
         </p:spPr>
         <p:txBody>
-          <a:bodyPr anchorCtr="0" anchor="ctr" bIns="91425" lIns="91425" spcFirstLastPara="1" rIns="91425" wrap="square" tIns="91425">
+          <a:bodyPr spcFirstLastPara="1" wrap="square" lIns="91425" tIns="91425" rIns="91425" bIns="91425" anchor="ctr" anchorCtr="0">
             <a:noAutofit/>
           </a:bodyPr>
           <a:lstStyle>
@@ -7548,7 +7737,7 @@
             </a:lvl9pPr>
           </a:lstStyle>
           <a:p>
-            <a:pPr indent="0" lvl="0" marL="0" rtl="0" algn="r">
+            <a:pPr marL="0" lvl="0" indent="0" algn="r" rtl="0">
               <a:spcBef>
                 <a:spcPts val="0"/>
               </a:spcBef>
@@ -7559,7 +7748,7 @@
             </a:pPr>
             <a:fld id="{00000000-1234-1234-1234-123412341234}" type="slidenum">
               <a:rPr lang="en"/>
-              <a:t>‹#›</a:t>
+              <a:t>‹nº›</a:t>
             </a:fld>
             <a:endParaRPr/>
           </a:p>
@@ -7567,7 +7756,7 @@
       </p:sp>
     </p:spTree>
   </p:cSld>
-  <p:clrMap accent1="accent1" accent2="accent2" accent3="accent3" accent4="accent4" accent5="accent5" accent6="accent6" bg1="lt1" bg2="dk2" tx1="dk1" tx2="lt2" folHlink="folHlink" hlink="hlink"/>
+  <p:clrMap bg1="lt1" tx1="dk1" bg2="dk2" tx2="lt2" accent1="accent1" accent2="accent2" accent3="accent3" accent4="accent4" accent5="accent5" accent6="accent6" hlink="hlink" folHlink="folHlink"/>
   <p:sldLayoutIdLst>
     <p:sldLayoutId id="2147483648" r:id="rId1"/>
     <p:sldLayoutId id="2147483649" r:id="rId2"/>
@@ -7582,22 +7771,22 @@
     <p:sldLayoutId id="2147483658" r:id="rId11"/>
     <p:sldLayoutId id="2147483659" r:id="rId12"/>
   </p:sldLayoutIdLst>
-  <mc:AlternateContent>
+  <mc:AlternateContent xmlns:mc="http://schemas.openxmlformats.org/markup-compatibility/2006" xmlns:p14="http://schemas.microsoft.com/office/powerpoint/2010/main">
     <mc:Choice Requires="p14">
-      <p:transition spd="slow" p14:dur="700">
+      <p:transition spd="med" p14:dur="700">
         <p:fade/>
       </p:transition>
     </mc:Choice>
-    <mc:Fallback>
+    <mc:Fallback xmlns:p15="http://schemas.microsoft.com/office/powerpoint/2012/main" xmlns:com="http://schemas.openxmlformats.org/drawingml/2006/compatibility" xmlns:pvml="urn:schemas-microsoft-com:office:powerpoint" xmlns:v="urn:schemas-microsoft-com:vml" xmlns:o="urn:schemas-microsoft-com:office:office" xmlns:dgm="http://schemas.openxmlformats.org/drawingml/2006/diagram" xmlns:c="http://schemas.openxmlformats.org/drawingml/2006/chart" xmlns:mv="urn:schemas-microsoft-com:mac:vml" xmlns="">
       <p:transition spd="slow">
         <p:fade/>
       </p:transition>
     </mc:Fallback>
   </mc:AlternateContent>
-  <p:hf dt="0" ftr="0" hdr="0"/>
+  <p:hf hdr="0" ftr="0" dt="0"/>
   <p:txStyles>
     <p:titleStyle>
-      <a:defPPr lvl="0" marR="0" rtl="0" algn="l">
+      <a:defPPr marR="0" lvl="0" algn="l" rtl="0">
         <a:lnSpc>
           <a:spcPct val="100000"/>
         </a:lnSpc>
@@ -7608,7 +7797,7 @@
           <a:spcPts val="0"/>
         </a:spcAft>
       </a:defPPr>
-      <a:lvl1pPr lvl="0" marR="0" rtl="0" algn="l">
+      <a:lvl1pPr marR="0" lvl="0" algn="l" rtl="0">
         <a:lnSpc>
           <a:spcPct val="100000"/>
         </a:lnSpc>
@@ -7622,7 +7811,7 @@
           <a:srgbClr val="000000"/>
         </a:buClr>
         <a:buFont typeface="Arial"/>
-        <a:defRPr b="0" i="0" sz="1400" u="none" cap="none" strike="noStrike">
+        <a:defRPr sz="1400" b="0" i="0" u="none" strike="noStrike" cap="none">
           <a:solidFill>
             <a:srgbClr val="000000"/>
           </a:solidFill>
@@ -7632,7 +7821,7 @@
           <a:sym typeface="Arial"/>
         </a:defRPr>
       </a:lvl1pPr>
-      <a:lvl2pPr lvl="1" marR="0" rtl="0" algn="l">
+      <a:lvl2pPr marR="0" lvl="1" algn="l" rtl="0">
         <a:lnSpc>
           <a:spcPct val="100000"/>
         </a:lnSpc>
@@ -7646,7 +7835,7 @@
           <a:srgbClr val="000000"/>
         </a:buClr>
         <a:buFont typeface="Arial"/>
-        <a:defRPr b="0" i="0" sz="1400" u="none" cap="none" strike="noStrike">
+        <a:defRPr sz="1400" b="0" i="0" u="none" strike="noStrike" cap="none">
           <a:solidFill>
             <a:srgbClr val="000000"/>
           </a:solidFill>
@@ -7656,7 +7845,7 @@
           <a:sym typeface="Arial"/>
         </a:defRPr>
       </a:lvl2pPr>
-      <a:lvl3pPr lvl="2" marR="0" rtl="0" algn="l">
+      <a:lvl3pPr marR="0" lvl="2" algn="l" rtl="0">
         <a:lnSpc>
           <a:spcPct val="100000"/>
         </a:lnSpc>
@@ -7670,7 +7859,7 @@
           <a:srgbClr val="000000"/>
         </a:buClr>
         <a:buFont typeface="Arial"/>
-        <a:defRPr b="0" i="0" sz="1400" u="none" cap="none" strike="noStrike">
+        <a:defRPr sz="1400" b="0" i="0" u="none" strike="noStrike" cap="none">
           <a:solidFill>
             <a:srgbClr val="000000"/>
           </a:solidFill>
@@ -7680,7 +7869,7 @@
           <a:sym typeface="Arial"/>
         </a:defRPr>
       </a:lvl3pPr>
-      <a:lvl4pPr lvl="3" marR="0" rtl="0" algn="l">
+      <a:lvl4pPr marR="0" lvl="3" algn="l" rtl="0">
         <a:lnSpc>
           <a:spcPct val="100000"/>
         </a:lnSpc>
@@ -7694,7 +7883,7 @@
           <a:srgbClr val="000000"/>
         </a:buClr>
         <a:buFont typeface="Arial"/>
-        <a:defRPr b="0" i="0" sz="1400" u="none" cap="none" strike="noStrike">
+        <a:defRPr sz="1400" b="0" i="0" u="none" strike="noStrike" cap="none">
           <a:solidFill>
             <a:srgbClr val="000000"/>
           </a:solidFill>
@@ -7704,7 +7893,7 @@
           <a:sym typeface="Arial"/>
         </a:defRPr>
       </a:lvl4pPr>
-      <a:lvl5pPr lvl="4" marR="0" rtl="0" algn="l">
+      <a:lvl5pPr marR="0" lvl="4" algn="l" rtl="0">
         <a:lnSpc>
           <a:spcPct val="100000"/>
         </a:lnSpc>
@@ -7718,7 +7907,7 @@
           <a:srgbClr val="000000"/>
         </a:buClr>
         <a:buFont typeface="Arial"/>
-        <a:defRPr b="0" i="0" sz="1400" u="none" cap="none" strike="noStrike">
+        <a:defRPr sz="1400" b="0" i="0" u="none" strike="noStrike" cap="none">
           <a:solidFill>
             <a:srgbClr val="000000"/>
           </a:solidFill>
@@ -7728,7 +7917,7 @@
           <a:sym typeface="Arial"/>
         </a:defRPr>
       </a:lvl5pPr>
-      <a:lvl6pPr lvl="5" marR="0" rtl="0" algn="l">
+      <a:lvl6pPr marR="0" lvl="5" algn="l" rtl="0">
         <a:lnSpc>
           <a:spcPct val="100000"/>
         </a:lnSpc>
@@ -7742,7 +7931,7 @@
           <a:srgbClr val="000000"/>
         </a:buClr>
         <a:buFont typeface="Arial"/>
-        <a:defRPr b="0" i="0" sz="1400" u="none" cap="none" strike="noStrike">
+        <a:defRPr sz="1400" b="0" i="0" u="none" strike="noStrike" cap="none">
           <a:solidFill>
             <a:srgbClr val="000000"/>
           </a:solidFill>
@@ -7752,7 +7941,7 @@
           <a:sym typeface="Arial"/>
         </a:defRPr>
       </a:lvl6pPr>
-      <a:lvl7pPr lvl="6" marR="0" rtl="0" algn="l">
+      <a:lvl7pPr marR="0" lvl="6" algn="l" rtl="0">
         <a:lnSpc>
           <a:spcPct val="100000"/>
         </a:lnSpc>
@@ -7766,7 +7955,7 @@
           <a:srgbClr val="000000"/>
         </a:buClr>
         <a:buFont typeface="Arial"/>
-        <a:defRPr b="0" i="0" sz="1400" u="none" cap="none" strike="noStrike">
+        <a:defRPr sz="1400" b="0" i="0" u="none" strike="noStrike" cap="none">
           <a:solidFill>
             <a:srgbClr val="000000"/>
           </a:solidFill>
@@ -7776,7 +7965,7 @@
           <a:sym typeface="Arial"/>
         </a:defRPr>
       </a:lvl7pPr>
-      <a:lvl8pPr lvl="7" marR="0" rtl="0" algn="l">
+      <a:lvl8pPr marR="0" lvl="7" algn="l" rtl="0">
         <a:lnSpc>
           <a:spcPct val="100000"/>
         </a:lnSpc>
@@ -7790,7 +7979,7 @@
           <a:srgbClr val="000000"/>
         </a:buClr>
         <a:buFont typeface="Arial"/>
-        <a:defRPr b="0" i="0" sz="1400" u="none" cap="none" strike="noStrike">
+        <a:defRPr sz="1400" b="0" i="0" u="none" strike="noStrike" cap="none">
           <a:solidFill>
             <a:srgbClr val="000000"/>
           </a:solidFill>
@@ -7800,7 +7989,7 @@
           <a:sym typeface="Arial"/>
         </a:defRPr>
       </a:lvl8pPr>
-      <a:lvl9pPr lvl="8" marR="0" rtl="0" algn="l">
+      <a:lvl9pPr marR="0" lvl="8" algn="l" rtl="0">
         <a:lnSpc>
           <a:spcPct val="100000"/>
         </a:lnSpc>
@@ -7814,7 +8003,7 @@
           <a:srgbClr val="000000"/>
         </a:buClr>
         <a:buFont typeface="Arial"/>
-        <a:defRPr b="0" i="0" sz="1400" u="none" cap="none" strike="noStrike">
+        <a:defRPr sz="1400" b="0" i="0" u="none" strike="noStrike" cap="none">
           <a:solidFill>
             <a:srgbClr val="000000"/>
           </a:solidFill>
@@ -7826,7 +8015,7 @@
       </a:lvl9pPr>
     </p:titleStyle>
     <p:bodyStyle>
-      <a:defPPr lvl="0" marR="0" rtl="0" algn="l">
+      <a:defPPr marR="0" lvl="0" algn="l" rtl="0">
         <a:lnSpc>
           <a:spcPct val="100000"/>
         </a:lnSpc>
@@ -7837,7 +8026,7 @@
           <a:spcPts val="0"/>
         </a:spcAft>
       </a:defPPr>
-      <a:lvl1pPr lvl="0" marR="0" rtl="0" algn="l">
+      <a:lvl1pPr marR="0" lvl="0" algn="l" rtl="0">
         <a:lnSpc>
           <a:spcPct val="100000"/>
         </a:lnSpc>
@@ -7851,7 +8040,7 @@
           <a:srgbClr val="000000"/>
         </a:buClr>
         <a:buFont typeface="Arial"/>
-        <a:defRPr b="0" i="0" sz="1400" u="none" cap="none" strike="noStrike">
+        <a:defRPr sz="1400" b="0" i="0" u="none" strike="noStrike" cap="none">
           <a:solidFill>
             <a:srgbClr val="000000"/>
           </a:solidFill>
@@ -7861,7 +8050,7 @@
           <a:sym typeface="Arial"/>
         </a:defRPr>
       </a:lvl1pPr>
-      <a:lvl2pPr lvl="1" marR="0" rtl="0" algn="l">
+      <a:lvl2pPr marR="0" lvl="1" algn="l" rtl="0">
         <a:lnSpc>
           <a:spcPct val="100000"/>
         </a:lnSpc>
@@ -7875,7 +8064,7 @@
           <a:srgbClr val="000000"/>
         </a:buClr>
         <a:buFont typeface="Arial"/>
-        <a:defRPr b="0" i="0" sz="1400" u="none" cap="none" strike="noStrike">
+        <a:defRPr sz="1400" b="0" i="0" u="none" strike="noStrike" cap="none">
           <a:solidFill>
             <a:srgbClr val="000000"/>
           </a:solidFill>
@@ -7885,7 +8074,7 @@
           <a:sym typeface="Arial"/>
         </a:defRPr>
       </a:lvl2pPr>
-      <a:lvl3pPr lvl="2" marR="0" rtl="0" algn="l">
+      <a:lvl3pPr marR="0" lvl="2" algn="l" rtl="0">
         <a:lnSpc>
           <a:spcPct val="100000"/>
         </a:lnSpc>
@@ -7899,7 +8088,7 @@
           <a:srgbClr val="000000"/>
         </a:buClr>
         <a:buFont typeface="Arial"/>
-        <a:defRPr b="0" i="0" sz="1400" u="none" cap="none" strike="noStrike">
+        <a:defRPr sz="1400" b="0" i="0" u="none" strike="noStrike" cap="none">
           <a:solidFill>
             <a:srgbClr val="000000"/>
           </a:solidFill>
@@ -7909,7 +8098,7 @@
           <a:sym typeface="Arial"/>
         </a:defRPr>
       </a:lvl3pPr>
-      <a:lvl4pPr lvl="3" marR="0" rtl="0" algn="l">
+      <a:lvl4pPr marR="0" lvl="3" algn="l" rtl="0">
         <a:lnSpc>
           <a:spcPct val="100000"/>
         </a:lnSpc>
@@ -7923,7 +8112,7 @@
           <a:srgbClr val="000000"/>
         </a:buClr>
         <a:buFont typeface="Arial"/>
-        <a:defRPr b="0" i="0" sz="1400" u="none" cap="none" strike="noStrike">
+        <a:defRPr sz="1400" b="0" i="0" u="none" strike="noStrike" cap="none">
           <a:solidFill>
             <a:srgbClr val="000000"/>
           </a:solidFill>
@@ -7933,7 +8122,7 @@
           <a:sym typeface="Arial"/>
         </a:defRPr>
       </a:lvl4pPr>
-      <a:lvl5pPr lvl="4" marR="0" rtl="0" algn="l">
+      <a:lvl5pPr marR="0" lvl="4" algn="l" rtl="0">
         <a:lnSpc>
           <a:spcPct val="100000"/>
         </a:lnSpc>
@@ -7947,7 +8136,7 @@
           <a:srgbClr val="000000"/>
         </a:buClr>
         <a:buFont typeface="Arial"/>
-        <a:defRPr b="0" i="0" sz="1400" u="none" cap="none" strike="noStrike">
+        <a:defRPr sz="1400" b="0" i="0" u="none" strike="noStrike" cap="none">
           <a:solidFill>
             <a:srgbClr val="000000"/>
           </a:solidFill>
@@ -7957,7 +8146,7 @@
           <a:sym typeface="Arial"/>
         </a:defRPr>
       </a:lvl5pPr>
-      <a:lvl6pPr lvl="5" marR="0" rtl="0" algn="l">
+      <a:lvl6pPr marR="0" lvl="5" algn="l" rtl="0">
         <a:lnSpc>
           <a:spcPct val="100000"/>
         </a:lnSpc>
@@ -7971,7 +8160,7 @@
           <a:srgbClr val="000000"/>
         </a:buClr>
         <a:buFont typeface="Arial"/>
-        <a:defRPr b="0" i="0" sz="1400" u="none" cap="none" strike="noStrike">
+        <a:defRPr sz="1400" b="0" i="0" u="none" strike="noStrike" cap="none">
           <a:solidFill>
             <a:srgbClr val="000000"/>
           </a:solidFill>
@@ -7981,7 +8170,7 @@
           <a:sym typeface="Arial"/>
         </a:defRPr>
       </a:lvl6pPr>
-      <a:lvl7pPr lvl="6" marR="0" rtl="0" algn="l">
+      <a:lvl7pPr marR="0" lvl="6" algn="l" rtl="0">
         <a:lnSpc>
           <a:spcPct val="100000"/>
         </a:lnSpc>
@@ -7995,7 +8184,7 @@
           <a:srgbClr val="000000"/>
         </a:buClr>
         <a:buFont typeface="Arial"/>
-        <a:defRPr b="0" i="0" sz="1400" u="none" cap="none" strike="noStrike">
+        <a:defRPr sz="1400" b="0" i="0" u="none" strike="noStrike" cap="none">
           <a:solidFill>
             <a:srgbClr val="000000"/>
           </a:solidFill>
@@ -8005,7 +8194,7 @@
           <a:sym typeface="Arial"/>
         </a:defRPr>
       </a:lvl7pPr>
-      <a:lvl8pPr lvl="7" marR="0" rtl="0" algn="l">
+      <a:lvl8pPr marR="0" lvl="7" algn="l" rtl="0">
         <a:lnSpc>
           <a:spcPct val="100000"/>
         </a:lnSpc>
@@ -8019,7 +8208,7 @@
           <a:srgbClr val="000000"/>
         </a:buClr>
         <a:buFont typeface="Arial"/>
-        <a:defRPr b="0" i="0" sz="1400" u="none" cap="none" strike="noStrike">
+        <a:defRPr sz="1400" b="0" i="0" u="none" strike="noStrike" cap="none">
           <a:solidFill>
             <a:srgbClr val="000000"/>
           </a:solidFill>
@@ -8029,7 +8218,7 @@
           <a:sym typeface="Arial"/>
         </a:defRPr>
       </a:lvl8pPr>
-      <a:lvl9pPr lvl="8" marR="0" rtl="0" algn="l">
+      <a:lvl9pPr marR="0" lvl="8" algn="l" rtl="0">
         <a:lnSpc>
           <a:spcPct val="100000"/>
         </a:lnSpc>
@@ -8043,7 +8232,7 @@
           <a:srgbClr val="000000"/>
         </a:buClr>
         <a:buFont typeface="Arial"/>
-        <a:defRPr b="0" i="0" sz="1400" u="none" cap="none" strike="noStrike">
+        <a:defRPr sz="1400" b="0" i="0" u="none" strike="noStrike" cap="none">
           <a:solidFill>
             <a:srgbClr val="000000"/>
           </a:solidFill>
@@ -8055,7 +8244,7 @@
       </a:lvl9pPr>
     </p:bodyStyle>
     <p:otherStyle>
-      <a:defPPr lvl="0" marR="0" rtl="0" algn="l">
+      <a:defPPr marR="0" lvl="0" algn="l" rtl="0">
         <a:lnSpc>
           <a:spcPct val="100000"/>
         </a:lnSpc>
@@ -8066,7 +8255,7 @@
           <a:spcPts val="0"/>
         </a:spcAft>
       </a:defPPr>
-      <a:lvl1pPr lvl="0" marR="0" rtl="0" algn="l">
+      <a:lvl1pPr marR="0" lvl="0" algn="l" rtl="0">
         <a:lnSpc>
           <a:spcPct val="100000"/>
         </a:lnSpc>
@@ -8080,7 +8269,7 @@
           <a:srgbClr val="000000"/>
         </a:buClr>
         <a:buFont typeface="Arial"/>
-        <a:defRPr b="0" i="0" sz="1400" u="none" cap="none" strike="noStrike">
+        <a:defRPr sz="1400" b="0" i="0" u="none" strike="noStrike" cap="none">
           <a:solidFill>
             <a:srgbClr val="000000"/>
           </a:solidFill>
@@ -8090,7 +8279,7 @@
           <a:sym typeface="Arial"/>
         </a:defRPr>
       </a:lvl1pPr>
-      <a:lvl2pPr lvl="1" marR="0" rtl="0" algn="l">
+      <a:lvl2pPr marR="0" lvl="1" algn="l" rtl="0">
         <a:lnSpc>
           <a:spcPct val="100000"/>
         </a:lnSpc>
@@ -8104,7 +8293,7 @@
           <a:srgbClr val="000000"/>
         </a:buClr>
         <a:buFont typeface="Arial"/>
-        <a:defRPr b="0" i="0" sz="1400" u="none" cap="none" strike="noStrike">
+        <a:defRPr sz="1400" b="0" i="0" u="none" strike="noStrike" cap="none">
           <a:solidFill>
             <a:srgbClr val="000000"/>
           </a:solidFill>
@@ -8114,7 +8303,7 @@
           <a:sym typeface="Arial"/>
         </a:defRPr>
       </a:lvl2pPr>
-      <a:lvl3pPr lvl="2" marR="0" rtl="0" algn="l">
+      <a:lvl3pPr marR="0" lvl="2" algn="l" rtl="0">
         <a:lnSpc>
           <a:spcPct val="100000"/>
         </a:lnSpc>
@@ -8128,7 +8317,7 @@
           <a:srgbClr val="000000"/>
         </a:buClr>
         <a:buFont typeface="Arial"/>
-        <a:defRPr b="0" i="0" sz="1400" u="none" cap="none" strike="noStrike">
+        <a:defRPr sz="1400" b="0" i="0" u="none" strike="noStrike" cap="none">
           <a:solidFill>
             <a:srgbClr val="000000"/>
           </a:solidFill>
@@ -8138,7 +8327,7 @@
           <a:sym typeface="Arial"/>
         </a:defRPr>
       </a:lvl3pPr>
-      <a:lvl4pPr lvl="3" marR="0" rtl="0" algn="l">
+      <a:lvl4pPr marR="0" lvl="3" algn="l" rtl="0">
         <a:lnSpc>
           <a:spcPct val="100000"/>
         </a:lnSpc>
@@ -8152,7 +8341,7 @@
           <a:srgbClr val="000000"/>
         </a:buClr>
         <a:buFont typeface="Arial"/>
-        <a:defRPr b="0" i="0" sz="1400" u="none" cap="none" strike="noStrike">
+        <a:defRPr sz="1400" b="0" i="0" u="none" strike="noStrike" cap="none">
           <a:solidFill>
             <a:srgbClr val="000000"/>
           </a:solidFill>
@@ -8162,7 +8351,7 @@
           <a:sym typeface="Arial"/>
         </a:defRPr>
       </a:lvl4pPr>
-      <a:lvl5pPr lvl="4" marR="0" rtl="0" algn="l">
+      <a:lvl5pPr marR="0" lvl="4" algn="l" rtl="0">
         <a:lnSpc>
           <a:spcPct val="100000"/>
         </a:lnSpc>
@@ -8176,7 +8365,7 @@
           <a:srgbClr val="000000"/>
         </a:buClr>
         <a:buFont typeface="Arial"/>
-        <a:defRPr b="0" i="0" sz="1400" u="none" cap="none" strike="noStrike">
+        <a:defRPr sz="1400" b="0" i="0" u="none" strike="noStrike" cap="none">
           <a:solidFill>
             <a:srgbClr val="000000"/>
           </a:solidFill>
@@ -8186,7 +8375,7 @@
           <a:sym typeface="Arial"/>
         </a:defRPr>
       </a:lvl5pPr>
-      <a:lvl6pPr lvl="5" marR="0" rtl="0" algn="l">
+      <a:lvl6pPr marR="0" lvl="5" algn="l" rtl="0">
         <a:lnSpc>
           <a:spcPct val="100000"/>
         </a:lnSpc>
@@ -8200,7 +8389,7 @@
           <a:srgbClr val="000000"/>
         </a:buClr>
         <a:buFont typeface="Arial"/>
-        <a:defRPr b="0" i="0" sz="1400" u="none" cap="none" strike="noStrike">
+        <a:defRPr sz="1400" b="0" i="0" u="none" strike="noStrike" cap="none">
           <a:solidFill>
             <a:srgbClr val="000000"/>
           </a:solidFill>
@@ -8210,7 +8399,7 @@
           <a:sym typeface="Arial"/>
         </a:defRPr>
       </a:lvl6pPr>
-      <a:lvl7pPr lvl="6" marR="0" rtl="0" algn="l">
+      <a:lvl7pPr marR="0" lvl="6" algn="l" rtl="0">
         <a:lnSpc>
           <a:spcPct val="100000"/>
         </a:lnSpc>
@@ -8224,7 +8413,7 @@
           <a:srgbClr val="000000"/>
         </a:buClr>
         <a:buFont typeface="Arial"/>
-        <a:defRPr b="0" i="0" sz="1400" u="none" cap="none" strike="noStrike">
+        <a:defRPr sz="1400" b="0" i="0" u="none" strike="noStrike" cap="none">
           <a:solidFill>
             <a:srgbClr val="000000"/>
           </a:solidFill>
@@ -8234,7 +8423,7 @@
           <a:sym typeface="Arial"/>
         </a:defRPr>
       </a:lvl7pPr>
-      <a:lvl8pPr lvl="7" marR="0" rtl="0" algn="l">
+      <a:lvl8pPr marR="0" lvl="7" algn="l" rtl="0">
         <a:lnSpc>
           <a:spcPct val="100000"/>
         </a:lnSpc>
@@ -8248,7 +8437,7 @@
           <a:srgbClr val="000000"/>
         </a:buClr>
         <a:buFont typeface="Arial"/>
-        <a:defRPr b="0" i="0" sz="1400" u="none" cap="none" strike="noStrike">
+        <a:defRPr sz="1400" b="0" i="0" u="none" strike="noStrike" cap="none">
           <a:solidFill>
             <a:srgbClr val="000000"/>
           </a:solidFill>
@@ -8258,7 +8447,7 @@
           <a:sym typeface="Arial"/>
         </a:defRPr>
       </a:lvl8pPr>
-      <a:lvl9pPr lvl="8" marR="0" rtl="0" algn="l">
+      <a:lvl9pPr marR="0" lvl="8" algn="l" rtl="0">
         <a:lnSpc>
           <a:spcPct val="100000"/>
         </a:lnSpc>
@@ -8272,7 +8461,7 @@
           <a:srgbClr val="000000"/>
         </a:buClr>
         <a:buFont typeface="Arial"/>
-        <a:defRPr b="0" i="0" sz="1400" u="none" cap="none" strike="noStrike">
+        <a:defRPr sz="1400" b="0" i="0" u="none" strike="noStrike" cap="none">
           <a:solidFill>
             <a:srgbClr val="000000"/>
           </a:solidFill>
@@ -8288,11 +8477,11 @@
 </file>
 
 <file path=ppt/slides/slide1.xml><?xml version="1.0" encoding="utf-8"?>
-<p:sld xmlns:a="http://schemas.openxmlformats.org/drawingml/2006/main" xmlns:r="http://schemas.openxmlformats.org/officeDocument/2006/relationships" xmlns:mc="http://schemas.openxmlformats.org/markup-compatibility/2006" xmlns:mv="urn:schemas-microsoft-com:mac:vml" xmlns:p="http://schemas.openxmlformats.org/presentationml/2006/main" xmlns:c="http://schemas.openxmlformats.org/drawingml/2006/chart" xmlns:dgm="http://schemas.openxmlformats.org/drawingml/2006/diagram" xmlns:o="urn:schemas-microsoft-com:office:office" xmlns:v="urn:schemas-microsoft-com:vml" xmlns:pvml="urn:schemas-microsoft-com:office:powerpoint" xmlns:com="http://schemas.openxmlformats.org/drawingml/2006/compatibility" xmlns:p14="http://schemas.microsoft.com/office/powerpoint/2010/main" xmlns:p15="http://schemas.microsoft.com/office/powerpoint/2012/main">
+<p:sld xmlns:a="http://schemas.openxmlformats.org/drawingml/2006/main" xmlns:r="http://schemas.openxmlformats.org/officeDocument/2006/relationships" xmlns:p="http://schemas.openxmlformats.org/presentationml/2006/main">
   <p:cSld>
     <p:spTree>
       <p:nvGrpSpPr>
-        <p:cNvPr id="75" name="Shape 75"/>
+        <p:cNvPr id="1" name="Shape 75"/>
         <p:cNvGrpSpPr/>
         <p:nvPr/>
       </p:nvGrpSpPr>
@@ -8307,7 +8496,9 @@
       <p:sp>
         <p:nvSpPr>
           <p:cNvPr id="76" name="Google Shape;76;p14"/>
-          <p:cNvSpPr txBox="1"/>
+          <p:cNvSpPr txBox="1">
+            <a:spLocks noGrp="1"/>
+          </p:cNvSpPr>
           <p:nvPr>
             <p:ph type="ctrTitle"/>
           </p:nvPr>
@@ -8322,12 +8513,12 @@
           </a:prstGeom>
         </p:spPr>
         <p:txBody>
-          <a:bodyPr anchorCtr="0" anchor="b" bIns="91425" lIns="91425" spcFirstLastPara="1" rIns="91425" wrap="square" tIns="91425">
+          <a:bodyPr spcFirstLastPara="1" wrap="square" lIns="91425" tIns="91425" rIns="91425" bIns="91425" anchor="b" anchorCtr="0">
             <a:noAutofit/>
           </a:bodyPr>
           <a:lstStyle/>
           <a:p>
-            <a:pPr indent="0" lvl="0" marL="0" rtl="0" algn="ctr">
+            <a:pPr marL="0" lvl="0" indent="0" algn="ctr" rtl="0">
               <a:spcBef>
                 <a:spcPts val="0"/>
               </a:spcBef>
@@ -8337,12 +8528,8 @@
               <a:buNone/>
             </a:pPr>
             <a:r>
-              <a:rPr b="1" lang="en"/>
-              <a:t>Treinamento </a:t>
-            </a:r>
-            <a:r>
-              <a:rPr b="1" lang="en"/>
-              <a:t>Python - Aula 01</a:t>
+              <a:rPr lang="en" b="1"/>
+              <a:t>Treinamento Python - Aula 01</a:t>
             </a:r>
             <a:endParaRPr b="1"/>
           </a:p>
@@ -8351,9 +8538,11 @@
       <p:sp>
         <p:nvSpPr>
           <p:cNvPr id="77" name="Google Shape;77;p14"/>
-          <p:cNvSpPr txBox="1"/>
+          <p:cNvSpPr txBox="1">
+            <a:spLocks noGrp="1"/>
+          </p:cNvSpPr>
           <p:nvPr>
-            <p:ph idx="1" type="subTitle"/>
+            <p:ph type="subTitle" idx="1"/>
           </p:nvPr>
         </p:nvSpPr>
         <p:spPr>
@@ -8366,12 +8555,12 @@
           </a:prstGeom>
         </p:spPr>
         <p:txBody>
-          <a:bodyPr anchorCtr="0" anchor="t" bIns="91425" lIns="91425" spcFirstLastPara="1" rIns="91425" wrap="square" tIns="91425">
+          <a:bodyPr spcFirstLastPara="1" wrap="square" lIns="91425" tIns="91425" rIns="91425" bIns="91425" anchor="t" anchorCtr="0">
             <a:noAutofit/>
           </a:bodyPr>
           <a:lstStyle/>
           <a:p>
-            <a:pPr indent="0" lvl="0" marL="0" rtl="0" algn="ctr">
+            <a:pPr marL="0" lvl="0" indent="0" algn="ctr" rtl="0">
               <a:spcBef>
                 <a:spcPts val="0"/>
               </a:spcBef>
@@ -8391,9 +8580,11 @@
       <p:sp>
         <p:nvSpPr>
           <p:cNvPr id="78" name="Google Shape;78;p14"/>
-          <p:cNvSpPr txBox="1"/>
+          <p:cNvSpPr txBox="1">
+            <a:spLocks noGrp="1"/>
+          </p:cNvSpPr>
           <p:nvPr>
-            <p:ph idx="1" type="subTitle"/>
+            <p:ph type="subTitle" idx="1"/>
           </p:nvPr>
         </p:nvSpPr>
         <p:spPr>
@@ -8406,12 +8597,12 @@
           </a:prstGeom>
         </p:spPr>
         <p:txBody>
-          <a:bodyPr anchorCtr="0" anchor="t" bIns="91425" lIns="91425" spcFirstLastPara="1" rIns="91425" wrap="square" tIns="91425">
+          <a:bodyPr spcFirstLastPara="1" wrap="square" lIns="91425" tIns="91425" rIns="91425" bIns="91425" anchor="t" anchorCtr="0">
             <a:noAutofit/>
           </a:bodyPr>
           <a:lstStyle/>
           <a:p>
-            <a:pPr indent="0" lvl="0" marL="0" rtl="0" algn="r">
+            <a:pPr marL="0" lvl="0" indent="0" algn="r" rtl="0">
               <a:spcBef>
                 <a:spcPts val="0"/>
               </a:spcBef>
@@ -8432,7 +8623,7 @@
             <a:endParaRPr sz="1600"/>
           </a:p>
           <a:p>
-            <a:pPr indent="0" lvl="0" marL="0" rtl="0" algn="r">
+            <a:pPr marL="0" lvl="0" indent="0" algn="r" rtl="0">
               <a:spcBef>
                 <a:spcPts val="0"/>
               </a:spcBef>
@@ -8453,18 +8644,15 @@
             <a:endParaRPr sz="1600"/>
           </a:p>
           <a:p>
-            <a:pPr indent="0" lvl="0" marL="0" rtl="0" algn="r">
-              <a:spcBef>
-                <a:spcPts val="0"/>
-              </a:spcBef>
-              <a:spcAft>
-                <a:spcPts val="0"/>
-              </a:spcAft>
-              <a:buNone/>
-            </a:pPr>
-            <a:r>
-              <a:t/>
-            </a:r>
+            <a:pPr marL="0" lvl="0" indent="0" algn="r" rtl="0">
+              <a:spcBef>
+                <a:spcPts val="0"/>
+              </a:spcBef>
+              <a:spcAft>
+                <a:spcPts val="0"/>
+              </a:spcAft>
+              <a:buNone/>
+            </a:pPr>
             <a:endParaRPr sz="1600"/>
           </a:p>
         </p:txBody>
@@ -8472,9 +8660,11 @@
       <p:sp>
         <p:nvSpPr>
           <p:cNvPr id="79" name="Google Shape;79;p14"/>
-          <p:cNvSpPr txBox="1"/>
+          <p:cNvSpPr txBox="1">
+            <a:spLocks noGrp="1"/>
+          </p:cNvSpPr>
           <p:nvPr>
-            <p:ph idx="12" type="sldNum"/>
+            <p:ph type="sldNum" idx="12"/>
           </p:nvPr>
         </p:nvSpPr>
         <p:spPr>
@@ -8487,12 +8677,12 @@
           </a:prstGeom>
         </p:spPr>
         <p:txBody>
-          <a:bodyPr anchorCtr="0" anchor="ctr" bIns="91425" lIns="91425" spcFirstLastPara="1" rIns="91425" wrap="square" tIns="91425">
+          <a:bodyPr spcFirstLastPara="1" wrap="square" lIns="91425" tIns="91425" rIns="91425" bIns="91425" anchor="ctr" anchorCtr="0">
             <a:noAutofit/>
           </a:bodyPr>
           <a:lstStyle/>
           <a:p>
-            <a:pPr indent="0" lvl="0" marL="0" rtl="0" algn="r">
+            <a:pPr marL="0" lvl="0" indent="0" algn="r" rtl="0">
               <a:spcBef>
                 <a:spcPts val="0"/>
               </a:spcBef>
@@ -8503,7 +8693,7 @@
             </a:pPr>
             <a:fld id="{00000000-1234-1234-1234-123412341234}" type="slidenum">
               <a:rPr lang="en"/>
-              <a:t>‹#›</a:t>
+              <a:t>1</a:t>
             </a:fld>
             <a:endParaRPr/>
           </a:p>
@@ -8518,11 +8708,11 @@
 </file>
 
 <file path=ppt/slides/slide10.xml><?xml version="1.0" encoding="utf-8"?>
-<p:sld xmlns:a="http://schemas.openxmlformats.org/drawingml/2006/main" xmlns:r="http://schemas.openxmlformats.org/officeDocument/2006/relationships" xmlns:mc="http://schemas.openxmlformats.org/markup-compatibility/2006" xmlns:mv="urn:schemas-microsoft-com:mac:vml" xmlns:p="http://schemas.openxmlformats.org/presentationml/2006/main" xmlns:c="http://schemas.openxmlformats.org/drawingml/2006/chart" xmlns:dgm="http://schemas.openxmlformats.org/drawingml/2006/diagram" xmlns:o="urn:schemas-microsoft-com:office:office" xmlns:v="urn:schemas-microsoft-com:vml" xmlns:pvml="urn:schemas-microsoft-com:office:powerpoint" xmlns:com="http://schemas.openxmlformats.org/drawingml/2006/compatibility" xmlns:p14="http://schemas.microsoft.com/office/powerpoint/2010/main" xmlns:p15="http://schemas.microsoft.com/office/powerpoint/2012/main">
+<p:sld xmlns:a="http://schemas.openxmlformats.org/drawingml/2006/main" xmlns:r="http://schemas.openxmlformats.org/officeDocument/2006/relationships" xmlns:p="http://schemas.openxmlformats.org/presentationml/2006/main">
   <p:cSld>
     <p:spTree>
       <p:nvGrpSpPr>
-        <p:cNvPr id="144" name="Shape 144"/>
+        <p:cNvPr id="1" name="Shape 144"/>
         <p:cNvGrpSpPr/>
         <p:nvPr/>
       </p:nvGrpSpPr>
@@ -8537,7 +8727,9 @@
       <p:sp>
         <p:nvSpPr>
           <p:cNvPr id="145" name="Google Shape;145;p23"/>
-          <p:cNvSpPr txBox="1"/>
+          <p:cNvSpPr txBox="1">
+            <a:spLocks noGrp="1"/>
+          </p:cNvSpPr>
           <p:nvPr>
             <p:ph type="title"/>
           </p:nvPr>
@@ -8552,12 +8744,12 @@
           </a:prstGeom>
         </p:spPr>
         <p:txBody>
-          <a:bodyPr anchorCtr="0" anchor="t" bIns="91425" lIns="91425" spcFirstLastPara="1" rIns="91425" wrap="square" tIns="91425">
+          <a:bodyPr spcFirstLastPara="1" wrap="square" lIns="91425" tIns="91425" rIns="91425" bIns="91425" anchor="t" anchorCtr="0">
             <a:noAutofit/>
           </a:bodyPr>
           <a:lstStyle/>
           <a:p>
-            <a:pPr indent="0" lvl="0" marL="0" rtl="0" algn="l">
+            <a:pPr marL="0" lvl="0" indent="0" algn="l" rtl="0">
               <a:spcBef>
                 <a:spcPts val="0"/>
               </a:spcBef>
@@ -8577,9 +8769,11 @@
       <p:sp>
         <p:nvSpPr>
           <p:cNvPr id="146" name="Google Shape;146;p23"/>
-          <p:cNvSpPr txBox="1"/>
+          <p:cNvSpPr txBox="1">
+            <a:spLocks noGrp="1"/>
+          </p:cNvSpPr>
           <p:nvPr>
-            <p:ph idx="1" type="body"/>
+            <p:ph type="body" idx="1"/>
           </p:nvPr>
         </p:nvSpPr>
         <p:spPr>
@@ -8592,23 +8786,20 @@
           </a:prstGeom>
         </p:spPr>
         <p:txBody>
-          <a:bodyPr anchorCtr="0" anchor="t" bIns="91425" lIns="91425" spcFirstLastPara="1" rIns="91425" wrap="square" tIns="91425">
+          <a:bodyPr spcFirstLastPara="1" wrap="square" lIns="91425" tIns="91425" rIns="91425" bIns="91425" anchor="t" anchorCtr="0">
             <a:noAutofit/>
           </a:bodyPr>
           <a:lstStyle/>
           <a:p>
-            <a:pPr indent="0" lvl="0" marL="0" rtl="0" algn="l">
-              <a:spcBef>
-                <a:spcPts val="0"/>
-              </a:spcBef>
-              <a:spcAft>
-                <a:spcPts val="0"/>
-              </a:spcAft>
-              <a:buNone/>
-            </a:pPr>
-            <a:r>
-              <a:t/>
-            </a:r>
+            <a:pPr marL="0" lvl="0" indent="0" algn="l" rtl="0">
+              <a:spcBef>
+                <a:spcPts val="0"/>
+              </a:spcBef>
+              <a:spcAft>
+                <a:spcPts val="0"/>
+              </a:spcAft>
+              <a:buNone/>
+            </a:pPr>
             <a:endParaRPr/>
           </a:p>
         </p:txBody>
@@ -8616,9 +8807,11 @@
       <p:sp>
         <p:nvSpPr>
           <p:cNvPr id="147" name="Google Shape;147;p23"/>
-          <p:cNvSpPr txBox="1"/>
+          <p:cNvSpPr txBox="1">
+            <a:spLocks noGrp="1"/>
+          </p:cNvSpPr>
           <p:nvPr>
-            <p:ph idx="12" type="sldNum"/>
+            <p:ph type="sldNum" idx="12"/>
           </p:nvPr>
         </p:nvSpPr>
         <p:spPr>
@@ -8631,12 +8824,12 @@
           </a:prstGeom>
         </p:spPr>
         <p:txBody>
-          <a:bodyPr anchorCtr="0" anchor="ctr" bIns="91425" lIns="91425" spcFirstLastPara="1" rIns="91425" wrap="square" tIns="91425">
+          <a:bodyPr spcFirstLastPara="1" wrap="square" lIns="91425" tIns="91425" rIns="91425" bIns="91425" anchor="ctr" anchorCtr="0">
             <a:noAutofit/>
           </a:bodyPr>
           <a:lstStyle/>
           <a:p>
-            <a:pPr indent="0" lvl="0" marL="0" rtl="0" algn="r">
+            <a:pPr marL="0" lvl="0" indent="0" algn="r" rtl="0">
               <a:spcBef>
                 <a:spcPts val="0"/>
               </a:spcBef>
@@ -8647,7 +8840,7 @@
             </a:pPr>
             <a:fld id="{00000000-1234-1234-1234-123412341234}" type="slidenum">
               <a:rPr lang="en"/>
-              <a:t>‹#›</a:t>
+              <a:t>10</a:t>
             </a:fld>
             <a:endParaRPr/>
           </a:p>
@@ -8690,11 +8883,11 @@
 </file>
 
 <file path=ppt/slides/slide11.xml><?xml version="1.0" encoding="utf-8"?>
-<p:sld xmlns:a="http://schemas.openxmlformats.org/drawingml/2006/main" xmlns:r="http://schemas.openxmlformats.org/officeDocument/2006/relationships" xmlns:mc="http://schemas.openxmlformats.org/markup-compatibility/2006" xmlns:mv="urn:schemas-microsoft-com:mac:vml" xmlns:p="http://schemas.openxmlformats.org/presentationml/2006/main" xmlns:c="http://schemas.openxmlformats.org/drawingml/2006/chart" xmlns:dgm="http://schemas.openxmlformats.org/drawingml/2006/diagram" xmlns:o="urn:schemas-microsoft-com:office:office" xmlns:v="urn:schemas-microsoft-com:vml" xmlns:pvml="urn:schemas-microsoft-com:office:powerpoint" xmlns:com="http://schemas.openxmlformats.org/drawingml/2006/compatibility" xmlns:p14="http://schemas.microsoft.com/office/powerpoint/2010/main" xmlns:p15="http://schemas.microsoft.com/office/powerpoint/2012/main">
+<p:sld xmlns:a="http://schemas.openxmlformats.org/drawingml/2006/main" xmlns:r="http://schemas.openxmlformats.org/officeDocument/2006/relationships" xmlns:p="http://schemas.openxmlformats.org/presentationml/2006/main">
   <p:cSld>
     <p:spTree>
       <p:nvGrpSpPr>
-        <p:cNvPr id="152" name="Shape 152"/>
+        <p:cNvPr id="1" name="Shape 152"/>
         <p:cNvGrpSpPr/>
         <p:nvPr/>
       </p:nvGrpSpPr>
@@ -8709,7 +8902,9 @@
       <p:sp>
         <p:nvSpPr>
           <p:cNvPr id="153" name="Google Shape;153;p24"/>
-          <p:cNvSpPr txBox="1"/>
+          <p:cNvSpPr txBox="1">
+            <a:spLocks noGrp="1"/>
+          </p:cNvSpPr>
           <p:nvPr>
             <p:ph type="title"/>
           </p:nvPr>
@@ -8724,12 +8919,12 @@
           </a:prstGeom>
         </p:spPr>
         <p:txBody>
-          <a:bodyPr anchorCtr="0" anchor="t" bIns="91425" lIns="91425" spcFirstLastPara="1" rIns="91425" wrap="square" tIns="91425">
+          <a:bodyPr spcFirstLastPara="1" wrap="square" lIns="91425" tIns="91425" rIns="91425" bIns="91425" anchor="t" anchorCtr="0">
             <a:noAutofit/>
           </a:bodyPr>
           <a:lstStyle/>
           <a:p>
-            <a:pPr indent="0" lvl="0" marL="0" rtl="0" algn="l">
+            <a:pPr marL="0" lvl="0" indent="0" algn="l" rtl="0">
               <a:spcBef>
                 <a:spcPts val="0"/>
               </a:spcBef>
@@ -8749,9 +8944,11 @@
       <p:sp>
         <p:nvSpPr>
           <p:cNvPr id="154" name="Google Shape;154;p24"/>
-          <p:cNvSpPr txBox="1"/>
+          <p:cNvSpPr txBox="1">
+            <a:spLocks noGrp="1"/>
+          </p:cNvSpPr>
           <p:nvPr>
-            <p:ph idx="1" type="body"/>
+            <p:ph type="body" idx="1"/>
           </p:nvPr>
         </p:nvSpPr>
         <p:spPr>
@@ -8764,27 +8961,24 @@
           </a:prstGeom>
         </p:spPr>
         <p:txBody>
-          <a:bodyPr anchorCtr="0" anchor="t" bIns="91425" lIns="91425" spcFirstLastPara="1" rIns="91425" wrap="square" tIns="91425">
+          <a:bodyPr spcFirstLastPara="1" wrap="square" lIns="91425" tIns="91425" rIns="91425" bIns="91425" anchor="t" anchorCtr="0">
             <a:noAutofit/>
           </a:bodyPr>
           <a:lstStyle/>
           <a:p>
-            <a:pPr indent="0" lvl="0" marL="0" rtl="0" algn="l">
-              <a:spcBef>
-                <a:spcPts val="0"/>
-              </a:spcBef>
-              <a:spcAft>
-                <a:spcPts val="0"/>
-              </a:spcAft>
-              <a:buNone/>
-            </a:pPr>
-            <a:r>
-              <a:t/>
-            </a:r>
-            <a:endParaRPr/>
-          </a:p>
-          <a:p>
-            <a:pPr indent="-342900" lvl="0" marL="457200" rtl="0" algn="l">
+            <a:pPr marL="0" lvl="0" indent="0" algn="l" rtl="0">
+              <a:spcBef>
+                <a:spcPts val="0"/>
+              </a:spcBef>
+              <a:spcAft>
+                <a:spcPts val="0"/>
+              </a:spcAft>
+              <a:buNone/>
+            </a:pPr>
+            <a:endParaRPr dirty="0"/>
+          </a:p>
+          <a:p>
+            <a:pPr marL="457200" lvl="0" indent="-342900" algn="l" rtl="0">
               <a:spcBef>
                 <a:spcPts val="0"/>
               </a:spcBef>
@@ -8795,28 +8989,25 @@
               <a:buAutoNum type="arabicPeriod"/>
             </a:pPr>
             <a:r>
-              <a:rPr lang="en"/>
+              <a:rPr lang="en" dirty="0"/>
               <a:t>Agrupe os dados originais dos alunos por Year, Region e Grade level, nesta ordem. Some os alunos obesos e encontre a média de alunos que estão acima do peso. Qual o grupo que teve mais estudantes acima do peso? E o que teve menos obesos?</a:t>
             </a:r>
-            <a:endParaRPr/>
-          </a:p>
-          <a:p>
-            <a:pPr indent="0" lvl="0" marL="457200" rtl="0" algn="l">
-              <a:spcBef>
-                <a:spcPts val="0"/>
-              </a:spcBef>
-              <a:spcAft>
-                <a:spcPts val="0"/>
-              </a:spcAft>
-              <a:buNone/>
-            </a:pPr>
-            <a:r>
-              <a:t/>
-            </a:r>
-            <a:endParaRPr/>
-          </a:p>
-          <a:p>
-            <a:pPr indent="-342900" lvl="0" marL="457200" rtl="0" algn="l">
+            <a:endParaRPr dirty="0"/>
+          </a:p>
+          <a:p>
+            <a:pPr marL="457200" lvl="0" indent="0" algn="l" rtl="0">
+              <a:spcBef>
+                <a:spcPts val="0"/>
+              </a:spcBef>
+              <a:spcAft>
+                <a:spcPts val="0"/>
+              </a:spcAft>
+              <a:buNone/>
+            </a:pPr>
+            <a:endParaRPr dirty="0"/>
+          </a:p>
+          <a:p>
+            <a:pPr marL="457200" lvl="0" indent="-342900" algn="l" rtl="0">
               <a:spcBef>
                 <a:spcPts val="0"/>
               </a:spcBef>
@@ -8827,19 +9018,21 @@
               <a:buAutoNum type="arabicPeriod"/>
             </a:pPr>
             <a:r>
-              <a:rPr lang="en"/>
+              <a:rPr lang="en" dirty="0"/>
               <a:t>Filtre os dados originais para mostrar apenas as escolas do COUNTY 'ALBANY', que tenha o grau 'ELEMENTARY' e que a porcentagem dos alunos obesos estão acima de 0.2. Quantas escolas existem com essa característica?</a:t>
             </a:r>
-            <a:endParaRPr/>
+            <a:endParaRPr dirty="0"/>
           </a:p>
         </p:txBody>
       </p:sp>
       <p:sp>
         <p:nvSpPr>
           <p:cNvPr id="155" name="Google Shape;155;p24"/>
-          <p:cNvSpPr txBox="1"/>
+          <p:cNvSpPr txBox="1">
+            <a:spLocks noGrp="1"/>
+          </p:cNvSpPr>
           <p:nvPr>
-            <p:ph idx="12" type="sldNum"/>
+            <p:ph type="sldNum" idx="12"/>
           </p:nvPr>
         </p:nvSpPr>
         <p:spPr>
@@ -8852,12 +9045,12 @@
           </a:prstGeom>
         </p:spPr>
         <p:txBody>
-          <a:bodyPr anchorCtr="0" anchor="ctr" bIns="91425" lIns="91425" spcFirstLastPara="1" rIns="91425" wrap="square" tIns="91425">
+          <a:bodyPr spcFirstLastPara="1" wrap="square" lIns="91425" tIns="91425" rIns="91425" bIns="91425" anchor="ctr" anchorCtr="0">
             <a:noAutofit/>
           </a:bodyPr>
           <a:lstStyle/>
           <a:p>
-            <a:pPr indent="0" lvl="0" marL="0" rtl="0" algn="r">
+            <a:pPr marL="0" lvl="0" indent="0" algn="r" rtl="0">
               <a:spcBef>
                 <a:spcPts val="0"/>
               </a:spcBef>
@@ -8868,7 +9061,7 @@
             </a:pPr>
             <a:fld id="{00000000-1234-1234-1234-123412341234}" type="slidenum">
               <a:rPr lang="en"/>
-              <a:t>‹#›</a:t>
+              <a:t>11</a:t>
             </a:fld>
             <a:endParaRPr/>
           </a:p>
@@ -8883,11 +9076,11 @@
 </file>
 
 <file path=ppt/slides/slide12.xml><?xml version="1.0" encoding="utf-8"?>
-<p:sld xmlns:a="http://schemas.openxmlformats.org/drawingml/2006/main" xmlns:r="http://schemas.openxmlformats.org/officeDocument/2006/relationships" xmlns:mc="http://schemas.openxmlformats.org/markup-compatibility/2006" xmlns:mv="urn:schemas-microsoft-com:mac:vml" xmlns:p="http://schemas.openxmlformats.org/presentationml/2006/main" xmlns:c="http://schemas.openxmlformats.org/drawingml/2006/chart" xmlns:dgm="http://schemas.openxmlformats.org/drawingml/2006/diagram" xmlns:o="urn:schemas-microsoft-com:office:office" xmlns:v="urn:schemas-microsoft-com:vml" xmlns:pvml="urn:schemas-microsoft-com:office:powerpoint" xmlns:com="http://schemas.openxmlformats.org/drawingml/2006/compatibility" xmlns:p14="http://schemas.microsoft.com/office/powerpoint/2010/main" xmlns:p15="http://schemas.microsoft.com/office/powerpoint/2012/main">
+<p:sld xmlns:a="http://schemas.openxmlformats.org/drawingml/2006/main" xmlns:r="http://schemas.openxmlformats.org/officeDocument/2006/relationships" xmlns:p="http://schemas.openxmlformats.org/presentationml/2006/main">
   <p:cSld>
     <p:spTree>
       <p:nvGrpSpPr>
-        <p:cNvPr id="159" name="Shape 159"/>
+        <p:cNvPr id="1" name="Shape 159"/>
         <p:cNvGrpSpPr/>
         <p:nvPr/>
       </p:nvGrpSpPr>
@@ -8902,9 +9095,11 @@
       <p:sp>
         <p:nvSpPr>
           <p:cNvPr id="160" name="Google Shape;160;p25"/>
-          <p:cNvSpPr txBox="1"/>
+          <p:cNvSpPr txBox="1">
+            <a:spLocks noGrp="1"/>
+          </p:cNvSpPr>
           <p:nvPr>
-            <p:ph idx="1" type="subTitle"/>
+            <p:ph type="subTitle" idx="1"/>
           </p:nvPr>
         </p:nvSpPr>
         <p:spPr>
@@ -8917,12 +9112,12 @@
           </a:prstGeom>
         </p:spPr>
         <p:txBody>
-          <a:bodyPr anchorCtr="0" anchor="t" bIns="91425" lIns="91425" spcFirstLastPara="1" rIns="91425" wrap="square" tIns="91425">
+          <a:bodyPr spcFirstLastPara="1" wrap="square" lIns="91425" tIns="91425" rIns="91425" bIns="91425" anchor="t" anchorCtr="0">
             <a:noAutofit/>
           </a:bodyPr>
           <a:lstStyle/>
           <a:p>
-            <a:pPr indent="0" lvl="0" marL="0" rtl="0" algn="just">
+            <a:pPr marL="0" lvl="0" indent="0" algn="just" rtl="0">
               <a:spcBef>
                 <a:spcPts val="0"/>
               </a:spcBef>
@@ -8932,13 +9127,25 @@
               <a:buNone/>
             </a:pPr>
             <a:r>
-              <a:rPr b="1" lang="en" sz="1800"/>
+              <a:rPr lang="en" sz="1800" b="1" dirty="0"/>
               <a:t>André Almeida Santos</a:t>
             </a:r>
-            <a:endParaRPr b="1" sz="1800"/>
-          </a:p>
-          <a:p>
-            <a:pPr indent="0" lvl="0" marL="457200" rtl="0" algn="just">
+            <a:endParaRPr sz="1800" b="1" dirty="0"/>
+          </a:p>
+          <a:p>
+            <a:pPr marL="457200" lvl="0" indent="0" algn="just" rtl="0">
+              <a:spcBef>
+                <a:spcPts val="0"/>
+              </a:spcBef>
+              <a:spcAft>
+                <a:spcPts val="0"/>
+              </a:spcAft>
+              <a:buNone/>
+            </a:pPr>
+            <a:endParaRPr sz="1800" b="1" dirty="0"/>
+          </a:p>
+          <a:p>
+            <a:pPr marL="0" lvl="0" indent="0" algn="just" rtl="0">
               <a:spcBef>
                 <a:spcPts val="0"/>
               </a:spcBef>
@@ -8948,28 +9155,25 @@
               <a:buNone/>
             </a:pPr>
             <a:r>
-              <a:t/>
-            </a:r>
-            <a:endParaRPr b="1" sz="1800"/>
-          </a:p>
-          <a:p>
-            <a:pPr indent="0" lvl="0" marL="0" rtl="0" algn="just">
-              <a:spcBef>
-                <a:spcPts val="0"/>
-              </a:spcBef>
-              <a:spcAft>
-                <a:spcPts val="0"/>
-              </a:spcAft>
-              <a:buNone/>
-            </a:pPr>
-            <a:r>
-              <a:rPr b="1" lang="en" sz="1800"/>
+              <a:rPr lang="en" sz="1800" b="1" dirty="0"/>
               <a:t>andre.almdsantos@gmail.com</a:t>
             </a:r>
-            <a:endParaRPr b="1" sz="1800"/>
-          </a:p>
-          <a:p>
-            <a:pPr indent="0" lvl="0" marL="457200" rtl="0" algn="just">
+            <a:endParaRPr sz="1800" b="1" dirty="0"/>
+          </a:p>
+          <a:p>
+            <a:pPr marL="457200" lvl="0" indent="0" algn="just" rtl="0">
+              <a:spcBef>
+                <a:spcPts val="0"/>
+              </a:spcBef>
+              <a:spcAft>
+                <a:spcPts val="0"/>
+              </a:spcAft>
+              <a:buNone/>
+            </a:pPr>
+            <a:endParaRPr sz="1800" b="1" dirty="0"/>
+          </a:p>
+          <a:p>
+            <a:pPr marL="0" lvl="0" indent="0" algn="just" rtl="0">
               <a:spcBef>
                 <a:spcPts val="0"/>
               </a:spcBef>
@@ -8979,28 +9183,13 @@
               <a:buNone/>
             </a:pPr>
             <a:r>
-              <a:t/>
-            </a:r>
-            <a:endParaRPr b="1" sz="1800"/>
-          </a:p>
-          <a:p>
-            <a:pPr indent="0" lvl="0" marL="0" rtl="0" algn="just">
-              <a:spcBef>
-                <a:spcPts val="0"/>
-              </a:spcBef>
-              <a:spcAft>
-                <a:spcPts val="0"/>
-              </a:spcAft>
-              <a:buNone/>
-            </a:pPr>
-            <a:r>
-              <a:rPr b="1" lang="en" sz="1800"/>
+              <a:rPr lang="en" sz="1800" b="1" dirty="0"/>
               <a:t>+55 77 9 8839-5282</a:t>
             </a:r>
-            <a:endParaRPr b="1" sz="1800"/>
-          </a:p>
-          <a:p>
-            <a:pPr indent="0" lvl="0" marL="0" rtl="0" algn="just">
+            <a:endParaRPr sz="1800" b="1" dirty="0"/>
+          </a:p>
+          <a:p>
+            <a:pPr marL="0" lvl="0" indent="0" algn="just" rtl="0">
               <a:spcBef>
                 <a:spcPts val="0"/>
               </a:spcBef>
@@ -9010,13 +9199,25 @@
               <a:buNone/>
             </a:pPr>
             <a:r>
-              <a:rPr b="1" lang="en" sz="1800"/>
+              <a:rPr lang="en" sz="1800" b="1" dirty="0"/>
               <a:t>+55 77 9 9421-1629</a:t>
             </a:r>
-            <a:endParaRPr b="1" sz="1800"/>
-          </a:p>
-          <a:p>
-            <a:pPr indent="0" lvl="0" marL="0" rtl="0" algn="just">
+            <a:endParaRPr sz="1800" b="1" dirty="0"/>
+          </a:p>
+          <a:p>
+            <a:pPr marL="0" lvl="0" indent="0" algn="just" rtl="0">
+              <a:spcBef>
+                <a:spcPts val="0"/>
+              </a:spcBef>
+              <a:spcAft>
+                <a:spcPts val="0"/>
+              </a:spcAft>
+              <a:buNone/>
+            </a:pPr>
+            <a:endParaRPr sz="1800" b="1" dirty="0"/>
+          </a:p>
+          <a:p>
+            <a:pPr marL="0" lvl="0" indent="0" algn="just" rtl="0">
               <a:spcBef>
                 <a:spcPts val="0"/>
               </a:spcBef>
@@ -9026,34 +9227,21 @@
               <a:buNone/>
             </a:pPr>
             <a:r>
-              <a:t/>
-            </a:r>
-            <a:endParaRPr b="1" sz="1800"/>
-          </a:p>
-          <a:p>
-            <a:pPr indent="0" lvl="0" marL="0" rtl="0" algn="just">
-              <a:spcBef>
-                <a:spcPts val="0"/>
-              </a:spcBef>
-              <a:spcAft>
-                <a:spcPts val="0"/>
-              </a:spcAft>
-              <a:buNone/>
-            </a:pPr>
-            <a:r>
-              <a:rPr b="1" lang="en" sz="1800"/>
+              <a:rPr lang="en" sz="1800" b="1" dirty="0"/>
               <a:t>https://www.linkedin.com/in/andre-almdsantos/</a:t>
             </a:r>
-            <a:endParaRPr b="1" sz="1800"/>
+            <a:endParaRPr sz="1800" b="1" dirty="0"/>
           </a:p>
         </p:txBody>
       </p:sp>
       <p:sp>
         <p:nvSpPr>
           <p:cNvPr id="161" name="Google Shape;161;p25"/>
-          <p:cNvSpPr txBox="1"/>
+          <p:cNvSpPr txBox="1">
+            <a:spLocks noGrp="1"/>
+          </p:cNvSpPr>
           <p:nvPr>
-            <p:ph idx="12" type="sldNum"/>
+            <p:ph type="sldNum" idx="12"/>
           </p:nvPr>
         </p:nvSpPr>
         <p:spPr>
@@ -9066,12 +9254,12 @@
           </a:prstGeom>
         </p:spPr>
         <p:txBody>
-          <a:bodyPr anchorCtr="0" anchor="ctr" bIns="91425" lIns="91425" spcFirstLastPara="1" rIns="91425" wrap="square" tIns="91425">
+          <a:bodyPr spcFirstLastPara="1" wrap="square" lIns="91425" tIns="91425" rIns="91425" bIns="91425" anchor="ctr" anchorCtr="0">
             <a:noAutofit/>
           </a:bodyPr>
           <a:lstStyle/>
           <a:p>
-            <a:pPr indent="0" lvl="0" marL="0" rtl="0" algn="r">
+            <a:pPr marL="0" lvl="0" indent="0" algn="r" rtl="0">
               <a:spcBef>
                 <a:spcPts val="0"/>
               </a:spcBef>
@@ -9082,7 +9270,7 @@
             </a:pPr>
             <a:fld id="{00000000-1234-1234-1234-123412341234}" type="slidenum">
               <a:rPr lang="en"/>
-              <a:t>‹#›</a:t>
+              <a:t>12</a:t>
             </a:fld>
             <a:endParaRPr/>
           </a:p>
@@ -9091,9 +9279,11 @@
       <p:sp>
         <p:nvSpPr>
           <p:cNvPr id="162" name="Google Shape;162;p25"/>
-          <p:cNvSpPr txBox="1"/>
+          <p:cNvSpPr txBox="1">
+            <a:spLocks noGrp="1"/>
+          </p:cNvSpPr>
           <p:nvPr>
-            <p:ph idx="1" type="subTitle"/>
+            <p:ph type="subTitle" idx="1"/>
           </p:nvPr>
         </p:nvSpPr>
         <p:spPr>
@@ -9106,12 +9296,12 @@
           </a:prstGeom>
         </p:spPr>
         <p:txBody>
-          <a:bodyPr anchorCtr="0" anchor="t" bIns="91425" lIns="91425" spcFirstLastPara="1" rIns="91425" wrap="square" tIns="91425">
+          <a:bodyPr spcFirstLastPara="1" wrap="square" lIns="91425" tIns="91425" rIns="91425" bIns="91425" anchor="t" anchorCtr="0">
             <a:noAutofit/>
           </a:bodyPr>
           <a:lstStyle/>
           <a:p>
-            <a:pPr indent="0" lvl="0" marL="0" rtl="0" algn="ctr">
+            <a:pPr marL="0" lvl="0" indent="0" algn="ctr" rtl="0">
               <a:spcBef>
                 <a:spcPts val="0"/>
               </a:spcBef>
@@ -9121,10 +9311,10 @@
               <a:buNone/>
             </a:pPr>
             <a:r>
-              <a:rPr lang="en"/>
+              <a:rPr lang="en" dirty="0"/>
               <a:t>Obrigado pelo seu tempo e atenção!</a:t>
             </a:r>
-            <a:endParaRPr/>
+            <a:endParaRPr dirty="0"/>
           </a:p>
         </p:txBody>
       </p:sp>
@@ -9221,11 +9411,11 @@
 </file>
 
 <file path=ppt/slides/slide2.xml><?xml version="1.0" encoding="utf-8"?>
-<p:sld xmlns:a="http://schemas.openxmlformats.org/drawingml/2006/main" xmlns:r="http://schemas.openxmlformats.org/officeDocument/2006/relationships" xmlns:mc="http://schemas.openxmlformats.org/markup-compatibility/2006" xmlns:mv="urn:schemas-microsoft-com:mac:vml" xmlns:p="http://schemas.openxmlformats.org/presentationml/2006/main" xmlns:c="http://schemas.openxmlformats.org/drawingml/2006/chart" xmlns:dgm="http://schemas.openxmlformats.org/drawingml/2006/diagram" xmlns:o="urn:schemas-microsoft-com:office:office" xmlns:v="urn:schemas-microsoft-com:vml" xmlns:pvml="urn:schemas-microsoft-com:office:powerpoint" xmlns:com="http://schemas.openxmlformats.org/drawingml/2006/compatibility" xmlns:p14="http://schemas.microsoft.com/office/powerpoint/2010/main" xmlns:p15="http://schemas.microsoft.com/office/powerpoint/2012/main">
+<p:sld xmlns:a="http://schemas.openxmlformats.org/drawingml/2006/main" xmlns:r="http://schemas.openxmlformats.org/officeDocument/2006/relationships" xmlns:p="http://schemas.openxmlformats.org/presentationml/2006/main">
   <p:cSld>
     <p:spTree>
       <p:nvGrpSpPr>
-        <p:cNvPr id="83" name="Shape 83"/>
+        <p:cNvPr id="1" name="Shape 83"/>
         <p:cNvGrpSpPr/>
         <p:nvPr/>
       </p:nvGrpSpPr>
@@ -9240,9 +9430,11 @@
       <p:sp>
         <p:nvSpPr>
           <p:cNvPr id="84" name="Google Shape;84;p15"/>
-          <p:cNvSpPr txBox="1"/>
+          <p:cNvSpPr txBox="1">
+            <a:spLocks noGrp="1"/>
+          </p:cNvSpPr>
           <p:nvPr>
-            <p:ph idx="4294967295" type="title"/>
+            <p:ph type="title" idx="4294967295"/>
           </p:nvPr>
         </p:nvSpPr>
         <p:spPr>
@@ -9255,12 +9447,12 @@
           </a:prstGeom>
         </p:spPr>
         <p:txBody>
-          <a:bodyPr anchorCtr="0" anchor="t" bIns="91425" lIns="91425" spcFirstLastPara="1" rIns="91425" wrap="square" tIns="91425">
+          <a:bodyPr spcFirstLastPara="1" wrap="square" lIns="91425" tIns="91425" rIns="91425" bIns="91425" anchor="t" anchorCtr="0">
             <a:noAutofit/>
           </a:bodyPr>
           <a:lstStyle/>
           <a:p>
-            <a:pPr indent="0" lvl="0" marL="0" rtl="0" algn="l">
+            <a:pPr marL="0" lvl="0" indent="0" algn="l" rtl="0">
               <a:spcBef>
                 <a:spcPts val="0"/>
               </a:spcBef>
@@ -9270,14 +9462,14 @@
               <a:buNone/>
             </a:pPr>
             <a:r>
-              <a:rPr b="1" lang="en" sz="3600">
+              <a:rPr lang="en" sz="3600" b="1">
                 <a:solidFill>
                   <a:srgbClr val="FFFFFF"/>
                 </a:solidFill>
               </a:rPr>
               <a:t>André Almeida Santos</a:t>
             </a:r>
-            <a:endParaRPr b="1" sz="3600">
+            <a:endParaRPr sz="3600" b="1">
               <a:solidFill>
                 <a:srgbClr val="FFFFFF"/>
               </a:solidFill>
@@ -9288,9 +9480,11 @@
       <p:sp>
         <p:nvSpPr>
           <p:cNvPr id="85" name="Google Shape;85;p15"/>
-          <p:cNvSpPr txBox="1"/>
+          <p:cNvSpPr txBox="1">
+            <a:spLocks noGrp="1"/>
+          </p:cNvSpPr>
           <p:nvPr>
-            <p:ph idx="1" type="body"/>
+            <p:ph type="body" idx="1"/>
           </p:nvPr>
         </p:nvSpPr>
         <p:spPr>
@@ -9303,76 +9497,70 @@
           </a:prstGeom>
         </p:spPr>
         <p:txBody>
-          <a:bodyPr anchorCtr="0" anchor="ctr" bIns="91425" lIns="91425" spcFirstLastPara="1" rIns="91425" wrap="square" tIns="91425">
+          <a:bodyPr spcFirstLastPara="1" wrap="square" lIns="91425" tIns="91425" rIns="91425" bIns="91425" anchor="ctr" anchorCtr="0">
             <a:noAutofit/>
           </a:bodyPr>
           <a:lstStyle/>
           <a:p>
-            <a:pPr indent="0" lvl="0" marL="457200" rtl="0" algn="l">
-              <a:spcBef>
-                <a:spcPts val="0"/>
-              </a:spcBef>
-              <a:spcAft>
-                <a:spcPts val="0"/>
-              </a:spcAft>
+            <a:pPr marL="457200" lvl="0" indent="0" algn="l" rtl="0">
+              <a:spcBef>
+                <a:spcPts val="0"/>
+              </a:spcBef>
+              <a:spcAft>
+                <a:spcPts val="0"/>
+              </a:spcAft>
+              <a:buNone/>
+            </a:pPr>
+            <a:endParaRPr dirty="0"/>
+          </a:p>
+          <a:p>
+            <a:pPr marL="457200" lvl="0" indent="-228600" algn="l" rtl="0">
+              <a:spcBef>
+                <a:spcPts val="0"/>
+              </a:spcBef>
+              <a:spcAft>
+                <a:spcPts val="0"/>
+              </a:spcAft>
+              <a:buSzPts val="1800"/>
               <a:buNone/>
             </a:pPr>
             <a:r>
-              <a:t/>
-            </a:r>
-            <a:endParaRPr/>
-          </a:p>
-          <a:p>
-            <a:pPr indent="-228600" lvl="0" marL="457200" rtl="0" algn="l">
-              <a:spcBef>
-                <a:spcPts val="0"/>
-              </a:spcBef>
-              <a:spcAft>
-                <a:spcPts val="0"/>
-              </a:spcAft>
-              <a:buSzPts val="1800"/>
-              <a:buNone/>
-            </a:pPr>
-            <a:r>
-              <a:rPr lang="en"/>
+              <a:rPr lang="en" dirty="0"/>
               <a:t>Engenheiro Eletricista pelo Instituto Federal da Bahia (2012 - 2017);</a:t>
             </a:r>
-            <a:endParaRPr/>
-          </a:p>
-          <a:p>
-            <a:pPr indent="0" lvl="0" marL="0" rtl="0" algn="l">
-              <a:spcBef>
-                <a:spcPts val="0"/>
-              </a:spcBef>
-              <a:spcAft>
-                <a:spcPts val="0"/>
-              </a:spcAft>
+            <a:endParaRPr dirty="0"/>
+          </a:p>
+          <a:p>
+            <a:pPr marL="0" lvl="0" indent="0" algn="l" rtl="0">
+              <a:spcBef>
+                <a:spcPts val="0"/>
+              </a:spcBef>
+              <a:spcAft>
+                <a:spcPts val="0"/>
+              </a:spcAft>
+              <a:buNone/>
+            </a:pPr>
+            <a:endParaRPr dirty="0"/>
+          </a:p>
+          <a:p>
+            <a:pPr marL="457200" lvl="0" indent="-228600" algn="l" rtl="0">
+              <a:spcBef>
+                <a:spcPts val="0"/>
+              </a:spcBef>
+              <a:spcAft>
+                <a:spcPts val="0"/>
+              </a:spcAft>
+              <a:buSzPts val="1800"/>
               <a:buNone/>
             </a:pPr>
             <a:r>
-              <a:t/>
-            </a:r>
-            <a:endParaRPr/>
-          </a:p>
-          <a:p>
-            <a:pPr indent="-228600" lvl="0" marL="457200" rtl="0" algn="l">
-              <a:spcBef>
-                <a:spcPts val="0"/>
-              </a:spcBef>
-              <a:spcAft>
-                <a:spcPts val="0"/>
-              </a:spcAft>
-              <a:buSzPts val="1800"/>
-              <a:buNone/>
-            </a:pPr>
-            <a:r>
-              <a:rPr lang="en"/>
+              <a:rPr lang="en" dirty="0"/>
               <a:t>Mestrando do ITV em Automação e Controle (2018 - 2020):</a:t>
             </a:r>
-            <a:endParaRPr/>
-          </a:p>
-          <a:p>
-            <a:pPr indent="-228600" lvl="1" marL="914400" rtl="0" algn="l">
+            <a:endParaRPr dirty="0"/>
+          </a:p>
+          <a:p>
+            <a:pPr marL="914400" lvl="1" indent="-228600" algn="l" rtl="0">
               <a:spcBef>
                 <a:spcPts val="0"/>
               </a:spcBef>
@@ -9383,19 +9571,29 @@
               <a:buNone/>
             </a:pPr>
             <a:r>
-              <a:rPr lang="en"/>
+              <a:rPr lang="en" dirty="0">
+                <a:solidFill>
+                  <a:srgbClr val="FFFFFF"/>
+                </a:solidFill>
+              </a:rPr>
               <a:t>Pesquisa na área de percepção do projeto ROSI, trabalhando com redes neurais e visão computacional.</a:t>
             </a:r>
-            <a:endParaRPr sz="1400"/>
+            <a:endParaRPr dirty="0">
+              <a:solidFill>
+                <a:srgbClr val="FFFFFF"/>
+              </a:solidFill>
+            </a:endParaRPr>
           </a:p>
         </p:txBody>
       </p:sp>
       <p:sp>
         <p:nvSpPr>
           <p:cNvPr id="86" name="Google Shape;86;p15"/>
-          <p:cNvSpPr txBox="1"/>
+          <p:cNvSpPr txBox="1">
+            <a:spLocks noGrp="1"/>
+          </p:cNvSpPr>
           <p:nvPr>
-            <p:ph idx="12" type="sldNum"/>
+            <p:ph type="sldNum" idx="12"/>
           </p:nvPr>
         </p:nvSpPr>
         <p:spPr>
@@ -9408,12 +9606,12 @@
           </a:prstGeom>
         </p:spPr>
         <p:txBody>
-          <a:bodyPr anchorCtr="0" anchor="ctr" bIns="91425" lIns="91425" spcFirstLastPara="1" rIns="91425" wrap="square" tIns="91425">
+          <a:bodyPr spcFirstLastPara="1" wrap="square" lIns="91425" tIns="91425" rIns="91425" bIns="91425" anchor="ctr" anchorCtr="0">
             <a:noAutofit/>
           </a:bodyPr>
           <a:lstStyle/>
           <a:p>
-            <a:pPr indent="0" lvl="0" marL="0" rtl="0" algn="r">
+            <a:pPr marL="0" lvl="0" indent="0" algn="r" rtl="0">
               <a:spcBef>
                 <a:spcPts val="0"/>
               </a:spcBef>
@@ -9424,7 +9622,7 @@
             </a:pPr>
             <a:fld id="{00000000-1234-1234-1234-123412341234}" type="slidenum">
               <a:rPr lang="en"/>
-              <a:t>‹#›</a:t>
+              <a:t>2</a:t>
             </a:fld>
             <a:endParaRPr/>
           </a:p>
@@ -9478,12 +9676,12 @@
           </a:ln>
         </p:spPr>
         <p:txBody>
-          <a:bodyPr anchorCtr="0" anchor="t" bIns="91425" lIns="91425" spcFirstLastPara="1" rIns="91425" wrap="square" tIns="91425">
+          <a:bodyPr spcFirstLastPara="1" wrap="square" lIns="91425" tIns="91425" rIns="91425" bIns="91425" anchor="t" anchorCtr="0">
             <a:noAutofit/>
           </a:bodyPr>
           <a:lstStyle/>
           <a:p>
-            <a:pPr indent="0" lvl="0" marL="0" rtl="0" algn="just">
+            <a:pPr marL="0" lvl="0" indent="0" algn="just" rtl="0">
               <a:spcBef>
                 <a:spcPts val="0"/>
               </a:spcBef>
@@ -9493,14 +9691,14 @@
               <a:buNone/>
             </a:pPr>
             <a:r>
-              <a:rPr lang="en">
+              <a:rPr lang="en" dirty="0">
                 <a:solidFill>
                   <a:schemeClr val="lt1"/>
                 </a:solidFill>
               </a:rPr>
               <a:t>https://www.linkedin.com/in/andre-almdsantos/</a:t>
             </a:r>
-            <a:endParaRPr/>
+            <a:endParaRPr dirty="0"/>
           </a:p>
         </p:txBody>
       </p:sp>
@@ -9513,11 +9711,11 @@
 </file>
 
 <file path=ppt/slides/slide3.xml><?xml version="1.0" encoding="utf-8"?>
-<p:sld xmlns:a="http://schemas.openxmlformats.org/drawingml/2006/main" xmlns:r="http://schemas.openxmlformats.org/officeDocument/2006/relationships" xmlns:mc="http://schemas.openxmlformats.org/markup-compatibility/2006" xmlns:mv="urn:schemas-microsoft-com:mac:vml" xmlns:p="http://schemas.openxmlformats.org/presentationml/2006/main" xmlns:c="http://schemas.openxmlformats.org/drawingml/2006/chart" xmlns:dgm="http://schemas.openxmlformats.org/drawingml/2006/diagram" xmlns:o="urn:schemas-microsoft-com:office:office" xmlns:v="urn:schemas-microsoft-com:vml" xmlns:pvml="urn:schemas-microsoft-com:office:powerpoint" xmlns:com="http://schemas.openxmlformats.org/drawingml/2006/compatibility" xmlns:p14="http://schemas.microsoft.com/office/powerpoint/2010/main" xmlns:p15="http://schemas.microsoft.com/office/powerpoint/2012/main">
+<p:sld xmlns:a="http://schemas.openxmlformats.org/drawingml/2006/main" xmlns:r="http://schemas.openxmlformats.org/officeDocument/2006/relationships" xmlns:p="http://schemas.openxmlformats.org/presentationml/2006/main">
   <p:cSld>
     <p:spTree>
       <p:nvGrpSpPr>
-        <p:cNvPr id="92" name="Shape 92"/>
+        <p:cNvPr id="1" name="Shape 92"/>
         <p:cNvGrpSpPr/>
         <p:nvPr/>
       </p:nvGrpSpPr>
@@ -9532,7 +9730,9 @@
       <p:sp>
         <p:nvSpPr>
           <p:cNvPr id="93" name="Google Shape;93;p16"/>
-          <p:cNvSpPr txBox="1"/>
+          <p:cNvSpPr txBox="1">
+            <a:spLocks noGrp="1"/>
+          </p:cNvSpPr>
           <p:nvPr>
             <p:ph type="title"/>
           </p:nvPr>
@@ -9547,12 +9747,12 @@
           </a:prstGeom>
         </p:spPr>
         <p:txBody>
-          <a:bodyPr anchorCtr="0" anchor="t" bIns="91425" lIns="91425" spcFirstLastPara="1" rIns="91425" wrap="square" tIns="91425">
+          <a:bodyPr spcFirstLastPara="1" wrap="square" lIns="91425" tIns="91425" rIns="91425" bIns="91425" anchor="t" anchorCtr="0">
             <a:noAutofit/>
           </a:bodyPr>
           <a:lstStyle/>
           <a:p>
-            <a:pPr indent="0" lvl="0" marL="0" rtl="0" algn="l">
+            <a:pPr marL="0" lvl="0" indent="0" algn="l" rtl="0">
               <a:spcBef>
                 <a:spcPts val="0"/>
               </a:spcBef>
@@ -9572,9 +9772,11 @@
       <p:sp>
         <p:nvSpPr>
           <p:cNvPr id="94" name="Google Shape;94;p16"/>
-          <p:cNvSpPr txBox="1"/>
+          <p:cNvSpPr txBox="1">
+            <a:spLocks noGrp="1"/>
+          </p:cNvSpPr>
           <p:nvPr>
-            <p:ph idx="1" type="body"/>
+            <p:ph type="body" idx="1"/>
           </p:nvPr>
         </p:nvSpPr>
         <p:spPr>
@@ -9587,12 +9789,12 @@
           </a:prstGeom>
         </p:spPr>
         <p:txBody>
-          <a:bodyPr anchorCtr="0" anchor="t" bIns="91425" lIns="91425" spcFirstLastPara="1" rIns="91425" wrap="square" tIns="91425">
+          <a:bodyPr spcFirstLastPara="1" wrap="square" lIns="91425" tIns="91425" rIns="91425" bIns="91425" anchor="t" anchorCtr="0">
             <a:noAutofit/>
           </a:bodyPr>
           <a:lstStyle/>
           <a:p>
-            <a:pPr indent="-342900" lvl="0" marL="457200" rtl="0" algn="l">
+            <a:pPr marL="457200" lvl="0" indent="-342900" algn="l" rtl="0">
               <a:spcBef>
                 <a:spcPts val="0"/>
               </a:spcBef>
@@ -9603,11 +9805,11 @@
               <a:buChar char="●"/>
             </a:pPr>
             <a:r>
-              <a:rPr lang="en"/>
+              <a:rPr lang="en" dirty="0"/>
               <a:t>Python nasceu com o objetivo de ser </a:t>
             </a:r>
             <a:r>
-              <a:rPr b="1" lang="en">
+              <a:rPr lang="en" b="1" dirty="0">
                 <a:solidFill>
                   <a:srgbClr val="008F83"/>
                 </a:solidFill>
@@ -9615,11 +9817,11 @@
               <a:t>simples</a:t>
             </a:r>
             <a:r>
-              <a:rPr lang="en"/>
+              <a:rPr lang="en" dirty="0"/>
               <a:t>, </a:t>
             </a:r>
             <a:r>
-              <a:rPr b="1" lang="en">
+              <a:rPr lang="en" b="1" dirty="0">
                 <a:solidFill>
                   <a:srgbClr val="008F83"/>
                 </a:solidFill>
@@ -9627,11 +9829,11 @@
               <a:t>acessível </a:t>
             </a:r>
             <a:r>
-              <a:rPr lang="en"/>
+              <a:rPr lang="en" dirty="0"/>
               <a:t>e </a:t>
             </a:r>
             <a:r>
-              <a:rPr b="1" lang="en">
+              <a:rPr lang="en" b="1" dirty="0">
                 <a:solidFill>
                   <a:srgbClr val="008F83"/>
                 </a:solidFill>
@@ -9639,13 +9841,13 @@
               <a:t>fácil de usar</a:t>
             </a:r>
             <a:r>
-              <a:rPr lang="en"/>
+              <a:rPr lang="en" dirty="0"/>
               <a:t>:</a:t>
             </a:r>
-            <a:endParaRPr/>
-          </a:p>
-          <a:p>
-            <a:pPr indent="-330200" lvl="1" marL="914400" rtl="0" algn="l">
+            <a:endParaRPr dirty="0"/>
+          </a:p>
+          <a:p>
+            <a:pPr marL="914400" lvl="1" indent="-330200" algn="l" rtl="0">
               <a:spcBef>
                 <a:spcPts val="0"/>
               </a:spcBef>
@@ -9656,28 +9858,25 @@
               <a:buChar char="○"/>
             </a:pPr>
             <a:r>
-              <a:rPr lang="en"/>
+              <a:rPr lang="en" dirty="0"/>
               <a:t>É possível montar um programa com muito menos código;</a:t>
             </a:r>
-            <a:endParaRPr/>
-          </a:p>
-          <a:p>
-            <a:pPr indent="0" lvl="0" marL="457200" rtl="0" algn="l">
-              <a:spcBef>
-                <a:spcPts val="0"/>
-              </a:spcBef>
-              <a:spcAft>
-                <a:spcPts val="0"/>
-              </a:spcAft>
-              <a:buNone/>
-            </a:pPr>
-            <a:r>
-              <a:t/>
-            </a:r>
-            <a:endParaRPr/>
-          </a:p>
-          <a:p>
-            <a:pPr indent="-342900" lvl="0" marL="457200" rtl="0" algn="l">
+            <a:endParaRPr dirty="0"/>
+          </a:p>
+          <a:p>
+            <a:pPr marL="457200" lvl="0" indent="0" algn="l" rtl="0">
+              <a:spcBef>
+                <a:spcPts val="0"/>
+              </a:spcBef>
+              <a:spcAft>
+                <a:spcPts val="0"/>
+              </a:spcAft>
+              <a:buNone/>
+            </a:pPr>
+            <a:endParaRPr dirty="0"/>
+          </a:p>
+          <a:p>
+            <a:pPr marL="457200" lvl="0" indent="-342900" algn="l" rtl="0">
               <a:spcBef>
                 <a:spcPts val="0"/>
               </a:spcBef>
@@ -9688,7 +9887,7 @@
               <a:buChar char="●"/>
             </a:pPr>
             <a:r>
-              <a:rPr b="1" lang="en">
+              <a:rPr lang="en" b="1" dirty="0">
                 <a:solidFill>
                   <a:srgbClr val="008F83"/>
                 </a:solidFill>
@@ -9696,28 +9895,25 @@
               <a:t>Open-source</a:t>
             </a:r>
             <a:r>
-              <a:rPr lang="en"/>
+              <a:rPr lang="en" dirty="0"/>
               <a:t>;</a:t>
             </a:r>
-            <a:endParaRPr/>
-          </a:p>
-          <a:p>
-            <a:pPr indent="0" lvl="0" marL="457200" rtl="0" algn="l">
-              <a:spcBef>
-                <a:spcPts val="0"/>
-              </a:spcBef>
-              <a:spcAft>
-                <a:spcPts val="0"/>
-              </a:spcAft>
-              <a:buNone/>
-            </a:pPr>
-            <a:r>
-              <a:t/>
-            </a:r>
-            <a:endParaRPr/>
-          </a:p>
-          <a:p>
-            <a:pPr indent="-342900" lvl="0" marL="457200" rtl="0" algn="l">
+            <a:endParaRPr dirty="0"/>
+          </a:p>
+          <a:p>
+            <a:pPr marL="457200" lvl="0" indent="0" algn="l" rtl="0">
+              <a:spcBef>
+                <a:spcPts val="0"/>
+              </a:spcBef>
+              <a:spcAft>
+                <a:spcPts val="0"/>
+              </a:spcAft>
+              <a:buNone/>
+            </a:pPr>
+            <a:endParaRPr dirty="0"/>
+          </a:p>
+          <a:p>
+            <a:pPr marL="457200" lvl="0" indent="-342900" algn="l" rtl="0">
               <a:spcBef>
                 <a:spcPts val="0"/>
               </a:spcBef>
@@ -9728,11 +9924,11 @@
               <a:buChar char="●"/>
             </a:pPr>
             <a:r>
-              <a:rPr lang="en"/>
+              <a:rPr lang="en" dirty="0"/>
               <a:t>Linguagem Universal: </a:t>
             </a:r>
             <a:r>
-              <a:rPr b="1" lang="en">
+              <a:rPr lang="en" b="1" dirty="0">
                 <a:solidFill>
                   <a:srgbClr val="008F83"/>
                 </a:solidFill>
@@ -9740,28 +9936,25 @@
               <a:t>compatível </a:t>
             </a:r>
             <a:r>
-              <a:rPr lang="en"/>
+              <a:rPr lang="en" dirty="0"/>
               <a:t>com todos os sistemas operacionais;</a:t>
             </a:r>
-            <a:endParaRPr/>
-          </a:p>
-          <a:p>
-            <a:pPr indent="0" lvl="0" marL="457200" rtl="0" algn="l">
-              <a:spcBef>
-                <a:spcPts val="0"/>
-              </a:spcBef>
-              <a:spcAft>
-                <a:spcPts val="0"/>
-              </a:spcAft>
-              <a:buNone/>
-            </a:pPr>
-            <a:r>
-              <a:t/>
-            </a:r>
-            <a:endParaRPr/>
-          </a:p>
-          <a:p>
-            <a:pPr indent="-342900" lvl="0" marL="457200" rtl="0" algn="l">
+            <a:endParaRPr dirty="0"/>
+          </a:p>
+          <a:p>
+            <a:pPr marL="457200" lvl="0" indent="0" algn="l" rtl="0">
+              <a:spcBef>
+                <a:spcPts val="0"/>
+              </a:spcBef>
+              <a:spcAft>
+                <a:spcPts val="0"/>
+              </a:spcAft>
+              <a:buNone/>
+            </a:pPr>
+            <a:endParaRPr dirty="0"/>
+          </a:p>
+          <a:p>
+            <a:pPr marL="457200" lvl="0" indent="-342900" algn="l" rtl="0">
               <a:spcBef>
                 <a:spcPts val="0"/>
               </a:spcBef>
@@ -9772,11 +9965,11 @@
               <a:buChar char="●"/>
             </a:pPr>
             <a:r>
-              <a:rPr lang="en"/>
+              <a:rPr lang="en" dirty="0"/>
               <a:t>Comunidade de </a:t>
             </a:r>
             <a:r>
-              <a:rPr b="1" lang="en">
+              <a:rPr lang="en" b="1" dirty="0">
                 <a:solidFill>
                   <a:srgbClr val="008F83"/>
                 </a:solidFill>
@@ -9784,13 +9977,13 @@
               <a:t>desenvolvimento </a:t>
             </a:r>
             <a:r>
-              <a:rPr lang="en"/>
+              <a:rPr lang="en" dirty="0"/>
               <a:t>é gigantesca!</a:t>
             </a:r>
-            <a:endParaRPr/>
-          </a:p>
-          <a:p>
-            <a:pPr indent="-330200" lvl="1" marL="914400" rtl="0" algn="l">
+            <a:endParaRPr dirty="0"/>
+          </a:p>
+          <a:p>
+            <a:pPr marL="914400" lvl="1" indent="-330200" algn="l" rtl="0">
               <a:spcBef>
                 <a:spcPts val="0"/>
               </a:spcBef>
@@ -9801,19 +9994,21 @@
               <a:buChar char="○"/>
             </a:pPr>
             <a:r>
-              <a:rPr lang="en"/>
+              <a:rPr lang="en" dirty="0"/>
               <a:t>Estima-se mais de 220.000 bibliotecas de terceiros;</a:t>
             </a:r>
-            <a:endParaRPr/>
+            <a:endParaRPr dirty="0"/>
           </a:p>
         </p:txBody>
       </p:sp>
       <p:sp>
         <p:nvSpPr>
           <p:cNvPr id="95" name="Google Shape;95;p16"/>
-          <p:cNvSpPr txBox="1"/>
+          <p:cNvSpPr txBox="1">
+            <a:spLocks noGrp="1"/>
+          </p:cNvSpPr>
           <p:nvPr>
-            <p:ph idx="12" type="sldNum"/>
+            <p:ph type="sldNum" idx="12"/>
           </p:nvPr>
         </p:nvSpPr>
         <p:spPr>
@@ -9826,12 +10021,12 @@
           </a:prstGeom>
         </p:spPr>
         <p:txBody>
-          <a:bodyPr anchorCtr="0" anchor="ctr" bIns="91425" lIns="91425" spcFirstLastPara="1" rIns="91425" wrap="square" tIns="91425">
+          <a:bodyPr spcFirstLastPara="1" wrap="square" lIns="91425" tIns="91425" rIns="91425" bIns="91425" anchor="ctr" anchorCtr="0">
             <a:noAutofit/>
           </a:bodyPr>
           <a:lstStyle/>
           <a:p>
-            <a:pPr indent="0" lvl="0" marL="0" rtl="0" algn="r">
+            <a:pPr marL="0" lvl="0" indent="0" algn="r" rtl="0">
               <a:spcBef>
                 <a:spcPts val="0"/>
               </a:spcBef>
@@ -9842,7 +10037,7 @@
             </a:pPr>
             <a:fld id="{00000000-1234-1234-1234-123412341234}" type="slidenum">
               <a:rPr lang="en"/>
-              <a:t>‹#›</a:t>
+              <a:t>3</a:t>
             </a:fld>
             <a:endParaRPr/>
           </a:p>
@@ -9857,11 +10052,11 @@
 </file>
 
 <file path=ppt/slides/slide4.xml><?xml version="1.0" encoding="utf-8"?>
-<p:sld xmlns:a="http://schemas.openxmlformats.org/drawingml/2006/main" xmlns:r="http://schemas.openxmlformats.org/officeDocument/2006/relationships" xmlns:mc="http://schemas.openxmlformats.org/markup-compatibility/2006" xmlns:mv="urn:schemas-microsoft-com:mac:vml" xmlns:p="http://schemas.openxmlformats.org/presentationml/2006/main" xmlns:c="http://schemas.openxmlformats.org/drawingml/2006/chart" xmlns:dgm="http://schemas.openxmlformats.org/drawingml/2006/diagram" xmlns:o="urn:schemas-microsoft-com:office:office" xmlns:v="urn:schemas-microsoft-com:vml" xmlns:pvml="urn:schemas-microsoft-com:office:powerpoint" xmlns:com="http://schemas.openxmlformats.org/drawingml/2006/compatibility" xmlns:p14="http://schemas.microsoft.com/office/powerpoint/2010/main" xmlns:p15="http://schemas.microsoft.com/office/powerpoint/2012/main">
+<p:sld xmlns:a="http://schemas.openxmlformats.org/drawingml/2006/main" xmlns:r="http://schemas.openxmlformats.org/officeDocument/2006/relationships" xmlns:p="http://schemas.openxmlformats.org/presentationml/2006/main">
   <p:cSld>
     <p:spTree>
       <p:nvGrpSpPr>
-        <p:cNvPr id="99" name="Shape 99"/>
+        <p:cNvPr id="1" name="Shape 99"/>
         <p:cNvGrpSpPr/>
         <p:nvPr/>
       </p:nvGrpSpPr>
@@ -9876,7 +10071,9 @@
       <p:sp>
         <p:nvSpPr>
           <p:cNvPr id="100" name="Google Shape;100;p17"/>
-          <p:cNvSpPr txBox="1"/>
+          <p:cNvSpPr txBox="1">
+            <a:spLocks noGrp="1"/>
+          </p:cNvSpPr>
           <p:nvPr>
             <p:ph type="title"/>
           </p:nvPr>
@@ -9891,12 +10088,12 @@
           </a:prstGeom>
         </p:spPr>
         <p:txBody>
-          <a:bodyPr anchorCtr="0" anchor="t" bIns="91425" lIns="91425" spcFirstLastPara="1" rIns="91425" wrap="square" tIns="91425">
+          <a:bodyPr spcFirstLastPara="1" wrap="square" lIns="91425" tIns="91425" rIns="91425" bIns="91425" anchor="t" anchorCtr="0">
             <a:noAutofit/>
           </a:bodyPr>
           <a:lstStyle/>
           <a:p>
-            <a:pPr indent="0" lvl="0" marL="0" rtl="0" algn="l">
+            <a:pPr marL="0" lvl="0" indent="0" algn="l" rtl="0">
               <a:spcBef>
                 <a:spcPts val="0"/>
               </a:spcBef>
@@ -9916,9 +10113,11 @@
       <p:sp>
         <p:nvSpPr>
           <p:cNvPr id="101" name="Google Shape;101;p17"/>
-          <p:cNvSpPr txBox="1"/>
+          <p:cNvSpPr txBox="1">
+            <a:spLocks noGrp="1"/>
+          </p:cNvSpPr>
           <p:nvPr>
-            <p:ph idx="1" type="body"/>
+            <p:ph type="body" idx="1"/>
           </p:nvPr>
         </p:nvSpPr>
         <p:spPr>
@@ -9931,12 +10130,12 @@
           </a:prstGeom>
         </p:spPr>
         <p:txBody>
-          <a:bodyPr anchorCtr="0" anchor="t" bIns="91425" lIns="91425" spcFirstLastPara="1" rIns="91425" wrap="square" tIns="91425">
+          <a:bodyPr spcFirstLastPara="1" wrap="square" lIns="91425" tIns="91425" rIns="91425" bIns="91425" anchor="t" anchorCtr="0">
             <a:noAutofit/>
           </a:bodyPr>
           <a:lstStyle/>
           <a:p>
-            <a:pPr indent="-317500" lvl="0" marL="457200" rtl="0" algn="l">
+            <a:pPr marL="457200" lvl="0" indent="-317500" algn="l" rtl="0">
               <a:spcBef>
                 <a:spcPts val="0"/>
               </a:spcBef>
@@ -9953,7 +10152,7 @@
             <a:endParaRPr/>
           </a:p>
           <a:p>
-            <a:pPr indent="-330200" lvl="1" marL="914400" marR="0" rtl="0" algn="l">
+            <a:pPr marL="914400" marR="0" lvl="1" indent="-330200" algn="l" rtl="0">
               <a:lnSpc>
                 <a:spcPct val="100000"/>
               </a:lnSpc>
@@ -9973,7 +10172,7 @@
             <a:endParaRPr sz="1600"/>
           </a:p>
           <a:p>
-            <a:pPr indent="-330200" lvl="1" marL="914400" marR="0" rtl="0" algn="l">
+            <a:pPr marL="914400" marR="0" lvl="1" indent="-330200" algn="l" rtl="0">
               <a:lnSpc>
                 <a:spcPct val="100000"/>
               </a:lnSpc>
@@ -9993,7 +10192,7 @@
             <a:endParaRPr sz="1600"/>
           </a:p>
           <a:p>
-            <a:pPr indent="-330200" lvl="1" marL="914400" rtl="0" algn="l">
+            <a:pPr marL="914400" lvl="1" indent="-330200" algn="l" rtl="0">
               <a:spcBef>
                 <a:spcPts val="0"/>
               </a:spcBef>
@@ -10010,7 +10209,7 @@
             <a:endParaRPr sz="1600"/>
           </a:p>
           <a:p>
-            <a:pPr indent="-330200" lvl="1" marL="914400" marR="0" rtl="0" algn="l">
+            <a:pPr marL="914400" marR="0" lvl="1" indent="-330200" algn="l" rtl="0">
               <a:lnSpc>
                 <a:spcPct val="100000"/>
               </a:lnSpc>
@@ -10030,7 +10229,7 @@
             <a:endParaRPr sz="1600"/>
           </a:p>
           <a:p>
-            <a:pPr indent="-330200" lvl="1" marL="914400" marR="0" rtl="0" algn="l">
+            <a:pPr marL="914400" marR="0" lvl="1" indent="-330200" algn="l" rtl="0">
               <a:lnSpc>
                 <a:spcPct val="100000"/>
               </a:lnSpc>
@@ -10050,7 +10249,7 @@
             <a:endParaRPr sz="1600"/>
           </a:p>
           <a:p>
-            <a:pPr indent="-330200" lvl="1" marL="914400" marR="0" rtl="0" algn="l">
+            <a:pPr marL="914400" marR="0" lvl="1" indent="-330200" algn="l" rtl="0">
               <a:lnSpc>
                 <a:spcPct val="100000"/>
               </a:lnSpc>
@@ -10070,7 +10269,7 @@
             <a:endParaRPr sz="1600"/>
           </a:p>
           <a:p>
-            <a:pPr indent="-330200" lvl="1" marL="914400" marR="0" rtl="0" algn="l">
+            <a:pPr marL="914400" marR="0" lvl="1" indent="-330200" algn="l" rtl="0">
               <a:lnSpc>
                 <a:spcPct val="100000"/>
               </a:lnSpc>
@@ -10094,9 +10293,11 @@
       <p:sp>
         <p:nvSpPr>
           <p:cNvPr id="102" name="Google Shape;102;p17"/>
-          <p:cNvSpPr txBox="1"/>
+          <p:cNvSpPr txBox="1">
+            <a:spLocks noGrp="1"/>
+          </p:cNvSpPr>
           <p:nvPr>
-            <p:ph idx="12" type="sldNum"/>
+            <p:ph type="sldNum" idx="12"/>
           </p:nvPr>
         </p:nvSpPr>
         <p:spPr>
@@ -10109,12 +10310,12 @@
           </a:prstGeom>
         </p:spPr>
         <p:txBody>
-          <a:bodyPr anchorCtr="0" anchor="ctr" bIns="91425" lIns="91425" spcFirstLastPara="1" rIns="91425" wrap="square" tIns="91425">
+          <a:bodyPr spcFirstLastPara="1" wrap="square" lIns="91425" tIns="91425" rIns="91425" bIns="91425" anchor="ctr" anchorCtr="0">
             <a:noAutofit/>
           </a:bodyPr>
           <a:lstStyle/>
           <a:p>
-            <a:pPr indent="0" lvl="0" marL="0" rtl="0" algn="r">
+            <a:pPr marL="0" lvl="0" indent="0" algn="r" rtl="0">
               <a:spcBef>
                 <a:spcPts val="0"/>
               </a:spcBef>
@@ -10125,7 +10326,7 @@
             </a:pPr>
             <a:fld id="{00000000-1234-1234-1234-123412341234}" type="slidenum">
               <a:rPr lang="en"/>
-              <a:t>‹#›</a:t>
+              <a:t>4</a:t>
             </a:fld>
             <a:endParaRPr/>
           </a:p>
@@ -10134,9 +10335,11 @@
       <p:sp>
         <p:nvSpPr>
           <p:cNvPr id="103" name="Google Shape;103;p17"/>
-          <p:cNvSpPr txBox="1"/>
+          <p:cNvSpPr txBox="1">
+            <a:spLocks noGrp="1"/>
+          </p:cNvSpPr>
           <p:nvPr>
-            <p:ph idx="2" type="body"/>
+            <p:ph type="body" idx="2"/>
           </p:nvPr>
         </p:nvSpPr>
         <p:spPr>
@@ -10149,12 +10352,12 @@
           </a:prstGeom>
         </p:spPr>
         <p:txBody>
-          <a:bodyPr anchorCtr="0" anchor="t" bIns="91425" lIns="91425" spcFirstLastPara="1" rIns="91425" wrap="square" tIns="91425">
+          <a:bodyPr spcFirstLastPara="1" wrap="square" lIns="91425" tIns="91425" rIns="91425" bIns="91425" anchor="t" anchorCtr="0">
             <a:noAutofit/>
           </a:bodyPr>
           <a:lstStyle/>
           <a:p>
-            <a:pPr indent="-342900" lvl="0" marL="457200" rtl="0" algn="l">
+            <a:pPr marL="457200" lvl="0" indent="-342900" algn="l" rtl="0">
               <a:spcBef>
                 <a:spcPts val="0"/>
               </a:spcBef>
@@ -10171,7 +10374,7 @@
             <a:endParaRPr sz="1800"/>
           </a:p>
           <a:p>
-            <a:pPr indent="-330200" lvl="1" marL="914400" rtl="0" algn="l">
+            <a:pPr marL="914400" lvl="1" indent="-330200" algn="l" rtl="0">
               <a:spcBef>
                 <a:spcPts val="0"/>
               </a:spcBef>
@@ -10188,7 +10391,7 @@
             <a:endParaRPr sz="1600"/>
           </a:p>
           <a:p>
-            <a:pPr indent="-330200" lvl="1" marL="914400" rtl="0" algn="l">
+            <a:pPr marL="914400" lvl="1" indent="-330200" algn="l" rtl="0">
               <a:spcBef>
                 <a:spcPts val="0"/>
               </a:spcBef>
@@ -10205,7 +10408,7 @@
             <a:endParaRPr sz="1600"/>
           </a:p>
           <a:p>
-            <a:pPr indent="-330200" lvl="1" marL="914400" rtl="0" algn="l">
+            <a:pPr marL="914400" lvl="1" indent="-330200" algn="l" rtl="0">
               <a:spcBef>
                 <a:spcPts val="0"/>
               </a:spcBef>
@@ -10222,7 +10425,7 @@
             <a:endParaRPr sz="1600"/>
           </a:p>
           <a:p>
-            <a:pPr indent="-330200" lvl="1" marL="914400" rtl="0" algn="l">
+            <a:pPr marL="914400" lvl="1" indent="-330200" algn="l" rtl="0">
               <a:spcBef>
                 <a:spcPts val="0"/>
               </a:spcBef>
@@ -10239,7 +10442,7 @@
             <a:endParaRPr sz="1600"/>
           </a:p>
           <a:p>
-            <a:pPr indent="-330200" lvl="1" marL="914400" rtl="0" algn="l">
+            <a:pPr marL="914400" lvl="1" indent="-330200" algn="l" rtl="0">
               <a:spcBef>
                 <a:spcPts val="0"/>
               </a:spcBef>
@@ -10256,7 +10459,7 @@
             <a:endParaRPr sz="1600"/>
           </a:p>
           <a:p>
-            <a:pPr indent="-330200" lvl="1" marL="914400" rtl="0" algn="l">
+            <a:pPr marL="914400" lvl="1" indent="-330200" algn="l" rtl="0">
               <a:spcBef>
                 <a:spcPts val="0"/>
               </a:spcBef>
@@ -10283,11 +10486,11 @@
 </file>
 
 <file path=ppt/slides/slide5.xml><?xml version="1.0" encoding="utf-8"?>
-<p:sld xmlns:a="http://schemas.openxmlformats.org/drawingml/2006/main" xmlns:r="http://schemas.openxmlformats.org/officeDocument/2006/relationships" xmlns:mc="http://schemas.openxmlformats.org/markup-compatibility/2006" xmlns:mv="urn:schemas-microsoft-com:mac:vml" xmlns:p="http://schemas.openxmlformats.org/presentationml/2006/main" xmlns:c="http://schemas.openxmlformats.org/drawingml/2006/chart" xmlns:dgm="http://schemas.openxmlformats.org/drawingml/2006/diagram" xmlns:o="urn:schemas-microsoft-com:office:office" xmlns:v="urn:schemas-microsoft-com:vml" xmlns:pvml="urn:schemas-microsoft-com:office:powerpoint" xmlns:com="http://schemas.openxmlformats.org/drawingml/2006/compatibility" xmlns:p14="http://schemas.microsoft.com/office/powerpoint/2010/main" xmlns:p15="http://schemas.microsoft.com/office/powerpoint/2012/main">
+<p:sld xmlns:a="http://schemas.openxmlformats.org/drawingml/2006/main" xmlns:r="http://schemas.openxmlformats.org/officeDocument/2006/relationships" xmlns:p="http://schemas.openxmlformats.org/presentationml/2006/main">
   <p:cSld>
     <p:spTree>
       <p:nvGrpSpPr>
-        <p:cNvPr id="107" name="Shape 107"/>
+        <p:cNvPr id="1" name="Shape 107"/>
         <p:cNvGrpSpPr/>
         <p:nvPr/>
       </p:nvGrpSpPr>
@@ -10302,7 +10505,9 @@
       <p:sp>
         <p:nvSpPr>
           <p:cNvPr id="108" name="Google Shape;108;p18"/>
-          <p:cNvSpPr txBox="1"/>
+          <p:cNvSpPr txBox="1">
+            <a:spLocks noGrp="1"/>
+          </p:cNvSpPr>
           <p:nvPr>
             <p:ph type="title"/>
           </p:nvPr>
@@ -10317,12 +10522,12 @@
           </a:prstGeom>
         </p:spPr>
         <p:txBody>
-          <a:bodyPr anchorCtr="0" anchor="t" bIns="91425" lIns="91425" spcFirstLastPara="1" rIns="91425" wrap="square" tIns="91425">
+          <a:bodyPr spcFirstLastPara="1" wrap="square" lIns="91425" tIns="91425" rIns="91425" bIns="91425" anchor="t" anchorCtr="0">
             <a:noAutofit/>
           </a:bodyPr>
           <a:lstStyle/>
           <a:p>
-            <a:pPr indent="0" lvl="0" marL="0" rtl="0" algn="l">
+            <a:pPr marL="0" lvl="0" indent="0" algn="l" rtl="0">
               <a:spcBef>
                 <a:spcPts val="0"/>
               </a:spcBef>
@@ -10342,9 +10547,11 @@
       <p:sp>
         <p:nvSpPr>
           <p:cNvPr id="109" name="Google Shape;109;p18"/>
-          <p:cNvSpPr txBox="1"/>
+          <p:cNvSpPr txBox="1">
+            <a:spLocks noGrp="1"/>
+          </p:cNvSpPr>
           <p:nvPr>
-            <p:ph idx="1" type="body"/>
+            <p:ph type="body" idx="1"/>
           </p:nvPr>
         </p:nvSpPr>
         <p:spPr>
@@ -10357,12 +10564,12 @@
           </a:prstGeom>
         </p:spPr>
         <p:txBody>
-          <a:bodyPr anchorCtr="0" anchor="t" bIns="91425" lIns="91425" spcFirstLastPara="1" rIns="91425" wrap="square" tIns="91425">
+          <a:bodyPr spcFirstLastPara="1" wrap="square" lIns="91425" tIns="91425" rIns="91425" bIns="91425" anchor="t" anchorCtr="0">
             <a:noAutofit/>
           </a:bodyPr>
           <a:lstStyle/>
           <a:p>
-            <a:pPr indent="-342900" lvl="0" marL="457200" rtl="0" algn="l">
+            <a:pPr marL="457200" lvl="0" indent="-342900" algn="l" rtl="0">
               <a:lnSpc>
                 <a:spcPct val="100000"/>
               </a:lnSpc>
@@ -10380,7 +10587,7 @@
               <a:t>Plataforma para </a:t>
             </a:r>
             <a:r>
-              <a:rPr b="1" lang="en">
+              <a:rPr lang="en" b="1">
                 <a:solidFill>
                   <a:srgbClr val="008F83"/>
                 </a:solidFill>
@@ -10394,7 +10601,7 @@
             <a:endParaRPr/>
           </a:p>
           <a:p>
-            <a:pPr indent="0" lvl="0" marL="457200" rtl="0" algn="l">
+            <a:pPr marL="457200" lvl="0" indent="0" algn="l" rtl="0">
               <a:lnSpc>
                 <a:spcPct val="100000"/>
               </a:lnSpc>
@@ -10406,13 +10613,10 @@
               </a:spcAft>
               <a:buNone/>
             </a:pPr>
-            <a:r>
-              <a:t/>
-            </a:r>
             <a:endParaRPr/>
           </a:p>
           <a:p>
-            <a:pPr indent="0" lvl="0" marL="457200" rtl="0" algn="l">
+            <a:pPr marL="457200" lvl="0" indent="0" algn="l" rtl="0">
               <a:lnSpc>
                 <a:spcPct val="100000"/>
               </a:lnSpc>
@@ -10424,13 +10628,10 @@
               </a:spcAft>
               <a:buNone/>
             </a:pPr>
-            <a:r>
-              <a:t/>
-            </a:r>
             <a:endParaRPr/>
           </a:p>
           <a:p>
-            <a:pPr indent="-342900" lvl="0" marL="457200" rtl="0" algn="l">
+            <a:pPr marL="457200" lvl="0" indent="-342900" algn="l" rtl="0">
               <a:lnSpc>
                 <a:spcPct val="100000"/>
               </a:lnSpc>
@@ -10444,7 +10645,7 @@
               <a:buChar char="●"/>
             </a:pPr>
             <a:r>
-              <a:rPr b="1" lang="en">
+              <a:rPr lang="en" b="1">
                 <a:solidFill>
                   <a:srgbClr val="008F83"/>
                 </a:solidFill>
@@ -10458,7 +10659,7 @@
             <a:endParaRPr/>
           </a:p>
           <a:p>
-            <a:pPr indent="0" lvl="0" marL="457200" rtl="0" algn="l">
+            <a:pPr marL="457200" lvl="0" indent="0" algn="l" rtl="0">
               <a:lnSpc>
                 <a:spcPct val="100000"/>
               </a:lnSpc>
@@ -10470,13 +10671,10 @@
               </a:spcAft>
               <a:buNone/>
             </a:pPr>
-            <a:r>
-              <a:t/>
-            </a:r>
             <a:endParaRPr/>
           </a:p>
           <a:p>
-            <a:pPr indent="0" lvl="0" marL="457200" rtl="0" algn="l">
+            <a:pPr marL="457200" lvl="0" indent="0" algn="l" rtl="0">
               <a:lnSpc>
                 <a:spcPct val="100000"/>
               </a:lnSpc>
@@ -10488,13 +10686,10 @@
               </a:spcAft>
               <a:buNone/>
             </a:pPr>
-            <a:r>
-              <a:t/>
-            </a:r>
             <a:endParaRPr/>
           </a:p>
           <a:p>
-            <a:pPr indent="-342900" lvl="0" marL="457200" rtl="0" algn="l">
+            <a:pPr marL="457200" lvl="0" indent="-342900" algn="l" rtl="0">
               <a:lnSpc>
                 <a:spcPct val="100000"/>
               </a:lnSpc>
@@ -10512,7 +10707,7 @@
               <a:t>Já vem com várias </a:t>
             </a:r>
             <a:r>
-              <a:rPr b="1" lang="en">
+              <a:rPr lang="en" b="1">
                 <a:solidFill>
                   <a:srgbClr val="008F83"/>
                 </a:solidFill>
@@ -10526,7 +10721,7 @@
             <a:endParaRPr/>
           </a:p>
           <a:p>
-            <a:pPr indent="0" lvl="0" marL="457200" rtl="0" algn="l">
+            <a:pPr marL="457200" lvl="0" indent="0" algn="l" rtl="0">
               <a:lnSpc>
                 <a:spcPct val="100000"/>
               </a:lnSpc>
@@ -10538,13 +10733,10 @@
               </a:spcAft>
               <a:buNone/>
             </a:pPr>
-            <a:r>
-              <a:t/>
-            </a:r>
             <a:endParaRPr/>
           </a:p>
           <a:p>
-            <a:pPr indent="0" lvl="0" marL="457200" rtl="0" algn="l">
+            <a:pPr marL="457200" lvl="0" indent="0" algn="l" rtl="0">
               <a:lnSpc>
                 <a:spcPct val="100000"/>
               </a:lnSpc>
@@ -10556,13 +10748,10 @@
               </a:spcAft>
               <a:buNone/>
             </a:pPr>
-            <a:r>
-              <a:t/>
-            </a:r>
             <a:endParaRPr/>
           </a:p>
           <a:p>
-            <a:pPr indent="-342900" lvl="0" marL="457200" rtl="0" algn="l">
+            <a:pPr marL="457200" lvl="0" indent="-342900" algn="l" rtl="0">
               <a:lnSpc>
                 <a:spcPct val="100000"/>
               </a:lnSpc>
@@ -10576,7 +10765,7 @@
               <a:buChar char="●"/>
             </a:pPr>
             <a:r>
-              <a:rPr b="1" lang="en">
+              <a:rPr lang="en" b="1">
                 <a:solidFill>
                   <a:srgbClr val="008F83"/>
                 </a:solidFill>
@@ -10622,9 +10811,11 @@
       <p:sp>
         <p:nvSpPr>
           <p:cNvPr id="111" name="Google Shape;111;p18"/>
-          <p:cNvSpPr txBox="1"/>
+          <p:cNvSpPr txBox="1">
+            <a:spLocks noGrp="1"/>
+          </p:cNvSpPr>
           <p:nvPr>
-            <p:ph idx="12" type="sldNum"/>
+            <p:ph type="sldNum" idx="12"/>
           </p:nvPr>
         </p:nvSpPr>
         <p:spPr>
@@ -10637,12 +10828,12 @@
           </a:prstGeom>
         </p:spPr>
         <p:txBody>
-          <a:bodyPr anchorCtr="0" anchor="ctr" bIns="91425" lIns="91425" spcFirstLastPara="1" rIns="91425" wrap="square" tIns="91425">
+          <a:bodyPr spcFirstLastPara="1" wrap="square" lIns="91425" tIns="91425" rIns="91425" bIns="91425" anchor="ctr" anchorCtr="0">
             <a:noAutofit/>
           </a:bodyPr>
           <a:lstStyle/>
           <a:p>
-            <a:pPr indent="0" lvl="0" marL="0" rtl="0" algn="r">
+            <a:pPr marL="0" lvl="0" indent="0" algn="r" rtl="0">
               <a:spcBef>
                 <a:spcPts val="0"/>
               </a:spcBef>
@@ -10653,7 +10844,7 @@
             </a:pPr>
             <a:fld id="{00000000-1234-1234-1234-123412341234}" type="slidenum">
               <a:rPr lang="en"/>
-              <a:t>‹#›</a:t>
+              <a:t>5</a:t>
             </a:fld>
             <a:endParaRPr/>
           </a:p>
@@ -10668,11 +10859,11 @@
 </file>
 
 <file path=ppt/slides/slide6.xml><?xml version="1.0" encoding="utf-8"?>
-<p:sld xmlns:a="http://schemas.openxmlformats.org/drawingml/2006/main" xmlns:r="http://schemas.openxmlformats.org/officeDocument/2006/relationships" xmlns:mc="http://schemas.openxmlformats.org/markup-compatibility/2006" xmlns:mv="urn:schemas-microsoft-com:mac:vml" xmlns:p="http://schemas.openxmlformats.org/presentationml/2006/main" xmlns:c="http://schemas.openxmlformats.org/drawingml/2006/chart" xmlns:dgm="http://schemas.openxmlformats.org/drawingml/2006/diagram" xmlns:o="urn:schemas-microsoft-com:office:office" xmlns:v="urn:schemas-microsoft-com:vml" xmlns:pvml="urn:schemas-microsoft-com:office:powerpoint" xmlns:com="http://schemas.openxmlformats.org/drawingml/2006/compatibility" xmlns:p14="http://schemas.microsoft.com/office/powerpoint/2010/main" xmlns:p15="http://schemas.microsoft.com/office/powerpoint/2012/main">
+<p:sld xmlns:a="http://schemas.openxmlformats.org/drawingml/2006/main" xmlns:r="http://schemas.openxmlformats.org/officeDocument/2006/relationships" xmlns:p="http://schemas.openxmlformats.org/presentationml/2006/main">
   <p:cSld>
     <p:spTree>
       <p:nvGrpSpPr>
-        <p:cNvPr id="115" name="Shape 115"/>
+        <p:cNvPr id="1" name="Shape 115"/>
         <p:cNvGrpSpPr/>
         <p:nvPr/>
       </p:nvGrpSpPr>
@@ -10687,7 +10878,9 @@
       <p:sp>
         <p:nvSpPr>
           <p:cNvPr id="116" name="Google Shape;116;p19"/>
-          <p:cNvSpPr txBox="1"/>
+          <p:cNvSpPr txBox="1">
+            <a:spLocks noGrp="1"/>
+          </p:cNvSpPr>
           <p:nvPr>
             <p:ph type="title"/>
           </p:nvPr>
@@ -10702,12 +10895,12 @@
           </a:prstGeom>
         </p:spPr>
         <p:txBody>
-          <a:bodyPr anchorCtr="0" anchor="t" bIns="91425" lIns="91425" spcFirstLastPara="1" rIns="91425" wrap="square" tIns="91425">
+          <a:bodyPr spcFirstLastPara="1" wrap="square" lIns="91425" tIns="91425" rIns="91425" bIns="91425" anchor="t" anchorCtr="0">
             <a:noAutofit/>
           </a:bodyPr>
           <a:lstStyle/>
           <a:p>
-            <a:pPr indent="0" lvl="0" marL="0" rtl="0" algn="l">
+            <a:pPr marL="0" lvl="0" indent="0" algn="l" rtl="0">
               <a:spcBef>
                 <a:spcPts val="0"/>
               </a:spcBef>
@@ -10727,9 +10920,11 @@
       <p:sp>
         <p:nvSpPr>
           <p:cNvPr id="117" name="Google Shape;117;p19"/>
-          <p:cNvSpPr txBox="1"/>
+          <p:cNvSpPr txBox="1">
+            <a:spLocks noGrp="1"/>
+          </p:cNvSpPr>
           <p:nvPr>
-            <p:ph idx="1" type="body"/>
+            <p:ph type="body" idx="1"/>
           </p:nvPr>
         </p:nvSpPr>
         <p:spPr>
@@ -10742,12 +10937,12 @@
           </a:prstGeom>
         </p:spPr>
         <p:txBody>
-          <a:bodyPr anchorCtr="0" anchor="t" bIns="91425" lIns="91425" spcFirstLastPara="1" rIns="91425" wrap="square" tIns="91425">
+          <a:bodyPr spcFirstLastPara="1" wrap="square" lIns="91425" tIns="91425" rIns="91425" bIns="91425" anchor="t" anchorCtr="0">
             <a:noAutofit/>
           </a:bodyPr>
           <a:lstStyle/>
           <a:p>
-            <a:pPr indent="-342900" lvl="0" marL="457200" marR="0" rtl="0" algn="l">
+            <a:pPr marL="457200" marR="0" lvl="0" indent="-342900" algn="l" rtl="0">
               <a:lnSpc>
                 <a:spcPct val="100000"/>
               </a:lnSpc>
@@ -10765,7 +10960,7 @@
               <a:t>Um ambiente virtual é uma instalação </a:t>
             </a:r>
             <a:r>
-              <a:rPr b="1" lang="en">
+              <a:rPr lang="en" b="1">
                 <a:solidFill>
                   <a:srgbClr val="008F83"/>
                 </a:solidFill>
@@ -10777,7 +10972,7 @@
               <a:t> feita inteiramente em um </a:t>
             </a:r>
             <a:r>
-              <a:rPr b="1" lang="en">
+              <a:rPr lang="en" b="1">
                 <a:solidFill>
                   <a:srgbClr val="008F83"/>
                 </a:solidFill>
@@ -10791,7 +10986,7 @@
             <a:endParaRPr/>
           </a:p>
           <a:p>
-            <a:pPr indent="0" lvl="0" marL="457200" marR="0" rtl="0" algn="l">
+            <a:pPr marL="457200" marR="0" lvl="0" indent="0" algn="l" rtl="0">
               <a:lnSpc>
                 <a:spcPct val="100000"/>
               </a:lnSpc>
@@ -10803,13 +10998,10 @@
               </a:spcAft>
               <a:buNone/>
             </a:pPr>
-            <a:r>
-              <a:t/>
-            </a:r>
             <a:endParaRPr/>
           </a:p>
           <a:p>
-            <a:pPr indent="0" lvl="0" marL="457200" marR="0" rtl="0" algn="l">
+            <a:pPr marL="457200" marR="0" lvl="0" indent="0" algn="l" rtl="0">
               <a:lnSpc>
                 <a:spcPct val="100000"/>
               </a:lnSpc>
@@ -10821,13 +11013,10 @@
               </a:spcAft>
               <a:buNone/>
             </a:pPr>
-            <a:r>
-              <a:t/>
-            </a:r>
             <a:endParaRPr/>
           </a:p>
           <a:p>
-            <a:pPr indent="-342900" lvl="0" marL="457200" marR="0" rtl="0" algn="l">
+            <a:pPr marL="457200" marR="0" lvl="0" indent="-342900" algn="l" rtl="0">
               <a:lnSpc>
                 <a:spcPct val="100000"/>
               </a:lnSpc>
@@ -10845,7 +11034,7 @@
               <a:t>Ótima prática para quando desenvolvemos </a:t>
             </a:r>
             <a:r>
-              <a:rPr b="1" lang="en">
+              <a:rPr lang="en" b="1">
                 <a:solidFill>
                   <a:srgbClr val="008F83"/>
                 </a:solidFill>
@@ -10859,7 +11048,7 @@
             <a:endParaRPr/>
           </a:p>
           <a:p>
-            <a:pPr indent="0" lvl="0" marL="457200" marR="0" rtl="0" algn="l">
+            <a:pPr marL="457200" marR="0" lvl="0" indent="0" algn="l" rtl="0">
               <a:lnSpc>
                 <a:spcPct val="100000"/>
               </a:lnSpc>
@@ -10871,13 +11060,10 @@
               </a:spcAft>
               <a:buNone/>
             </a:pPr>
-            <a:r>
-              <a:t/>
-            </a:r>
             <a:endParaRPr/>
           </a:p>
           <a:p>
-            <a:pPr indent="0" lvl="0" marL="457200" marR="0" rtl="0" algn="l">
+            <a:pPr marL="457200" marR="0" lvl="0" indent="0" algn="l" rtl="0">
               <a:lnSpc>
                 <a:spcPct val="100000"/>
               </a:lnSpc>
@@ -10889,13 +11075,10 @@
               </a:spcAft>
               <a:buNone/>
             </a:pPr>
-            <a:r>
-              <a:t/>
-            </a:r>
             <a:endParaRPr/>
           </a:p>
           <a:p>
-            <a:pPr indent="-342900" lvl="0" marL="457200" marR="0" rtl="0" algn="l">
+            <a:pPr marL="457200" marR="0" lvl="0" indent="-342900" algn="l" rtl="0">
               <a:lnSpc>
                 <a:spcPct val="100000"/>
               </a:lnSpc>
@@ -10913,7 +11096,7 @@
               <a:t>Ajuda a evitar inconvenientes como versões de pacotes </a:t>
             </a:r>
             <a:r>
-              <a:rPr b="1" lang="en">
+              <a:rPr lang="en" b="1">
                 <a:solidFill>
                   <a:srgbClr val="008F83"/>
                 </a:solidFill>
@@ -10922,11 +11105,7 @@
             </a:r>
             <a:r>
               <a:rPr lang="en"/>
-              <a:t> ou diferentes para cada projeto.</a:t>
-            </a:r>
-            <a:r>
-              <a:rPr lang="en"/>
-              <a:t>  </a:t>
+              <a:t> ou diferentes para cada projeto.  </a:t>
             </a:r>
             <a:endParaRPr/>
           </a:p>
@@ -10963,9 +11142,11 @@
       <p:sp>
         <p:nvSpPr>
           <p:cNvPr id="119" name="Google Shape;119;p19"/>
-          <p:cNvSpPr txBox="1"/>
+          <p:cNvSpPr txBox="1">
+            <a:spLocks noGrp="1"/>
+          </p:cNvSpPr>
           <p:nvPr>
-            <p:ph idx="12" type="sldNum"/>
+            <p:ph type="sldNum" idx="12"/>
           </p:nvPr>
         </p:nvSpPr>
         <p:spPr>
@@ -10978,12 +11159,12 @@
           </a:prstGeom>
         </p:spPr>
         <p:txBody>
-          <a:bodyPr anchorCtr="0" anchor="ctr" bIns="91425" lIns="91425" spcFirstLastPara="1" rIns="91425" wrap="square" tIns="91425">
+          <a:bodyPr spcFirstLastPara="1" wrap="square" lIns="91425" tIns="91425" rIns="91425" bIns="91425" anchor="ctr" anchorCtr="0">
             <a:noAutofit/>
           </a:bodyPr>
           <a:lstStyle/>
           <a:p>
-            <a:pPr indent="0" lvl="0" marL="0" rtl="0" algn="r">
+            <a:pPr marL="0" lvl="0" indent="0" algn="r" rtl="0">
               <a:spcBef>
                 <a:spcPts val="0"/>
               </a:spcBef>
@@ -10994,7 +11175,7 @@
             </a:pPr>
             <a:fld id="{00000000-1234-1234-1234-123412341234}" type="slidenum">
               <a:rPr lang="en"/>
-              <a:t>‹#›</a:t>
+              <a:t>6</a:t>
             </a:fld>
             <a:endParaRPr/>
           </a:p>
@@ -11009,11 +11190,11 @@
 </file>
 
 <file path=ppt/slides/slide7.xml><?xml version="1.0" encoding="utf-8"?>
-<p:sld xmlns:a="http://schemas.openxmlformats.org/drawingml/2006/main" xmlns:r="http://schemas.openxmlformats.org/officeDocument/2006/relationships" xmlns:mc="http://schemas.openxmlformats.org/markup-compatibility/2006" xmlns:mv="urn:schemas-microsoft-com:mac:vml" xmlns:p="http://schemas.openxmlformats.org/presentationml/2006/main" xmlns:c="http://schemas.openxmlformats.org/drawingml/2006/chart" xmlns:dgm="http://schemas.openxmlformats.org/drawingml/2006/diagram" xmlns:o="urn:schemas-microsoft-com:office:office" xmlns:v="urn:schemas-microsoft-com:vml" xmlns:pvml="urn:schemas-microsoft-com:office:powerpoint" xmlns:com="http://schemas.openxmlformats.org/drawingml/2006/compatibility" xmlns:p14="http://schemas.microsoft.com/office/powerpoint/2010/main" xmlns:p15="http://schemas.microsoft.com/office/powerpoint/2012/main">
+<p:sld xmlns:a="http://schemas.openxmlformats.org/drawingml/2006/main" xmlns:r="http://schemas.openxmlformats.org/officeDocument/2006/relationships" xmlns:p="http://schemas.openxmlformats.org/presentationml/2006/main">
   <p:cSld>
     <p:spTree>
       <p:nvGrpSpPr>
-        <p:cNvPr id="123" name="Shape 123"/>
+        <p:cNvPr id="1" name="Shape 123"/>
         <p:cNvGrpSpPr/>
         <p:nvPr/>
       </p:nvGrpSpPr>
@@ -11028,7 +11209,9 @@
       <p:sp>
         <p:nvSpPr>
           <p:cNvPr id="124" name="Google Shape;124;p20"/>
-          <p:cNvSpPr txBox="1"/>
+          <p:cNvSpPr txBox="1">
+            <a:spLocks noGrp="1"/>
+          </p:cNvSpPr>
           <p:nvPr>
             <p:ph type="title"/>
           </p:nvPr>
@@ -11043,12 +11226,12 @@
           </a:prstGeom>
         </p:spPr>
         <p:txBody>
-          <a:bodyPr anchorCtr="0" anchor="t" bIns="91425" lIns="91425" spcFirstLastPara="1" rIns="91425" wrap="square" tIns="91425">
+          <a:bodyPr spcFirstLastPara="1" wrap="square" lIns="91425" tIns="91425" rIns="91425" bIns="91425" anchor="t" anchorCtr="0">
             <a:noAutofit/>
           </a:bodyPr>
           <a:lstStyle/>
           <a:p>
-            <a:pPr indent="0" lvl="0" marL="0" rtl="0" algn="l">
+            <a:pPr marL="0" lvl="0" indent="0" algn="l" rtl="0">
               <a:spcBef>
                 <a:spcPts val="0"/>
               </a:spcBef>
@@ -11068,9 +11251,11 @@
       <p:sp>
         <p:nvSpPr>
           <p:cNvPr id="125" name="Google Shape;125;p20"/>
-          <p:cNvSpPr txBox="1"/>
+          <p:cNvSpPr txBox="1">
+            <a:spLocks noGrp="1"/>
+          </p:cNvSpPr>
           <p:nvPr>
-            <p:ph idx="1" type="body"/>
+            <p:ph type="body" idx="1"/>
           </p:nvPr>
         </p:nvSpPr>
         <p:spPr>
@@ -11083,12 +11268,12 @@
           </a:prstGeom>
         </p:spPr>
         <p:txBody>
-          <a:bodyPr anchorCtr="0" anchor="t" bIns="91425" lIns="91425" spcFirstLastPara="1" rIns="91425" wrap="square" tIns="91425">
+          <a:bodyPr spcFirstLastPara="1" wrap="square" lIns="91425" tIns="91425" rIns="91425" bIns="91425" anchor="t" anchorCtr="0">
             <a:noAutofit/>
           </a:bodyPr>
           <a:lstStyle/>
           <a:p>
-            <a:pPr indent="-342900" lvl="0" marL="457200" rtl="0" algn="l">
+            <a:pPr marL="457200" lvl="0" indent="-342900" algn="l" rtl="0">
               <a:spcBef>
                 <a:spcPts val="0"/>
               </a:spcBef>
@@ -11103,7 +11288,7 @@
               <a:t>Biblioteca Open-Source feita especialmente para </a:t>
             </a:r>
             <a:r>
-              <a:rPr b="1" lang="en">
+              <a:rPr lang="en" b="1">
                 <a:solidFill>
                   <a:srgbClr val="008F83"/>
                 </a:solidFill>
@@ -11117,37 +11302,31 @@
             <a:endParaRPr/>
           </a:p>
           <a:p>
-            <a:pPr indent="0" lvl="0" marL="457200" rtl="0" algn="l">
-              <a:spcBef>
-                <a:spcPts val="0"/>
-              </a:spcBef>
-              <a:spcAft>
-                <a:spcPts val="0"/>
-              </a:spcAft>
-              <a:buNone/>
-            </a:pPr>
-            <a:r>
-              <a:t/>
-            </a:r>
+            <a:pPr marL="457200" lvl="0" indent="0" algn="l" rtl="0">
+              <a:spcBef>
+                <a:spcPts val="0"/>
+              </a:spcBef>
+              <a:spcAft>
+                <a:spcPts val="0"/>
+              </a:spcAft>
+              <a:buNone/>
+            </a:pPr>
             <a:endParaRPr/>
           </a:p>
           <a:p>
-            <a:pPr indent="0" lvl="0" marL="457200" rtl="0" algn="l">
-              <a:spcBef>
-                <a:spcPts val="0"/>
-              </a:spcBef>
-              <a:spcAft>
-                <a:spcPts val="0"/>
-              </a:spcAft>
-              <a:buNone/>
-            </a:pPr>
-            <a:r>
-              <a:t/>
-            </a:r>
+            <a:pPr marL="457200" lvl="0" indent="0" algn="l" rtl="0">
+              <a:spcBef>
+                <a:spcPts val="0"/>
+              </a:spcBef>
+              <a:spcAft>
+                <a:spcPts val="0"/>
+              </a:spcAft>
+              <a:buNone/>
+            </a:pPr>
             <a:endParaRPr/>
           </a:p>
           <a:p>
-            <a:pPr indent="-342900" lvl="0" marL="457200" rtl="0" algn="l">
+            <a:pPr marL="457200" lvl="0" indent="-342900" algn="l" rtl="0">
               <a:spcBef>
                 <a:spcPts val="0"/>
               </a:spcBef>
@@ -11162,7 +11341,7 @@
               <a:t>Possui estruturas </a:t>
             </a:r>
             <a:r>
-              <a:rPr b="1" lang="en">
+              <a:rPr lang="en" b="1">
                 <a:solidFill>
                   <a:srgbClr val="008F83"/>
                 </a:solidFill>
@@ -11176,37 +11355,31 @@
             <a:endParaRPr/>
           </a:p>
           <a:p>
-            <a:pPr indent="0" lvl="0" marL="457200" rtl="0" algn="l">
-              <a:spcBef>
-                <a:spcPts val="0"/>
-              </a:spcBef>
-              <a:spcAft>
-                <a:spcPts val="0"/>
-              </a:spcAft>
-              <a:buNone/>
-            </a:pPr>
-            <a:r>
-              <a:t/>
-            </a:r>
+            <a:pPr marL="457200" lvl="0" indent="0" algn="l" rtl="0">
+              <a:spcBef>
+                <a:spcPts val="0"/>
+              </a:spcBef>
+              <a:spcAft>
+                <a:spcPts val="0"/>
+              </a:spcAft>
+              <a:buNone/>
+            </a:pPr>
             <a:endParaRPr/>
           </a:p>
           <a:p>
-            <a:pPr indent="0" lvl="0" marL="457200" rtl="0" algn="l">
-              <a:spcBef>
-                <a:spcPts val="0"/>
-              </a:spcBef>
-              <a:spcAft>
-                <a:spcPts val="0"/>
-              </a:spcAft>
-              <a:buNone/>
-            </a:pPr>
-            <a:r>
-              <a:t/>
-            </a:r>
+            <a:pPr marL="457200" lvl="0" indent="0" algn="l" rtl="0">
+              <a:spcBef>
+                <a:spcPts val="0"/>
+              </a:spcBef>
+              <a:spcAft>
+                <a:spcPts val="0"/>
+              </a:spcAft>
+              <a:buNone/>
+            </a:pPr>
             <a:endParaRPr/>
           </a:p>
           <a:p>
-            <a:pPr indent="-342900" lvl="0" marL="457200" rtl="0" algn="l">
+            <a:pPr marL="457200" lvl="0" indent="-342900" algn="l" rtl="0">
               <a:spcBef>
                 <a:spcPts val="0"/>
               </a:spcBef>
@@ -11221,7 +11394,7 @@
               <a:t>Base fundamental para trabalhar com </a:t>
             </a:r>
             <a:r>
-              <a:rPr b="1" lang="en">
+              <a:rPr lang="en" b="1">
                 <a:solidFill>
                   <a:srgbClr val="008F83"/>
                 </a:solidFill>
@@ -11239,9 +11412,11 @@
       <p:sp>
         <p:nvSpPr>
           <p:cNvPr id="126" name="Google Shape;126;p20"/>
-          <p:cNvSpPr txBox="1"/>
+          <p:cNvSpPr txBox="1">
+            <a:spLocks noGrp="1"/>
+          </p:cNvSpPr>
           <p:nvPr>
-            <p:ph idx="12" type="sldNum"/>
+            <p:ph type="sldNum" idx="12"/>
           </p:nvPr>
         </p:nvSpPr>
         <p:spPr>
@@ -11254,12 +11429,12 @@
           </a:prstGeom>
         </p:spPr>
         <p:txBody>
-          <a:bodyPr anchorCtr="0" anchor="ctr" bIns="91425" lIns="91425" spcFirstLastPara="1" rIns="91425" wrap="square" tIns="91425">
+          <a:bodyPr spcFirstLastPara="1" wrap="square" lIns="91425" tIns="91425" rIns="91425" bIns="91425" anchor="ctr" anchorCtr="0">
             <a:noAutofit/>
           </a:bodyPr>
           <a:lstStyle/>
           <a:p>
-            <a:pPr indent="0" lvl="0" marL="0" rtl="0" algn="r">
+            <a:pPr marL="0" lvl="0" indent="0" algn="r" rtl="0">
               <a:spcBef>
                 <a:spcPts val="0"/>
               </a:spcBef>
@@ -11270,7 +11445,7 @@
             </a:pPr>
             <a:fld id="{00000000-1234-1234-1234-123412341234}" type="slidenum">
               <a:rPr lang="en"/>
-              <a:t>‹#›</a:t>
+              <a:t>7</a:t>
             </a:fld>
             <a:endParaRPr/>
           </a:p>
@@ -11285,11 +11460,11 @@
 </file>
 
 <file path=ppt/slides/slide8.xml><?xml version="1.0" encoding="utf-8"?>
-<p:sld xmlns:a="http://schemas.openxmlformats.org/drawingml/2006/main" xmlns:r="http://schemas.openxmlformats.org/officeDocument/2006/relationships" xmlns:mc="http://schemas.openxmlformats.org/markup-compatibility/2006" xmlns:mv="urn:schemas-microsoft-com:mac:vml" xmlns:p="http://schemas.openxmlformats.org/presentationml/2006/main" xmlns:c="http://schemas.openxmlformats.org/drawingml/2006/chart" xmlns:dgm="http://schemas.openxmlformats.org/drawingml/2006/diagram" xmlns:o="urn:schemas-microsoft-com:office:office" xmlns:v="urn:schemas-microsoft-com:vml" xmlns:pvml="urn:schemas-microsoft-com:office:powerpoint" xmlns:com="http://schemas.openxmlformats.org/drawingml/2006/compatibility" xmlns:p14="http://schemas.microsoft.com/office/powerpoint/2010/main" xmlns:p15="http://schemas.microsoft.com/office/powerpoint/2012/main">
+<p:sld xmlns:a="http://schemas.openxmlformats.org/drawingml/2006/main" xmlns:r="http://schemas.openxmlformats.org/officeDocument/2006/relationships" xmlns:p="http://schemas.openxmlformats.org/presentationml/2006/main">
   <p:cSld>
     <p:spTree>
       <p:nvGrpSpPr>
-        <p:cNvPr id="130" name="Shape 130"/>
+        <p:cNvPr id="1" name="Shape 130"/>
         <p:cNvGrpSpPr/>
         <p:nvPr/>
       </p:nvGrpSpPr>
@@ -11304,7 +11479,9 @@
       <p:sp>
         <p:nvSpPr>
           <p:cNvPr id="131" name="Google Shape;131;p21"/>
-          <p:cNvSpPr txBox="1"/>
+          <p:cNvSpPr txBox="1">
+            <a:spLocks noGrp="1"/>
+          </p:cNvSpPr>
           <p:nvPr>
             <p:ph type="title"/>
           </p:nvPr>
@@ -11319,12 +11496,12 @@
           </a:prstGeom>
         </p:spPr>
         <p:txBody>
-          <a:bodyPr anchorCtr="0" anchor="t" bIns="91425" lIns="91425" spcFirstLastPara="1" rIns="91425" wrap="square" tIns="91425">
+          <a:bodyPr spcFirstLastPara="1" wrap="square" lIns="91425" tIns="91425" rIns="91425" bIns="91425" anchor="t" anchorCtr="0">
             <a:noAutofit/>
           </a:bodyPr>
           <a:lstStyle/>
           <a:p>
-            <a:pPr indent="0" lvl="0" marL="0" rtl="0" algn="l">
+            <a:pPr marL="0" lvl="0" indent="0" algn="l" rtl="0">
               <a:spcBef>
                 <a:spcPts val="0"/>
               </a:spcBef>
@@ -11345,18 +11522,15 @@
             <a:endParaRPr/>
           </a:p>
           <a:p>
-            <a:pPr indent="0" lvl="0" marL="0" rtl="0" algn="l">
-              <a:spcBef>
-                <a:spcPts val="0"/>
-              </a:spcBef>
-              <a:spcAft>
-                <a:spcPts val="0"/>
-              </a:spcAft>
-              <a:buNone/>
-            </a:pPr>
-            <a:r>
-              <a:t/>
-            </a:r>
+            <a:pPr marL="0" lvl="0" indent="0" algn="l" rtl="0">
+              <a:spcBef>
+                <a:spcPts val="0"/>
+              </a:spcBef>
+              <a:spcAft>
+                <a:spcPts val="0"/>
+              </a:spcAft>
+              <a:buNone/>
+            </a:pPr>
             <a:endParaRPr/>
           </a:p>
         </p:txBody>
@@ -11364,9 +11538,11 @@
       <p:sp>
         <p:nvSpPr>
           <p:cNvPr id="132" name="Google Shape;132;p21"/>
-          <p:cNvSpPr txBox="1"/>
+          <p:cNvSpPr txBox="1">
+            <a:spLocks noGrp="1"/>
+          </p:cNvSpPr>
           <p:nvPr>
-            <p:ph idx="1" type="body"/>
+            <p:ph type="body" idx="1"/>
           </p:nvPr>
         </p:nvSpPr>
         <p:spPr>
@@ -11379,12 +11555,12 @@
           </a:prstGeom>
         </p:spPr>
         <p:txBody>
-          <a:bodyPr anchorCtr="0" anchor="t" bIns="91425" lIns="91425" spcFirstLastPara="1" rIns="91425" wrap="square" tIns="91425">
+          <a:bodyPr spcFirstLastPara="1" wrap="square" lIns="91425" tIns="91425" rIns="91425" bIns="91425" anchor="t" anchorCtr="0">
             <a:noAutofit/>
           </a:bodyPr>
           <a:lstStyle/>
           <a:p>
-            <a:pPr indent="-342900" lvl="0" marL="457200" rtl="0" algn="l">
+            <a:pPr marL="457200" lvl="0" indent="-342900" algn="l" rtl="0">
               <a:spcBef>
                 <a:spcPts val="0"/>
               </a:spcBef>
@@ -11401,7 +11577,7 @@
             <a:endParaRPr/>
           </a:p>
           <a:p>
-            <a:pPr indent="-330200" lvl="1" marL="914400" rtl="0" algn="l">
+            <a:pPr marL="914400" lvl="1" indent="-330200" algn="l" rtl="0">
               <a:spcBef>
                 <a:spcPts val="0"/>
               </a:spcBef>
@@ -11412,7 +11588,7 @@
               <a:buChar char="○"/>
             </a:pPr>
             <a:r>
-              <a:rPr b="1" lang="en">
+              <a:rPr lang="en" b="1">
                 <a:solidFill>
                   <a:srgbClr val="008F83"/>
                 </a:solidFill>
@@ -11426,7 +11602,7 @@
             <a:endParaRPr/>
           </a:p>
           <a:p>
-            <a:pPr indent="-330200" lvl="1" marL="914400" rtl="0" algn="l">
+            <a:pPr marL="914400" lvl="1" indent="-330200" algn="l" rtl="0">
               <a:spcBef>
                 <a:spcPts val="0"/>
               </a:spcBef>
@@ -11443,37 +11619,31 @@
             <a:endParaRPr/>
           </a:p>
           <a:p>
-            <a:pPr indent="0" lvl="0" marL="0" rtl="0" algn="l">
-              <a:spcBef>
-                <a:spcPts val="0"/>
-              </a:spcBef>
-              <a:spcAft>
-                <a:spcPts val="0"/>
-              </a:spcAft>
-              <a:buNone/>
-            </a:pPr>
-            <a:r>
-              <a:t/>
-            </a:r>
+            <a:pPr marL="0" lvl="0" indent="0" algn="l" rtl="0">
+              <a:spcBef>
+                <a:spcPts val="0"/>
+              </a:spcBef>
+              <a:spcAft>
+                <a:spcPts val="0"/>
+              </a:spcAft>
+              <a:buNone/>
+            </a:pPr>
             <a:endParaRPr/>
           </a:p>
           <a:p>
-            <a:pPr indent="0" lvl="0" marL="0" rtl="0" algn="l">
-              <a:spcBef>
-                <a:spcPts val="0"/>
-              </a:spcBef>
-              <a:spcAft>
-                <a:spcPts val="0"/>
-              </a:spcAft>
-              <a:buNone/>
-            </a:pPr>
-            <a:r>
-              <a:t/>
-            </a:r>
+            <a:pPr marL="0" lvl="0" indent="0" algn="l" rtl="0">
+              <a:spcBef>
+                <a:spcPts val="0"/>
+              </a:spcBef>
+              <a:spcAft>
+                <a:spcPts val="0"/>
+              </a:spcAft>
+              <a:buNone/>
+            </a:pPr>
             <a:endParaRPr/>
           </a:p>
           <a:p>
-            <a:pPr indent="-342900" lvl="0" marL="457200" rtl="0" algn="l">
+            <a:pPr marL="457200" lvl="0" indent="-342900" algn="l" rtl="0">
               <a:spcBef>
                 <a:spcPts val="0"/>
               </a:spcBef>
@@ -11490,7 +11660,7 @@
             <a:endParaRPr/>
           </a:p>
           <a:p>
-            <a:pPr indent="-330200" lvl="1" marL="914400" rtl="0" algn="l">
+            <a:pPr marL="914400" lvl="1" indent="-330200" algn="l" rtl="0">
               <a:spcBef>
                 <a:spcPts val="0"/>
               </a:spcBef>
@@ -11505,7 +11675,7 @@
               <a:t>Estruturas de </a:t>
             </a:r>
             <a:r>
-              <a:rPr b="1" lang="en">
+              <a:rPr lang="en" b="1">
                 <a:solidFill>
                   <a:srgbClr val="008F83"/>
                 </a:solidFill>
@@ -11519,7 +11689,7 @@
             <a:endParaRPr/>
           </a:p>
           <a:p>
-            <a:pPr indent="-330200" lvl="1" marL="914400" rtl="0" algn="l">
+            <a:pPr marL="914400" lvl="1" indent="-330200" algn="l" rtl="0">
               <a:spcBef>
                 <a:spcPts val="0"/>
               </a:spcBef>
@@ -11531,11 +11701,7 @@
             </a:pPr>
             <a:r>
               <a:rPr lang="en"/>
-              <a:t>Tabela formada com dados de várias estruturas (listas, array, séries, et</a:t>
-            </a:r>
-            <a:r>
-              <a:rPr lang="en"/>
-              <a:t>c);</a:t>
+              <a:t>Tabela formada com dados de várias estruturas (listas, array, séries, etc);</a:t>
             </a:r>
             <a:endParaRPr/>
           </a:p>
@@ -11544,9 +11710,11 @@
       <p:sp>
         <p:nvSpPr>
           <p:cNvPr id="133" name="Google Shape;133;p21"/>
-          <p:cNvSpPr txBox="1"/>
+          <p:cNvSpPr txBox="1">
+            <a:spLocks noGrp="1"/>
+          </p:cNvSpPr>
           <p:nvPr>
-            <p:ph idx="12" type="sldNum"/>
+            <p:ph type="sldNum" idx="12"/>
           </p:nvPr>
         </p:nvSpPr>
         <p:spPr>
@@ -11559,12 +11727,12 @@
           </a:prstGeom>
         </p:spPr>
         <p:txBody>
-          <a:bodyPr anchorCtr="0" anchor="ctr" bIns="91425" lIns="91425" spcFirstLastPara="1" rIns="91425" wrap="square" tIns="91425">
+          <a:bodyPr spcFirstLastPara="1" wrap="square" lIns="91425" tIns="91425" rIns="91425" bIns="91425" anchor="ctr" anchorCtr="0">
             <a:noAutofit/>
           </a:bodyPr>
           <a:lstStyle/>
           <a:p>
-            <a:pPr indent="0" lvl="0" marL="0" rtl="0" algn="r">
+            <a:pPr marL="0" lvl="0" indent="0" algn="r" rtl="0">
               <a:spcBef>
                 <a:spcPts val="0"/>
               </a:spcBef>
@@ -11575,7 +11743,7 @@
             </a:pPr>
             <a:fld id="{00000000-1234-1234-1234-123412341234}" type="slidenum">
               <a:rPr lang="en"/>
-              <a:t>‹#›</a:t>
+              <a:t>8</a:t>
             </a:fld>
             <a:endParaRPr/>
           </a:p>
@@ -11590,11 +11758,11 @@
 </file>
 
 <file path=ppt/slides/slide9.xml><?xml version="1.0" encoding="utf-8"?>
-<p:sld xmlns:a="http://schemas.openxmlformats.org/drawingml/2006/main" xmlns:r="http://schemas.openxmlformats.org/officeDocument/2006/relationships" xmlns:mc="http://schemas.openxmlformats.org/markup-compatibility/2006" xmlns:mv="urn:schemas-microsoft-com:mac:vml" xmlns:p="http://schemas.openxmlformats.org/presentationml/2006/main" xmlns:c="http://schemas.openxmlformats.org/drawingml/2006/chart" xmlns:dgm="http://schemas.openxmlformats.org/drawingml/2006/diagram" xmlns:o="urn:schemas-microsoft-com:office:office" xmlns:v="urn:schemas-microsoft-com:vml" xmlns:pvml="urn:schemas-microsoft-com:office:powerpoint" xmlns:com="http://schemas.openxmlformats.org/drawingml/2006/compatibility" xmlns:p14="http://schemas.microsoft.com/office/powerpoint/2010/main" xmlns:p15="http://schemas.microsoft.com/office/powerpoint/2012/main">
+<p:sld xmlns:a="http://schemas.openxmlformats.org/drawingml/2006/main" xmlns:r="http://schemas.openxmlformats.org/officeDocument/2006/relationships" xmlns:p="http://schemas.openxmlformats.org/presentationml/2006/main">
   <p:cSld>
     <p:spTree>
       <p:nvGrpSpPr>
-        <p:cNvPr id="137" name="Shape 137"/>
+        <p:cNvPr id="1" name="Shape 137"/>
         <p:cNvGrpSpPr/>
         <p:nvPr/>
       </p:nvGrpSpPr>
@@ -11609,7 +11777,9 @@
       <p:sp>
         <p:nvSpPr>
           <p:cNvPr id="138" name="Google Shape;138;p22"/>
-          <p:cNvSpPr txBox="1"/>
+          <p:cNvSpPr txBox="1">
+            <a:spLocks noGrp="1"/>
+          </p:cNvSpPr>
           <p:nvPr>
             <p:ph type="title"/>
           </p:nvPr>
@@ -11624,12 +11794,12 @@
           </a:prstGeom>
         </p:spPr>
         <p:txBody>
-          <a:bodyPr anchorCtr="0" anchor="t" bIns="91425" lIns="91425" spcFirstLastPara="1" rIns="91425" wrap="square" tIns="91425">
+          <a:bodyPr spcFirstLastPara="1" wrap="square" lIns="91425" tIns="91425" rIns="91425" bIns="91425" anchor="t" anchorCtr="0">
             <a:noAutofit/>
           </a:bodyPr>
           <a:lstStyle/>
           <a:p>
-            <a:pPr indent="0" lvl="0" marL="0" rtl="0" algn="l">
+            <a:pPr marL="0" lvl="0" indent="0" algn="l" rtl="0">
               <a:spcBef>
                 <a:spcPts val="0"/>
               </a:spcBef>
@@ -11649,9 +11819,11 @@
       <p:sp>
         <p:nvSpPr>
           <p:cNvPr id="139" name="Google Shape;139;p22"/>
-          <p:cNvSpPr txBox="1"/>
+          <p:cNvSpPr txBox="1">
+            <a:spLocks noGrp="1"/>
+          </p:cNvSpPr>
           <p:nvPr>
-            <p:ph idx="1" type="body"/>
+            <p:ph type="body" idx="1"/>
           </p:nvPr>
         </p:nvSpPr>
         <p:spPr>
@@ -11664,12 +11836,12 @@
           </a:prstGeom>
         </p:spPr>
         <p:txBody>
-          <a:bodyPr anchorCtr="0" anchor="t" bIns="91425" lIns="91425" spcFirstLastPara="1" rIns="91425" wrap="square" tIns="91425">
+          <a:bodyPr spcFirstLastPara="1" wrap="square" lIns="91425" tIns="91425" rIns="91425" bIns="91425" anchor="t" anchorCtr="0">
             <a:noAutofit/>
           </a:bodyPr>
           <a:lstStyle/>
           <a:p>
-            <a:pPr indent="-342900" lvl="0" marL="457200" rtl="0" algn="l">
+            <a:pPr marL="457200" lvl="0" indent="-342900" algn="l" rtl="0">
               <a:spcBef>
                 <a:spcPts val="0"/>
               </a:spcBef>
@@ -11686,22 +11858,19 @@
             <a:endParaRPr/>
           </a:p>
           <a:p>
-            <a:pPr indent="0" lvl="0" marL="0" rtl="0" algn="l">
-              <a:spcBef>
-                <a:spcPts val="0"/>
-              </a:spcBef>
-              <a:spcAft>
-                <a:spcPts val="0"/>
-              </a:spcAft>
-              <a:buNone/>
-            </a:pPr>
-            <a:r>
-              <a:t/>
-            </a:r>
+            <a:pPr marL="0" lvl="0" indent="0" algn="l" rtl="0">
+              <a:spcBef>
+                <a:spcPts val="0"/>
+              </a:spcBef>
+              <a:spcAft>
+                <a:spcPts val="0"/>
+              </a:spcAft>
+              <a:buNone/>
+            </a:pPr>
             <a:endParaRPr/>
           </a:p>
           <a:p>
-            <a:pPr indent="-342900" lvl="0" marL="457200" rtl="0" algn="l">
+            <a:pPr marL="457200" lvl="0" indent="-342900" algn="l" rtl="0">
               <a:spcBef>
                 <a:spcPts val="0"/>
               </a:spcBef>
@@ -11718,22 +11887,19 @@
             <a:endParaRPr/>
           </a:p>
           <a:p>
-            <a:pPr indent="0" lvl="0" marL="0" rtl="0" algn="l">
-              <a:spcBef>
-                <a:spcPts val="0"/>
-              </a:spcBef>
-              <a:spcAft>
-                <a:spcPts val="0"/>
-              </a:spcAft>
-              <a:buNone/>
-            </a:pPr>
-            <a:r>
-              <a:t/>
-            </a:r>
+            <a:pPr marL="0" lvl="0" indent="0" algn="l" rtl="0">
+              <a:spcBef>
+                <a:spcPts val="0"/>
+              </a:spcBef>
+              <a:spcAft>
+                <a:spcPts val="0"/>
+              </a:spcAft>
+              <a:buNone/>
+            </a:pPr>
             <a:endParaRPr/>
           </a:p>
           <a:p>
-            <a:pPr indent="-342900" lvl="0" marL="457200" rtl="0" algn="l">
+            <a:pPr marL="457200" lvl="0" indent="-342900" algn="l" rtl="0">
               <a:spcBef>
                 <a:spcPts val="0"/>
               </a:spcBef>
@@ -11750,22 +11916,19 @@
             <a:endParaRPr/>
           </a:p>
           <a:p>
-            <a:pPr indent="0" lvl="0" marL="0" rtl="0" algn="l">
-              <a:spcBef>
-                <a:spcPts val="0"/>
-              </a:spcBef>
-              <a:spcAft>
-                <a:spcPts val="0"/>
-              </a:spcAft>
-              <a:buNone/>
-            </a:pPr>
-            <a:r>
-              <a:t/>
-            </a:r>
+            <a:pPr marL="0" lvl="0" indent="0" algn="l" rtl="0">
+              <a:spcBef>
+                <a:spcPts val="0"/>
+              </a:spcBef>
+              <a:spcAft>
+                <a:spcPts val="0"/>
+              </a:spcAft>
+              <a:buNone/>
+            </a:pPr>
             <a:endParaRPr/>
           </a:p>
           <a:p>
-            <a:pPr indent="-342900" lvl="0" marL="457200" rtl="0" algn="l">
+            <a:pPr marL="457200" lvl="0" indent="-342900" algn="l" rtl="0">
               <a:spcBef>
                 <a:spcPts val="0"/>
               </a:spcBef>
@@ -11782,22 +11945,19 @@
             <a:endParaRPr/>
           </a:p>
           <a:p>
-            <a:pPr indent="0" lvl="0" marL="0" rtl="0" algn="l">
-              <a:spcBef>
-                <a:spcPts val="0"/>
-              </a:spcBef>
-              <a:spcAft>
-                <a:spcPts val="0"/>
-              </a:spcAft>
-              <a:buNone/>
-            </a:pPr>
-            <a:r>
-              <a:t/>
-            </a:r>
+            <a:pPr marL="0" lvl="0" indent="0" algn="l" rtl="0">
+              <a:spcBef>
+                <a:spcPts val="0"/>
+              </a:spcBef>
+              <a:spcAft>
+                <a:spcPts val="0"/>
+              </a:spcAft>
+              <a:buNone/>
+            </a:pPr>
             <a:endParaRPr/>
           </a:p>
           <a:p>
-            <a:pPr indent="-342900" lvl="0" marL="457200" rtl="0" algn="l">
+            <a:pPr marL="457200" lvl="0" indent="-342900" algn="l" rtl="0">
               <a:spcBef>
                 <a:spcPts val="0"/>
               </a:spcBef>
@@ -11814,7 +11974,7 @@
             <a:endParaRPr/>
           </a:p>
           <a:p>
-            <a:pPr indent="-330200" lvl="1" marL="914400" rtl="0" algn="l">
+            <a:pPr marL="914400" lvl="1" indent="-330200" algn="l" rtl="0">
               <a:spcBef>
                 <a:spcPts val="0"/>
               </a:spcBef>
@@ -11835,9 +11995,11 @@
       <p:sp>
         <p:nvSpPr>
           <p:cNvPr id="140" name="Google Shape;140;p22"/>
-          <p:cNvSpPr txBox="1"/>
+          <p:cNvSpPr txBox="1">
+            <a:spLocks noGrp="1"/>
+          </p:cNvSpPr>
           <p:nvPr>
-            <p:ph idx="12" type="sldNum"/>
+            <p:ph type="sldNum" idx="12"/>
           </p:nvPr>
         </p:nvSpPr>
         <p:spPr>
@@ -11850,12 +12012,12 @@
           </a:prstGeom>
         </p:spPr>
         <p:txBody>
-          <a:bodyPr anchorCtr="0" anchor="ctr" bIns="91425" lIns="91425" spcFirstLastPara="1" rIns="91425" wrap="square" tIns="91425">
+          <a:bodyPr spcFirstLastPara="1" wrap="square" lIns="91425" tIns="91425" rIns="91425" bIns="91425" anchor="ctr" anchorCtr="0">
             <a:noAutofit/>
           </a:bodyPr>
           <a:lstStyle/>
           <a:p>
-            <a:pPr indent="0" lvl="0" marL="0" rtl="0" algn="r">
+            <a:pPr marL="0" lvl="0" indent="0" algn="r" rtl="0">
               <a:spcBef>
                 <a:spcPts val="0"/>
               </a:spcBef>
@@ -11866,7 +12028,7 @@
             </a:pPr>
             <a:fld id="{00000000-1234-1234-1234-123412341234}" type="slidenum">
               <a:rPr lang="en"/>
-              <a:t>‹#›</a:t>
+              <a:t>9</a:t>
             </a:fld>
             <a:endParaRPr/>
           </a:p>
@@ -11881,7 +12043,288 @@
 </file>
 
 <file path=ppt/theme/theme1.xml><?xml version="1.0" encoding="utf-8"?>
-<a:theme xmlns:a="http://schemas.openxmlformats.org/drawingml/2006/main" xmlns:r="http://schemas.openxmlformats.org/officeDocument/2006/relationships">
+<a:theme xmlns:a="http://schemas.openxmlformats.org/drawingml/2006/main" name="Simple Light">
+  <a:themeElements>
+    <a:clrScheme name="Simple Light">
+      <a:dk1>
+        <a:srgbClr val="000000"/>
+      </a:dk1>
+      <a:lt1>
+        <a:srgbClr val="FFFFFF"/>
+      </a:lt1>
+      <a:dk2>
+        <a:srgbClr val="595959"/>
+      </a:dk2>
+      <a:lt2>
+        <a:srgbClr val="EEEEEE"/>
+      </a:lt2>
+      <a:accent1>
+        <a:srgbClr val="FFAB40"/>
+      </a:accent1>
+      <a:accent2>
+        <a:srgbClr val="212121"/>
+      </a:accent2>
+      <a:accent3>
+        <a:srgbClr val="78909C"/>
+      </a:accent3>
+      <a:accent4>
+        <a:srgbClr val="FFAB40"/>
+      </a:accent4>
+      <a:accent5>
+        <a:srgbClr val="0097A7"/>
+      </a:accent5>
+      <a:accent6>
+        <a:srgbClr val="EEFF41"/>
+      </a:accent6>
+      <a:hlink>
+        <a:srgbClr val="0097A7"/>
+      </a:hlink>
+      <a:folHlink>
+        <a:srgbClr val="0097A7"/>
+      </a:folHlink>
+    </a:clrScheme>
+    <a:fontScheme name="Office">
+      <a:majorFont>
+        <a:latin typeface="Arial"/>
+        <a:ea typeface=""/>
+        <a:cs typeface=""/>
+        <a:font script="Jpan" typeface="ＭＳ Ｐゴシック"/>
+        <a:font script="Hang" typeface="맑은 고딕"/>
+        <a:font script="Hans" typeface="宋体"/>
+        <a:font script="Hant" typeface="新細明體"/>
+        <a:font script="Arab" typeface="Times New Roman"/>
+        <a:font script="Hebr" typeface="Times New Roman"/>
+        <a:font script="Thai" typeface="Angsana New"/>
+        <a:font script="Ethi" typeface="Nyala"/>
+        <a:font script="Beng" typeface="Vrinda"/>
+        <a:font script="Gujr" typeface="Shruti"/>
+        <a:font script="Khmr" typeface="MoolBoran"/>
+        <a:font script="Knda" typeface="Tunga"/>
+        <a:font script="Guru" typeface="Raavi"/>
+        <a:font script="Cans" typeface="Euphemia"/>
+        <a:font script="Cher" typeface="Plantagenet Cherokee"/>
+        <a:font script="Yiii" typeface="Microsoft Yi Baiti"/>
+        <a:font script="Tibt" typeface="Microsoft Himalaya"/>
+        <a:font script="Thaa" typeface="MV Boli"/>
+        <a:font script="Deva" typeface="Mangal"/>
+        <a:font script="Telu" typeface="Gautami"/>
+        <a:font script="Taml" typeface="Latha"/>
+        <a:font script="Syrc" typeface="Estrangelo Edessa"/>
+        <a:font script="Orya" typeface="Kalinga"/>
+        <a:font script="Mlym" typeface="Kartika"/>
+        <a:font script="Laoo" typeface="DokChampa"/>
+        <a:font script="Sinh" typeface="Iskoola Pota"/>
+        <a:font script="Mong" typeface="Mongolian Baiti"/>
+        <a:font script="Viet" typeface="Times New Roman"/>
+        <a:font script="Uigh" typeface="Microsoft Uighur"/>
+        <a:font script="Geor" typeface="Sylfaen"/>
+      </a:majorFont>
+      <a:minorFont>
+        <a:latin typeface="Arial"/>
+        <a:ea typeface=""/>
+        <a:cs typeface=""/>
+        <a:font script="Jpan" typeface="ＭＳ Ｐゴシック"/>
+        <a:font script="Hang" typeface="맑은 고딕"/>
+        <a:font script="Hans" typeface="宋体"/>
+        <a:font script="Hant" typeface="新細明體"/>
+        <a:font script="Arab" typeface="Arial"/>
+        <a:font script="Hebr" typeface="Arial"/>
+        <a:font script="Thai" typeface="Cordia New"/>
+        <a:font script="Ethi" typeface="Nyala"/>
+        <a:font script="Beng" typeface="Vrinda"/>
+        <a:font script="Gujr" typeface="Shruti"/>
+        <a:font script="Khmr" typeface="DaunPenh"/>
+        <a:font script="Knda" typeface="Tunga"/>
+        <a:font script="Guru" typeface="Raavi"/>
+        <a:font script="Cans" typeface="Euphemia"/>
+        <a:font script="Cher" typeface="Plantagenet Cherokee"/>
+        <a:font script="Yiii" typeface="Microsoft Yi Baiti"/>
+        <a:font script="Tibt" typeface="Microsoft Himalaya"/>
+        <a:font script="Thaa" typeface="MV Boli"/>
+        <a:font script="Deva" typeface="Mangal"/>
+        <a:font script="Telu" typeface="Gautami"/>
+        <a:font script="Taml" typeface="Latha"/>
+        <a:font script="Syrc" typeface="Estrangelo Edessa"/>
+        <a:font script="Orya" typeface="Kalinga"/>
+        <a:font script="Mlym" typeface="Kartika"/>
+        <a:font script="Laoo" typeface="DokChampa"/>
+        <a:font script="Sinh" typeface="Iskoola Pota"/>
+        <a:font script="Mong" typeface="Mongolian Baiti"/>
+        <a:font script="Viet" typeface="Arial"/>
+        <a:font script="Uigh" typeface="Microsoft Uighur"/>
+        <a:font script="Geor" typeface="Sylfaen"/>
+      </a:minorFont>
+    </a:fontScheme>
+    <a:fmtScheme name="Office">
+      <a:fillStyleLst>
+        <a:solidFill>
+          <a:schemeClr val="phClr"/>
+        </a:solidFill>
+        <a:gradFill rotWithShape="1">
+          <a:gsLst>
+            <a:gs pos="0">
+              <a:schemeClr val="phClr">
+                <a:tint val="50000"/>
+                <a:satMod val="300000"/>
+              </a:schemeClr>
+            </a:gs>
+            <a:gs pos="35000">
+              <a:schemeClr val="phClr">
+                <a:tint val="37000"/>
+                <a:satMod val="300000"/>
+              </a:schemeClr>
+            </a:gs>
+            <a:gs pos="100000">
+              <a:schemeClr val="phClr">
+                <a:tint val="15000"/>
+                <a:satMod val="350000"/>
+              </a:schemeClr>
+            </a:gs>
+          </a:gsLst>
+          <a:lin ang="16200000" scaled="1"/>
+        </a:gradFill>
+        <a:gradFill rotWithShape="1">
+          <a:gsLst>
+            <a:gs pos="0">
+              <a:schemeClr val="phClr">
+                <a:tint val="100000"/>
+                <a:shade val="100000"/>
+                <a:satMod val="130000"/>
+              </a:schemeClr>
+            </a:gs>
+            <a:gs pos="100000">
+              <a:schemeClr val="phClr">
+                <a:tint val="50000"/>
+                <a:shade val="100000"/>
+                <a:satMod val="350000"/>
+              </a:schemeClr>
+            </a:gs>
+          </a:gsLst>
+          <a:lin ang="16200000" scaled="0"/>
+        </a:gradFill>
+      </a:fillStyleLst>
+      <a:lnStyleLst>
+        <a:ln w="9525" cap="flat" cmpd="sng" algn="ctr">
+          <a:solidFill>
+            <a:schemeClr val="phClr">
+              <a:shade val="95000"/>
+              <a:satMod val="105000"/>
+            </a:schemeClr>
+          </a:solidFill>
+          <a:prstDash val="solid"/>
+        </a:ln>
+        <a:ln w="25400" cap="flat" cmpd="sng" algn="ctr">
+          <a:solidFill>
+            <a:schemeClr val="phClr"/>
+          </a:solidFill>
+          <a:prstDash val="solid"/>
+        </a:ln>
+        <a:ln w="38100" cap="flat" cmpd="sng" algn="ctr">
+          <a:solidFill>
+            <a:schemeClr val="phClr"/>
+          </a:solidFill>
+          <a:prstDash val="solid"/>
+        </a:ln>
+      </a:lnStyleLst>
+      <a:effectStyleLst>
+        <a:effectStyle>
+          <a:effectLst>
+            <a:outerShdw blurRad="40000" dist="20000" dir="5400000" rotWithShape="0">
+              <a:srgbClr val="000000">
+                <a:alpha val="38000"/>
+              </a:srgbClr>
+            </a:outerShdw>
+          </a:effectLst>
+        </a:effectStyle>
+        <a:effectStyle>
+          <a:effectLst>
+            <a:outerShdw blurRad="40000" dist="23000" dir="5400000" rotWithShape="0">
+              <a:srgbClr val="000000">
+                <a:alpha val="35000"/>
+              </a:srgbClr>
+            </a:outerShdw>
+          </a:effectLst>
+        </a:effectStyle>
+        <a:effectStyle>
+          <a:effectLst>
+            <a:outerShdw blurRad="40000" dist="23000" dir="5400000" rotWithShape="0">
+              <a:srgbClr val="000000">
+                <a:alpha val="35000"/>
+              </a:srgbClr>
+            </a:outerShdw>
+          </a:effectLst>
+          <a:scene3d>
+            <a:camera prst="orthographicFront">
+              <a:rot lat="0" lon="0" rev="0"/>
+            </a:camera>
+            <a:lightRig rig="threePt" dir="t">
+              <a:rot lat="0" lon="0" rev="1200000"/>
+            </a:lightRig>
+          </a:scene3d>
+          <a:sp3d>
+            <a:bevelT w="63500" h="25400"/>
+          </a:sp3d>
+        </a:effectStyle>
+      </a:effectStyleLst>
+      <a:bgFillStyleLst>
+        <a:solidFill>
+          <a:schemeClr val="phClr"/>
+        </a:solidFill>
+        <a:gradFill rotWithShape="1">
+          <a:gsLst>
+            <a:gs pos="0">
+              <a:schemeClr val="phClr">
+                <a:tint val="40000"/>
+                <a:satMod val="350000"/>
+              </a:schemeClr>
+            </a:gs>
+            <a:gs pos="40000">
+              <a:schemeClr val="phClr">
+                <a:tint val="45000"/>
+                <a:shade val="99000"/>
+                <a:satMod val="350000"/>
+              </a:schemeClr>
+            </a:gs>
+            <a:gs pos="100000">
+              <a:schemeClr val="phClr">
+                <a:shade val="20000"/>
+                <a:satMod val="255000"/>
+              </a:schemeClr>
+            </a:gs>
+          </a:gsLst>
+          <a:path path="circle">
+            <a:fillToRect l="50000" t="-80000" r="50000" b="180000"/>
+          </a:path>
+        </a:gradFill>
+        <a:gradFill rotWithShape="1">
+          <a:gsLst>
+            <a:gs pos="0">
+              <a:schemeClr val="phClr">
+                <a:tint val="80000"/>
+                <a:satMod val="300000"/>
+              </a:schemeClr>
+            </a:gs>
+            <a:gs pos="100000">
+              <a:schemeClr val="phClr">
+                <a:shade val="30000"/>
+                <a:satMod val="200000"/>
+              </a:schemeClr>
+            </a:gs>
+          </a:gsLst>
+          <a:path path="circle">
+            <a:fillToRect l="50000" t="50000" r="50000" b="50000"/>
+          </a:path>
+        </a:gradFill>
+      </a:bgFillStyleLst>
+    </a:fmtScheme>
+  </a:themeElements>
+  <a:objectDefaults/>
+  <a:extraClrSchemeLst/>
+</a:theme>
+</file>
+
+<file path=ppt/theme/theme2.xml><?xml version="1.0" encoding="utf-8"?>
+<a:theme xmlns:a="http://schemas.openxmlformats.org/drawingml/2006/main">
   <a:themeElements>
     <a:clrScheme name="Default">
       <a:dk1>
@@ -12156,284 +12599,7 @@
       </a:bgFillStyleLst>
     </a:fmtScheme>
   </a:themeElements>
-</a:theme>
-</file>
-
-<file path=ppt/theme/theme2.xml><?xml version="1.0" encoding="utf-8"?>
-<a:theme xmlns:a="http://schemas.openxmlformats.org/drawingml/2006/main" xmlns:r="http://schemas.openxmlformats.org/officeDocument/2006/relationships" name="Simple Light">
-  <a:themeElements>
-    <a:clrScheme name="Simple Light">
-      <a:dk1>
-        <a:srgbClr val="000000"/>
-      </a:dk1>
-      <a:lt1>
-        <a:srgbClr val="FFFFFF"/>
-      </a:lt1>
-      <a:dk2>
-        <a:srgbClr val="595959"/>
-      </a:dk2>
-      <a:lt2>
-        <a:srgbClr val="EEEEEE"/>
-      </a:lt2>
-      <a:accent1>
-        <a:srgbClr val="FFAB40"/>
-      </a:accent1>
-      <a:accent2>
-        <a:srgbClr val="212121"/>
-      </a:accent2>
-      <a:accent3>
-        <a:srgbClr val="78909C"/>
-      </a:accent3>
-      <a:accent4>
-        <a:srgbClr val="FFAB40"/>
-      </a:accent4>
-      <a:accent5>
-        <a:srgbClr val="0097A7"/>
-      </a:accent5>
-      <a:accent6>
-        <a:srgbClr val="EEFF41"/>
-      </a:accent6>
-      <a:hlink>
-        <a:srgbClr val="0097A7"/>
-      </a:hlink>
-      <a:folHlink>
-        <a:srgbClr val="0097A7"/>
-      </a:folHlink>
-    </a:clrScheme>
-    <a:fontScheme name="Office">
-      <a:majorFont>
-        <a:latin typeface="Arial"/>
-        <a:ea typeface=""/>
-        <a:cs typeface=""/>
-        <a:font script="Jpan" typeface="ＭＳ Ｐゴシック"/>
-        <a:font script="Hang" typeface="맑은 고딕"/>
-        <a:font script="Hans" typeface="宋体"/>
-        <a:font script="Hant" typeface="新細明體"/>
-        <a:font script="Arab" typeface="Times New Roman"/>
-        <a:font script="Hebr" typeface="Times New Roman"/>
-        <a:font script="Thai" typeface="Angsana New"/>
-        <a:font script="Ethi" typeface="Nyala"/>
-        <a:font script="Beng" typeface="Vrinda"/>
-        <a:font script="Gujr" typeface="Shruti"/>
-        <a:font script="Khmr" typeface="MoolBoran"/>
-        <a:font script="Knda" typeface="Tunga"/>
-        <a:font script="Guru" typeface="Raavi"/>
-        <a:font script="Cans" typeface="Euphemia"/>
-        <a:font script="Cher" typeface="Plantagenet Cherokee"/>
-        <a:font script="Yiii" typeface="Microsoft Yi Baiti"/>
-        <a:font script="Tibt" typeface="Microsoft Himalaya"/>
-        <a:font script="Thaa" typeface="MV Boli"/>
-        <a:font script="Deva" typeface="Mangal"/>
-        <a:font script="Telu" typeface="Gautami"/>
-        <a:font script="Taml" typeface="Latha"/>
-        <a:font script="Syrc" typeface="Estrangelo Edessa"/>
-        <a:font script="Orya" typeface="Kalinga"/>
-        <a:font script="Mlym" typeface="Kartika"/>
-        <a:font script="Laoo" typeface="DokChampa"/>
-        <a:font script="Sinh" typeface="Iskoola Pota"/>
-        <a:font script="Mong" typeface="Mongolian Baiti"/>
-        <a:font script="Viet" typeface="Times New Roman"/>
-        <a:font script="Uigh" typeface="Microsoft Uighur"/>
-        <a:font script="Geor" typeface="Sylfaen"/>
-      </a:majorFont>
-      <a:minorFont>
-        <a:latin typeface="Arial"/>
-        <a:ea typeface=""/>
-        <a:cs typeface=""/>
-        <a:font script="Jpan" typeface="ＭＳ Ｐゴシック"/>
-        <a:font script="Hang" typeface="맑은 고딕"/>
-        <a:font script="Hans" typeface="宋体"/>
-        <a:font script="Hant" typeface="新細明體"/>
-        <a:font script="Arab" typeface="Arial"/>
-        <a:font script="Hebr" typeface="Arial"/>
-        <a:font script="Thai" typeface="Cordia New"/>
-        <a:font script="Ethi" typeface="Nyala"/>
-        <a:font script="Beng" typeface="Vrinda"/>
-        <a:font script="Gujr" typeface="Shruti"/>
-        <a:font script="Khmr" typeface="DaunPenh"/>
-        <a:font script="Knda" typeface="Tunga"/>
-        <a:font script="Guru" typeface="Raavi"/>
-        <a:font script="Cans" typeface="Euphemia"/>
-        <a:font script="Cher" typeface="Plantagenet Cherokee"/>
-        <a:font script="Yiii" typeface="Microsoft Yi Baiti"/>
-        <a:font script="Tibt" typeface="Microsoft Himalaya"/>
-        <a:font script="Thaa" typeface="MV Boli"/>
-        <a:font script="Deva" typeface="Mangal"/>
-        <a:font script="Telu" typeface="Gautami"/>
-        <a:font script="Taml" typeface="Latha"/>
-        <a:font script="Syrc" typeface="Estrangelo Edessa"/>
-        <a:font script="Orya" typeface="Kalinga"/>
-        <a:font script="Mlym" typeface="Kartika"/>
-        <a:font script="Laoo" typeface="DokChampa"/>
-        <a:font script="Sinh" typeface="Iskoola Pota"/>
-        <a:font script="Mong" typeface="Mongolian Baiti"/>
-        <a:font script="Viet" typeface="Arial"/>
-        <a:font script="Uigh" typeface="Microsoft Uighur"/>
-        <a:font script="Geor" typeface="Sylfaen"/>
-      </a:minorFont>
-    </a:fontScheme>
-    <a:fmtScheme name="Office">
-      <a:fillStyleLst>
-        <a:solidFill>
-          <a:schemeClr val="phClr"/>
-        </a:solidFill>
-        <a:gradFill rotWithShape="1">
-          <a:gsLst>
-            <a:gs pos="0">
-              <a:schemeClr val="phClr">
-                <a:tint val="50000"/>
-                <a:satMod val="300000"/>
-              </a:schemeClr>
-            </a:gs>
-            <a:gs pos="35000">
-              <a:schemeClr val="phClr">
-                <a:tint val="37000"/>
-                <a:satMod val="300000"/>
-              </a:schemeClr>
-            </a:gs>
-            <a:gs pos="100000">
-              <a:schemeClr val="phClr">
-                <a:tint val="15000"/>
-                <a:satMod val="350000"/>
-              </a:schemeClr>
-            </a:gs>
-          </a:gsLst>
-          <a:lin ang="16200000" scaled="1"/>
-        </a:gradFill>
-        <a:gradFill rotWithShape="1">
-          <a:gsLst>
-            <a:gs pos="0">
-              <a:schemeClr val="phClr">
-                <a:tint val="100000"/>
-                <a:shade val="100000"/>
-                <a:satMod val="130000"/>
-              </a:schemeClr>
-            </a:gs>
-            <a:gs pos="100000">
-              <a:schemeClr val="phClr">
-                <a:tint val="50000"/>
-                <a:shade val="100000"/>
-                <a:satMod val="350000"/>
-              </a:schemeClr>
-            </a:gs>
-          </a:gsLst>
-          <a:lin ang="16200000" scaled="0"/>
-        </a:gradFill>
-      </a:fillStyleLst>
-      <a:lnStyleLst>
-        <a:ln w="9525" cap="flat" cmpd="sng" algn="ctr">
-          <a:solidFill>
-            <a:schemeClr val="phClr">
-              <a:shade val="95000"/>
-              <a:satMod val="105000"/>
-            </a:schemeClr>
-          </a:solidFill>
-          <a:prstDash val="solid"/>
-        </a:ln>
-        <a:ln w="25400" cap="flat" cmpd="sng" algn="ctr">
-          <a:solidFill>
-            <a:schemeClr val="phClr"/>
-          </a:solidFill>
-          <a:prstDash val="solid"/>
-        </a:ln>
-        <a:ln w="38100" cap="flat" cmpd="sng" algn="ctr">
-          <a:solidFill>
-            <a:schemeClr val="phClr"/>
-          </a:solidFill>
-          <a:prstDash val="solid"/>
-        </a:ln>
-      </a:lnStyleLst>
-      <a:effectStyleLst>
-        <a:effectStyle>
-          <a:effectLst>
-            <a:outerShdw blurRad="40000" dist="20000" dir="5400000" rotWithShape="0">
-              <a:srgbClr val="000000">
-                <a:alpha val="38000"/>
-              </a:srgbClr>
-            </a:outerShdw>
-          </a:effectLst>
-        </a:effectStyle>
-        <a:effectStyle>
-          <a:effectLst>
-            <a:outerShdw blurRad="40000" dist="23000" dir="5400000" rotWithShape="0">
-              <a:srgbClr val="000000">
-                <a:alpha val="35000"/>
-              </a:srgbClr>
-            </a:outerShdw>
-          </a:effectLst>
-        </a:effectStyle>
-        <a:effectStyle>
-          <a:effectLst>
-            <a:outerShdw blurRad="40000" dist="23000" dir="5400000" rotWithShape="0">
-              <a:srgbClr val="000000">
-                <a:alpha val="35000"/>
-              </a:srgbClr>
-            </a:outerShdw>
-          </a:effectLst>
-          <a:scene3d>
-            <a:camera prst="orthographicFront">
-              <a:rot lat="0" lon="0" rev="0"/>
-            </a:camera>
-            <a:lightRig rig="threePt" dir="t">
-              <a:rot lat="0" lon="0" rev="1200000"/>
-            </a:lightRig>
-          </a:scene3d>
-          <a:sp3d>
-            <a:bevelT w="63500" h="25400"/>
-          </a:sp3d>
-        </a:effectStyle>
-      </a:effectStyleLst>
-      <a:bgFillStyleLst>
-        <a:solidFill>
-          <a:schemeClr val="phClr"/>
-        </a:solidFill>
-        <a:gradFill rotWithShape="1">
-          <a:gsLst>
-            <a:gs pos="0">
-              <a:schemeClr val="phClr">
-                <a:tint val="40000"/>
-                <a:satMod val="350000"/>
-              </a:schemeClr>
-            </a:gs>
-            <a:gs pos="40000">
-              <a:schemeClr val="phClr">
-                <a:tint val="45000"/>
-                <a:shade val="99000"/>
-                <a:satMod val="350000"/>
-              </a:schemeClr>
-            </a:gs>
-            <a:gs pos="100000">
-              <a:schemeClr val="phClr">
-                <a:shade val="20000"/>
-                <a:satMod val="255000"/>
-              </a:schemeClr>
-            </a:gs>
-          </a:gsLst>
-          <a:path path="circle">
-            <a:fillToRect l="50000" t="-80000" r="50000" b="180000"/>
-          </a:path>
-        </a:gradFill>
-        <a:gradFill rotWithShape="1">
-          <a:gsLst>
-            <a:gs pos="0">
-              <a:schemeClr val="phClr">
-                <a:tint val="80000"/>
-                <a:satMod val="300000"/>
-              </a:schemeClr>
-            </a:gs>
-            <a:gs pos="100000">
-              <a:schemeClr val="phClr">
-                <a:shade val="30000"/>
-                <a:satMod val="200000"/>
-              </a:schemeClr>
-            </a:gs>
-          </a:gsLst>
-          <a:path path="circle">
-            <a:fillToRect l="50000" t="50000" r="50000" b="50000"/>
-          </a:path>
-        </a:gradFill>
-      </a:bgFillStyleLst>
-    </a:fmtScheme>
-  </a:themeElements>
+  <a:objectDefaults/>
+  <a:extraClrSchemeLst/>
 </a:theme>
 </file>